--- a/02 - Microservices/02 .pptx
+++ b/02 - Microservices/02 .pptx
@@ -3656,6 +3656,502 @@
           <a:chExt cx="0" cy="0"/>
         </a:xfrm>
       </p:grpSpPr>
+      <p:sp>
+        <p:nvSpPr>
+          <p:cNvPr id="2" name="Hexagon 1">
+            <a:extLst>
+              <a:ext uri="{FF2B5EF4-FFF2-40B4-BE49-F238E27FC236}">
+                <a16:creationId xmlns:a16="http://schemas.microsoft.com/office/drawing/2014/main" id="{2787FA41-542C-C9EA-CF57-DAB59D86DFE6}"/>
+              </a:ext>
+            </a:extLst>
+          </p:cNvPr>
+          <p:cNvSpPr/>
+          <p:nvPr/>
+        </p:nvSpPr>
+        <p:spPr>
+          <a:xfrm>
+            <a:off x="5098473" y="895927"/>
+            <a:ext cx="757382" cy="652916"/>
+          </a:xfrm>
+          <a:prstGeom prst="hexagon">
+            <a:avLst/>
+          </a:prstGeom>
+          <a:noFill/>
+        </p:spPr>
+        <p:style>
+          <a:lnRef idx="2">
+            <a:schemeClr val="accent1">
+              <a:shade val="15000"/>
+            </a:schemeClr>
+          </a:lnRef>
+          <a:fillRef idx="1">
+            <a:schemeClr val="accent1"/>
+          </a:fillRef>
+          <a:effectRef idx="0">
+            <a:schemeClr val="accent1"/>
+          </a:effectRef>
+          <a:fontRef idx="minor">
+            <a:schemeClr val="lt1"/>
+          </a:fontRef>
+        </p:style>
+        <p:txBody>
+          <a:bodyPr rtlCol="0" anchor="ctr"/>
+          <a:lstStyle/>
+          <a:p>
+            <a:pPr algn="ctr"/>
+            <a:endParaRPr lang="es-419"/>
+          </a:p>
+        </p:txBody>
+      </p:sp>
+      <p:sp>
+        <p:nvSpPr>
+          <p:cNvPr id="3" name="Hexagon 2">
+            <a:extLst>
+              <a:ext uri="{FF2B5EF4-FFF2-40B4-BE49-F238E27FC236}">
+                <a16:creationId xmlns:a16="http://schemas.microsoft.com/office/drawing/2014/main" id="{9AB7A2D8-23CB-9300-A33E-A7CE5524DE36}"/>
+              </a:ext>
+            </a:extLst>
+          </p:cNvPr>
+          <p:cNvSpPr/>
+          <p:nvPr/>
+        </p:nvSpPr>
+        <p:spPr>
+          <a:xfrm>
+            <a:off x="5098473" y="2244435"/>
+            <a:ext cx="757382" cy="652916"/>
+          </a:xfrm>
+          <a:prstGeom prst="hexagon">
+            <a:avLst/>
+          </a:prstGeom>
+          <a:noFill/>
+        </p:spPr>
+        <p:style>
+          <a:lnRef idx="2">
+            <a:schemeClr val="accent1">
+              <a:shade val="15000"/>
+            </a:schemeClr>
+          </a:lnRef>
+          <a:fillRef idx="1">
+            <a:schemeClr val="accent1"/>
+          </a:fillRef>
+          <a:effectRef idx="0">
+            <a:schemeClr val="accent1"/>
+          </a:effectRef>
+          <a:fontRef idx="minor">
+            <a:schemeClr val="lt1"/>
+          </a:fontRef>
+        </p:style>
+        <p:txBody>
+          <a:bodyPr rtlCol="0" anchor="ctr"/>
+          <a:lstStyle/>
+          <a:p>
+            <a:pPr algn="ctr"/>
+            <a:endParaRPr lang="es-419"/>
+          </a:p>
+        </p:txBody>
+      </p:sp>
+      <p:sp>
+        <p:nvSpPr>
+          <p:cNvPr id="4" name="TextBox 3">
+            <a:extLst>
+              <a:ext uri="{FF2B5EF4-FFF2-40B4-BE49-F238E27FC236}">
+                <a16:creationId xmlns:a16="http://schemas.microsoft.com/office/drawing/2014/main" id="{EAC443E2-598E-0DB7-D932-1AC0994D6274}"/>
+              </a:ext>
+            </a:extLst>
+          </p:cNvPr>
+          <p:cNvSpPr txBox="1"/>
+          <p:nvPr/>
+        </p:nvSpPr>
+        <p:spPr>
+          <a:xfrm>
+            <a:off x="5181600" y="526473"/>
+            <a:ext cx="1101840" cy="369332"/>
+          </a:xfrm>
+          <a:prstGeom prst="rect">
+            <a:avLst/>
+          </a:prstGeom>
+          <a:noFill/>
+        </p:spPr>
+        <p:txBody>
+          <a:bodyPr wrap="none" rtlCol="0">
+            <a:spAutoFit/>
+          </a:bodyPr>
+          <a:lstStyle/>
+          <a:p>
+            <a:r>
+              <a:rPr lang="es-419" dirty="0" err="1"/>
+              <a:t>Service</a:t>
+            </a:r>
+            <a:r>
+              <a:rPr lang="es-419" dirty="0"/>
+              <a:t> A</a:t>
+            </a:r>
+          </a:p>
+        </p:txBody>
+      </p:sp>
+      <p:sp>
+        <p:nvSpPr>
+          <p:cNvPr id="5" name="TextBox 4">
+            <a:extLst>
+              <a:ext uri="{FF2B5EF4-FFF2-40B4-BE49-F238E27FC236}">
+                <a16:creationId xmlns:a16="http://schemas.microsoft.com/office/drawing/2014/main" id="{515D9BF9-E2D1-D247-E3E2-2CC70BA57E01}"/>
+              </a:ext>
+            </a:extLst>
+          </p:cNvPr>
+          <p:cNvSpPr txBox="1"/>
+          <p:nvPr/>
+        </p:nvSpPr>
+        <p:spPr>
+          <a:xfrm>
+            <a:off x="5181600" y="1875103"/>
+            <a:ext cx="1105046" cy="369332"/>
+          </a:xfrm>
+          <a:prstGeom prst="rect">
+            <a:avLst/>
+          </a:prstGeom>
+          <a:noFill/>
+        </p:spPr>
+        <p:txBody>
+          <a:bodyPr wrap="none" rtlCol="0">
+            <a:spAutoFit/>
+          </a:bodyPr>
+          <a:lstStyle/>
+          <a:p>
+            <a:r>
+              <a:rPr lang="es-419" dirty="0" err="1"/>
+              <a:t>Service</a:t>
+            </a:r>
+            <a:r>
+              <a:rPr lang="es-419" dirty="0"/>
+              <a:t> B</a:t>
+            </a:r>
+          </a:p>
+        </p:txBody>
+      </p:sp>
+      <p:sp>
+        <p:nvSpPr>
+          <p:cNvPr id="6" name="Hexagon 5">
+            <a:extLst>
+              <a:ext uri="{FF2B5EF4-FFF2-40B4-BE49-F238E27FC236}">
+                <a16:creationId xmlns:a16="http://schemas.microsoft.com/office/drawing/2014/main" id="{FCAC3BFD-E5BA-E639-542B-3CA583C9C046}"/>
+              </a:ext>
+            </a:extLst>
+          </p:cNvPr>
+          <p:cNvSpPr/>
+          <p:nvPr/>
+        </p:nvSpPr>
+        <p:spPr>
+          <a:xfrm>
+            <a:off x="3297382" y="1406853"/>
+            <a:ext cx="757382" cy="652916"/>
+          </a:xfrm>
+          <a:prstGeom prst="hexagon">
+            <a:avLst/>
+          </a:prstGeom>
+          <a:noFill/>
+        </p:spPr>
+        <p:style>
+          <a:lnRef idx="2">
+            <a:schemeClr val="accent1">
+              <a:shade val="15000"/>
+            </a:schemeClr>
+          </a:lnRef>
+          <a:fillRef idx="1">
+            <a:schemeClr val="accent1"/>
+          </a:fillRef>
+          <a:effectRef idx="0">
+            <a:schemeClr val="accent1"/>
+          </a:effectRef>
+          <a:fontRef idx="minor">
+            <a:schemeClr val="lt1"/>
+          </a:fontRef>
+        </p:style>
+        <p:txBody>
+          <a:bodyPr rtlCol="0" anchor="ctr"/>
+          <a:lstStyle/>
+          <a:p>
+            <a:pPr algn="ctr"/>
+            <a:endParaRPr lang="es-419"/>
+          </a:p>
+        </p:txBody>
+      </p:sp>
+      <p:grpSp>
+        <p:nvGrpSpPr>
+          <p:cNvPr id="9" name="Group 8">
+            <a:extLst>
+              <a:ext uri="{FF2B5EF4-FFF2-40B4-BE49-F238E27FC236}">
+                <a16:creationId xmlns:a16="http://schemas.microsoft.com/office/drawing/2014/main" id="{588DEB2D-AAE1-6806-C5E6-657EB145865A}"/>
+              </a:ext>
+            </a:extLst>
+          </p:cNvPr>
+          <p:cNvGrpSpPr/>
+          <p:nvPr/>
+        </p:nvGrpSpPr>
+        <p:grpSpPr>
+          <a:xfrm>
+            <a:off x="582979" y="1322580"/>
+            <a:ext cx="1105046" cy="1105046"/>
+            <a:chOff x="573742" y="1407460"/>
+            <a:chExt cx="1757082" cy="1757082"/>
+          </a:xfrm>
+        </p:grpSpPr>
+        <p:sp>
+          <p:nvSpPr>
+            <p:cNvPr id="7" name="Rectangle: Rounded Corners 6">
+              <a:extLst>
+                <a:ext uri="{FF2B5EF4-FFF2-40B4-BE49-F238E27FC236}">
+                  <a16:creationId xmlns:a16="http://schemas.microsoft.com/office/drawing/2014/main" id="{79CAA9C6-5C80-9140-441E-64283A252D0D}"/>
+                </a:ext>
+              </a:extLst>
+            </p:cNvPr>
+            <p:cNvSpPr/>
+            <p:nvPr/>
+          </p:nvSpPr>
+          <p:spPr>
+            <a:xfrm>
+              <a:off x="681318" y="1407460"/>
+              <a:ext cx="1649506" cy="1246094"/>
+            </a:xfrm>
+            <a:prstGeom prst="roundRect">
+              <a:avLst/>
+            </a:prstGeom>
+          </p:spPr>
+          <p:style>
+            <a:lnRef idx="2">
+              <a:schemeClr val="dk1"/>
+            </a:lnRef>
+            <a:fillRef idx="1">
+              <a:schemeClr val="lt1"/>
+            </a:fillRef>
+            <a:effectRef idx="0">
+              <a:schemeClr val="dk1"/>
+            </a:effectRef>
+            <a:fontRef idx="minor">
+              <a:schemeClr val="dk1"/>
+            </a:fontRef>
+          </p:style>
+          <p:txBody>
+            <a:bodyPr rtlCol="0" anchor="ctr"/>
+            <a:lstStyle/>
+            <a:p>
+              <a:pPr algn="ctr"/>
+              <a:endParaRPr lang="es-419"/>
+            </a:p>
+          </p:txBody>
+        </p:sp>
+        <p:sp>
+          <p:nvSpPr>
+            <p:cNvPr id="8" name="Parallelogram 7">
+              <a:extLst>
+                <a:ext uri="{FF2B5EF4-FFF2-40B4-BE49-F238E27FC236}">
+                  <a16:creationId xmlns:a16="http://schemas.microsoft.com/office/drawing/2014/main" id="{6B79036A-BD7D-D7EB-B1CF-8E080C764857}"/>
+                </a:ext>
+              </a:extLst>
+            </p:cNvPr>
+            <p:cNvSpPr/>
+            <p:nvPr/>
+          </p:nvSpPr>
+          <p:spPr>
+            <a:xfrm>
+              <a:off x="573742" y="2779059"/>
+              <a:ext cx="1730188" cy="385483"/>
+            </a:xfrm>
+            <a:prstGeom prst="parallelogram">
+              <a:avLst/>
+            </a:prstGeom>
+            <a:noFill/>
+          </p:spPr>
+          <p:style>
+            <a:lnRef idx="2">
+              <a:schemeClr val="accent1">
+                <a:shade val="15000"/>
+              </a:schemeClr>
+            </a:lnRef>
+            <a:fillRef idx="1">
+              <a:schemeClr val="accent1"/>
+            </a:fillRef>
+            <a:effectRef idx="0">
+              <a:schemeClr val="accent1"/>
+            </a:effectRef>
+            <a:fontRef idx="minor">
+              <a:schemeClr val="lt1"/>
+            </a:fontRef>
+          </p:style>
+          <p:txBody>
+            <a:bodyPr rtlCol="0" anchor="ctr"/>
+            <a:lstStyle/>
+            <a:p>
+              <a:pPr algn="ctr"/>
+              <a:endParaRPr lang="es-419"/>
+            </a:p>
+          </p:txBody>
+        </p:sp>
+      </p:grpSp>
+      <p:cxnSp>
+        <p:nvCxnSpPr>
+          <p:cNvPr id="11" name="Straight Arrow Connector 10">
+            <a:extLst>
+              <a:ext uri="{FF2B5EF4-FFF2-40B4-BE49-F238E27FC236}">
+                <a16:creationId xmlns:a16="http://schemas.microsoft.com/office/drawing/2014/main" id="{4F1AE990-619D-F05F-6BE4-59F152250F84}"/>
+              </a:ext>
+            </a:extLst>
+          </p:cNvPr>
+          <p:cNvCxnSpPr>
+            <a:stCxn id="7" idx="3"/>
+            <a:endCxn id="6" idx="3"/>
+          </p:cNvCxnSpPr>
+          <p:nvPr/>
+        </p:nvCxnSpPr>
+        <p:spPr>
+          <a:xfrm>
+            <a:off x="1688025" y="1714421"/>
+            <a:ext cx="1609357" cy="18890"/>
+          </a:xfrm>
+          <a:prstGeom prst="straightConnector1">
+            <a:avLst/>
+          </a:prstGeom>
+          <a:ln>
+            <a:tailEnd type="triangle"/>
+          </a:ln>
+        </p:spPr>
+        <p:style>
+          <a:lnRef idx="2">
+            <a:schemeClr val="accent1"/>
+          </a:lnRef>
+          <a:fillRef idx="0">
+            <a:schemeClr val="accent1"/>
+          </a:fillRef>
+          <a:effectRef idx="1">
+            <a:schemeClr val="accent1"/>
+          </a:effectRef>
+          <a:fontRef idx="minor">
+            <a:schemeClr val="tx1"/>
+          </a:fontRef>
+        </p:style>
+      </p:cxnSp>
+      <p:cxnSp>
+        <p:nvCxnSpPr>
+          <p:cNvPr id="13" name="Straight Arrow Connector 12">
+            <a:extLst>
+              <a:ext uri="{FF2B5EF4-FFF2-40B4-BE49-F238E27FC236}">
+                <a16:creationId xmlns:a16="http://schemas.microsoft.com/office/drawing/2014/main" id="{1ECAE92A-8AC5-27FB-79F1-3D84A40D4A05}"/>
+              </a:ext>
+            </a:extLst>
+          </p:cNvPr>
+          <p:cNvCxnSpPr>
+            <a:stCxn id="6" idx="0"/>
+            <a:endCxn id="2" idx="3"/>
+          </p:cNvCxnSpPr>
+          <p:nvPr/>
+        </p:nvCxnSpPr>
+        <p:spPr>
+          <a:xfrm flipV="1">
+            <a:off x="4054764" y="1222385"/>
+            <a:ext cx="1043709" cy="510926"/>
+          </a:xfrm>
+          <a:prstGeom prst="straightConnector1">
+            <a:avLst/>
+          </a:prstGeom>
+          <a:ln>
+            <a:tailEnd type="triangle"/>
+          </a:ln>
+        </p:spPr>
+        <p:style>
+          <a:lnRef idx="2">
+            <a:schemeClr val="accent1"/>
+          </a:lnRef>
+          <a:fillRef idx="0">
+            <a:schemeClr val="accent1"/>
+          </a:fillRef>
+          <a:effectRef idx="1">
+            <a:schemeClr val="accent1"/>
+          </a:effectRef>
+          <a:fontRef idx="minor">
+            <a:schemeClr val="tx1"/>
+          </a:fontRef>
+        </p:style>
+      </p:cxnSp>
+      <p:cxnSp>
+        <p:nvCxnSpPr>
+          <p:cNvPr id="15" name="Straight Arrow Connector 14">
+            <a:extLst>
+              <a:ext uri="{FF2B5EF4-FFF2-40B4-BE49-F238E27FC236}">
+                <a16:creationId xmlns:a16="http://schemas.microsoft.com/office/drawing/2014/main" id="{77C5E7C9-21E3-64C0-C63E-B303AC93591C}"/>
+              </a:ext>
+            </a:extLst>
+          </p:cNvPr>
+          <p:cNvCxnSpPr>
+            <a:stCxn id="6" idx="0"/>
+            <a:endCxn id="3" idx="3"/>
+          </p:cNvCxnSpPr>
+          <p:nvPr/>
+        </p:nvCxnSpPr>
+        <p:spPr>
+          <a:xfrm>
+            <a:off x="4054764" y="1733311"/>
+            <a:ext cx="1043709" cy="837582"/>
+          </a:xfrm>
+          <a:prstGeom prst="straightConnector1">
+            <a:avLst/>
+          </a:prstGeom>
+          <a:ln>
+            <a:tailEnd type="triangle"/>
+          </a:ln>
+        </p:spPr>
+        <p:style>
+          <a:lnRef idx="2">
+            <a:schemeClr val="accent1"/>
+          </a:lnRef>
+          <a:fillRef idx="0">
+            <a:schemeClr val="accent1"/>
+          </a:fillRef>
+          <a:effectRef idx="1">
+            <a:schemeClr val="accent1"/>
+          </a:effectRef>
+          <a:fontRef idx="minor">
+            <a:schemeClr val="tx1"/>
+          </a:fontRef>
+        </p:style>
+      </p:cxnSp>
+      <p:sp>
+        <p:nvSpPr>
+          <p:cNvPr id="16" name="TextBox 15">
+            <a:extLst>
+              <a:ext uri="{FF2B5EF4-FFF2-40B4-BE49-F238E27FC236}">
+                <a16:creationId xmlns:a16="http://schemas.microsoft.com/office/drawing/2014/main" id="{17BCD26B-EA17-56E2-560C-FED640DB3A3D}"/>
+              </a:ext>
+            </a:extLst>
+          </p:cNvPr>
+          <p:cNvSpPr txBox="1"/>
+          <p:nvPr/>
+        </p:nvSpPr>
+        <p:spPr>
+          <a:xfrm>
+            <a:off x="3364184" y="1016084"/>
+            <a:ext cx="1125886" cy="369332"/>
+          </a:xfrm>
+          <a:prstGeom prst="rect">
+            <a:avLst/>
+          </a:prstGeom>
+          <a:noFill/>
+        </p:spPr>
+        <p:txBody>
+          <a:bodyPr wrap="none" rtlCol="0">
+            <a:spAutoFit/>
+          </a:bodyPr>
+          <a:lstStyle/>
+          <a:p>
+            <a:r>
+              <a:rPr lang="es-419" dirty="0" err="1"/>
+              <a:t>Service</a:t>
+            </a:r>
+            <a:r>
+              <a:rPr lang="es-419" dirty="0"/>
+              <a:t> C</a:t>
+            </a:r>
+          </a:p>
+        </p:txBody>
+      </p:sp>
     </p:spTree>
     <p:extLst>
       <p:ext uri="{BB962C8B-B14F-4D97-AF65-F5344CB8AC3E}">

--- a/02 - Microservices/02 .pptx
+++ b/02 - Microservices/02 .pptx
@@ -6,6 +6,9 @@
   </p:sldMasterIdLst>
   <p:sldIdLst>
     <p:sldId id="256" r:id="rId2"/>
+    <p:sldId id="257" r:id="rId3"/>
+    <p:sldId id="258" r:id="rId4"/>
+    <p:sldId id="259" r:id="rId5"/>
   </p:sldIdLst>
   <p:sldSz cx="12192000" cy="6858000"/>
   <p:notesSz cx="6858000" cy="9144000"/>
@@ -3661,7 +3664,7 @@
           <p:cNvPr id="2" name="Hexagon 1">
             <a:extLst>
               <a:ext uri="{FF2B5EF4-FFF2-40B4-BE49-F238E27FC236}">
-                <a16:creationId xmlns:a16="http://schemas.microsoft.com/office/drawing/2014/main" id="{2787FA41-542C-C9EA-CF57-DAB59D86DFE6}"/>
+                <a16:creationId xmlns:a16="http://schemas.microsoft.com/office/drawing/2014/main" id="{12EEFD38-8B89-73F3-42DD-1D005541237B}"/>
               </a:ext>
             </a:extLst>
           </p:cNvPr>
@@ -3670,13 +3673,15 @@
         </p:nvSpPr>
         <p:spPr>
           <a:xfrm>
-            <a:off x="5098473" y="895927"/>
-            <a:ext cx="757382" cy="652916"/>
+            <a:off x="1478732" y="1186004"/>
+            <a:ext cx="955683" cy="823865"/>
           </a:xfrm>
           <a:prstGeom prst="hexagon">
             <a:avLst/>
           </a:prstGeom>
-          <a:noFill/>
+          <a:solidFill>
+            <a:schemeClr val="bg1"/>
+          </a:solidFill>
         </p:spPr>
         <p:style>
           <a:lnRef idx="2">
@@ -3699,16 +3704,52 @@
           <a:lstStyle/>
           <a:p>
             <a:pPr algn="ctr"/>
-            <a:endParaRPr lang="es-419"/>
-          </a:p>
-        </p:txBody>
-      </p:sp>
-      <p:sp>
-        <p:nvSpPr>
-          <p:cNvPr id="3" name="Hexagon 2">
-            <a:extLst>
-              <a:ext uri="{FF2B5EF4-FFF2-40B4-BE49-F238E27FC236}">
-                <a16:creationId xmlns:a16="http://schemas.microsoft.com/office/drawing/2014/main" id="{9AB7A2D8-23CB-9300-A33E-A7CE5524DE36}"/>
+            <a:r>
+              <a:rPr lang="es-419" sz="1100" dirty="0" err="1">
+                <a:solidFill>
+                  <a:sysClr val="windowText" lastClr="000000"/>
+                </a:solidFill>
+                <a:latin typeface="Arial" panose="020B0604020202020204" pitchFamily="34" charset="0"/>
+                <a:cs typeface="Arial" panose="020B0604020202020204" pitchFamily="34" charset="0"/>
+              </a:rPr>
+              <a:t>Service</a:t>
+            </a:r>
+            <a:r>
+              <a:rPr lang="es-419" sz="1100" dirty="0">
+                <a:solidFill>
+                  <a:sysClr val="windowText" lastClr="000000"/>
+                </a:solidFill>
+                <a:latin typeface="Arial" panose="020B0604020202020204" pitchFamily="34" charset="0"/>
+                <a:cs typeface="Arial" panose="020B0604020202020204" pitchFamily="34" charset="0"/>
+              </a:rPr>
+              <a:t> </a:t>
+            </a:r>
+            <a:r>
+              <a:rPr lang="es-419" sz="1100" dirty="0" err="1">
+                <a:solidFill>
+                  <a:sysClr val="windowText" lastClr="000000"/>
+                </a:solidFill>
+                <a:latin typeface="Arial" panose="020B0604020202020204" pitchFamily="34" charset="0"/>
+                <a:cs typeface="Arial" panose="020B0604020202020204" pitchFamily="34" charset="0"/>
+              </a:rPr>
+              <a:t>Users</a:t>
+            </a:r>
+            <a:endParaRPr lang="es-419" sz="1100" dirty="0">
+              <a:solidFill>
+                <a:sysClr val="windowText" lastClr="000000"/>
+              </a:solidFill>
+              <a:latin typeface="Arial" panose="020B0604020202020204" pitchFamily="34" charset="0"/>
+              <a:cs typeface="Arial" panose="020B0604020202020204" pitchFamily="34" charset="0"/>
+            </a:endParaRPr>
+          </a:p>
+        </p:txBody>
+      </p:sp>
+      <p:sp>
+        <p:nvSpPr>
+          <p:cNvPr id="3" name="Cylinder 2">
+            <a:extLst>
+              <a:ext uri="{FF2B5EF4-FFF2-40B4-BE49-F238E27FC236}">
+                <a16:creationId xmlns:a16="http://schemas.microsoft.com/office/drawing/2014/main" id="{8C11F56B-8FF6-34EB-B6E5-139D93537956}"/>
               </a:ext>
             </a:extLst>
           </p:cNvPr>
@@ -3717,13 +3758,15 @@
         </p:nvSpPr>
         <p:spPr>
           <a:xfrm>
-            <a:off x="5098473" y="2244435"/>
-            <a:ext cx="757382" cy="652916"/>
-          </a:xfrm>
-          <a:prstGeom prst="hexagon">
-            <a:avLst/>
-          </a:prstGeom>
-          <a:noFill/>
+            <a:off x="1553694" y="2833735"/>
+            <a:ext cx="805758" cy="823865"/>
+          </a:xfrm>
+          <a:prstGeom prst="can">
+            <a:avLst/>
+          </a:prstGeom>
+          <a:solidFill>
+            <a:schemeClr val="bg1"/>
+          </a:solidFill>
         </p:spPr>
         <p:style>
           <a:lnRef idx="2">
@@ -3746,16 +3789,911 @@
           <a:lstStyle/>
           <a:p>
             <a:pPr algn="ctr"/>
+            <a:r>
+              <a:rPr lang="es-419" dirty="0">
+                <a:solidFill>
+                  <a:sysClr val="windowText" lastClr="000000"/>
+                </a:solidFill>
+              </a:rPr>
+              <a:t>DB</a:t>
+            </a:r>
+          </a:p>
+        </p:txBody>
+      </p:sp>
+      <p:cxnSp>
+        <p:nvCxnSpPr>
+          <p:cNvPr id="6" name="Straight Arrow Connector 5">
+            <a:extLst>
+              <a:ext uri="{FF2B5EF4-FFF2-40B4-BE49-F238E27FC236}">
+                <a16:creationId xmlns:a16="http://schemas.microsoft.com/office/drawing/2014/main" id="{06815F2C-D20B-9A83-7B82-43089C6CFF02}"/>
+              </a:ext>
+            </a:extLst>
+          </p:cNvPr>
+          <p:cNvCxnSpPr>
+            <a:cxnSpLocks/>
+            <a:endCxn id="3" idx="1"/>
+          </p:cNvCxnSpPr>
+          <p:nvPr/>
+        </p:nvCxnSpPr>
+        <p:spPr>
+          <a:xfrm>
+            <a:off x="1955548" y="2009869"/>
+            <a:ext cx="1025" cy="823866"/>
+          </a:xfrm>
+          <a:prstGeom prst="straightConnector1">
+            <a:avLst/>
+          </a:prstGeom>
+          <a:ln>
+            <a:tailEnd type="triangle"/>
+          </a:ln>
+        </p:spPr>
+        <p:style>
+          <a:lnRef idx="2">
+            <a:schemeClr val="accent1"/>
+          </a:lnRef>
+          <a:fillRef idx="0">
+            <a:schemeClr val="accent1"/>
+          </a:fillRef>
+          <a:effectRef idx="1">
+            <a:schemeClr val="accent1"/>
+          </a:effectRef>
+          <a:fontRef idx="minor">
+            <a:schemeClr val="tx1"/>
+          </a:fontRef>
+        </p:style>
+      </p:cxnSp>
+      <p:sp>
+        <p:nvSpPr>
+          <p:cNvPr id="8" name="Hexagon 7">
+            <a:extLst>
+              <a:ext uri="{FF2B5EF4-FFF2-40B4-BE49-F238E27FC236}">
+                <a16:creationId xmlns:a16="http://schemas.microsoft.com/office/drawing/2014/main" id="{E28F4FBA-92BE-D9B9-A6FC-8D3CAE5C6BE6}"/>
+              </a:ext>
+            </a:extLst>
+          </p:cNvPr>
+          <p:cNvSpPr/>
+          <p:nvPr/>
+        </p:nvSpPr>
+        <p:spPr>
+          <a:xfrm>
+            <a:off x="4782491" y="1186004"/>
+            <a:ext cx="955683" cy="823865"/>
+          </a:xfrm>
+          <a:prstGeom prst="hexagon">
+            <a:avLst/>
+          </a:prstGeom>
+          <a:solidFill>
+            <a:schemeClr val="bg1"/>
+          </a:solidFill>
+        </p:spPr>
+        <p:style>
+          <a:lnRef idx="2">
+            <a:schemeClr val="accent1">
+              <a:shade val="15000"/>
+            </a:schemeClr>
+          </a:lnRef>
+          <a:fillRef idx="1">
+            <a:schemeClr val="accent1"/>
+          </a:fillRef>
+          <a:effectRef idx="0">
+            <a:schemeClr val="accent1"/>
+          </a:effectRef>
+          <a:fontRef idx="minor">
+            <a:schemeClr val="lt1"/>
+          </a:fontRef>
+        </p:style>
+        <p:txBody>
+          <a:bodyPr rtlCol="0" anchor="ctr"/>
+          <a:lstStyle/>
+          <a:p>
+            <a:pPr algn="ctr"/>
+            <a:r>
+              <a:rPr lang="es-419" sz="1100" dirty="0" err="1">
+                <a:solidFill>
+                  <a:sysClr val="windowText" lastClr="000000"/>
+                </a:solidFill>
+                <a:latin typeface="Arial" panose="020B0604020202020204" pitchFamily="34" charset="0"/>
+                <a:cs typeface="Arial" panose="020B0604020202020204" pitchFamily="34" charset="0"/>
+              </a:rPr>
+              <a:t>Service</a:t>
+            </a:r>
+            <a:r>
+              <a:rPr lang="es-419" sz="1100" dirty="0">
+                <a:solidFill>
+                  <a:sysClr val="windowText" lastClr="000000"/>
+                </a:solidFill>
+                <a:latin typeface="Arial" panose="020B0604020202020204" pitchFamily="34" charset="0"/>
+                <a:cs typeface="Arial" panose="020B0604020202020204" pitchFamily="34" charset="0"/>
+              </a:rPr>
+              <a:t> </a:t>
+            </a:r>
+            <a:r>
+              <a:rPr lang="es-419" sz="1100" dirty="0" err="1">
+                <a:solidFill>
+                  <a:sysClr val="windowText" lastClr="000000"/>
+                </a:solidFill>
+                <a:latin typeface="Arial" panose="020B0604020202020204" pitchFamily="34" charset="0"/>
+                <a:cs typeface="Arial" panose="020B0604020202020204" pitchFamily="34" charset="0"/>
+              </a:rPr>
+              <a:t>Messages</a:t>
+            </a:r>
+            <a:endParaRPr lang="es-419" sz="1100" dirty="0">
+              <a:solidFill>
+                <a:sysClr val="windowText" lastClr="000000"/>
+              </a:solidFill>
+              <a:latin typeface="Arial" panose="020B0604020202020204" pitchFamily="34" charset="0"/>
+              <a:cs typeface="Arial" panose="020B0604020202020204" pitchFamily="34" charset="0"/>
+            </a:endParaRPr>
+          </a:p>
+        </p:txBody>
+      </p:sp>
+      <p:sp>
+        <p:nvSpPr>
+          <p:cNvPr id="9" name="Cylinder 8">
+            <a:extLst>
+              <a:ext uri="{FF2B5EF4-FFF2-40B4-BE49-F238E27FC236}">
+                <a16:creationId xmlns:a16="http://schemas.microsoft.com/office/drawing/2014/main" id="{53A775D2-0B86-8FAD-9334-2F970FCBDDAC}"/>
+              </a:ext>
+            </a:extLst>
+          </p:cNvPr>
+          <p:cNvSpPr/>
+          <p:nvPr/>
+        </p:nvSpPr>
+        <p:spPr>
+          <a:xfrm>
+            <a:off x="4857453" y="2833735"/>
+            <a:ext cx="805758" cy="823865"/>
+          </a:xfrm>
+          <a:prstGeom prst="can">
+            <a:avLst/>
+          </a:prstGeom>
+          <a:solidFill>
+            <a:schemeClr val="bg1"/>
+          </a:solidFill>
+        </p:spPr>
+        <p:style>
+          <a:lnRef idx="2">
+            <a:schemeClr val="accent1">
+              <a:shade val="15000"/>
+            </a:schemeClr>
+          </a:lnRef>
+          <a:fillRef idx="1">
+            <a:schemeClr val="accent1"/>
+          </a:fillRef>
+          <a:effectRef idx="0">
+            <a:schemeClr val="accent1"/>
+          </a:effectRef>
+          <a:fontRef idx="minor">
+            <a:schemeClr val="lt1"/>
+          </a:fontRef>
+        </p:style>
+        <p:txBody>
+          <a:bodyPr rtlCol="0" anchor="ctr"/>
+          <a:lstStyle/>
+          <a:p>
+            <a:pPr algn="ctr"/>
+            <a:r>
+              <a:rPr lang="es-419" dirty="0">
+                <a:solidFill>
+                  <a:sysClr val="windowText" lastClr="000000"/>
+                </a:solidFill>
+              </a:rPr>
+              <a:t>DB</a:t>
+            </a:r>
+          </a:p>
+        </p:txBody>
+      </p:sp>
+      <p:cxnSp>
+        <p:nvCxnSpPr>
+          <p:cNvPr id="10" name="Straight Arrow Connector 9">
+            <a:extLst>
+              <a:ext uri="{FF2B5EF4-FFF2-40B4-BE49-F238E27FC236}">
+                <a16:creationId xmlns:a16="http://schemas.microsoft.com/office/drawing/2014/main" id="{4E7EEC97-BB9F-2AB6-8452-F5C974F581F8}"/>
+              </a:ext>
+            </a:extLst>
+          </p:cNvPr>
+          <p:cNvCxnSpPr>
+            <a:cxnSpLocks/>
+            <a:endCxn id="9" idx="1"/>
+          </p:cNvCxnSpPr>
+          <p:nvPr/>
+        </p:nvCxnSpPr>
+        <p:spPr>
+          <a:xfrm>
+            <a:off x="5259307" y="2009869"/>
+            <a:ext cx="1025" cy="823866"/>
+          </a:xfrm>
+          <a:prstGeom prst="straightConnector1">
+            <a:avLst/>
+          </a:prstGeom>
+          <a:ln>
+            <a:tailEnd type="triangle"/>
+          </a:ln>
+        </p:spPr>
+        <p:style>
+          <a:lnRef idx="2">
+            <a:schemeClr val="accent1"/>
+          </a:lnRef>
+          <a:fillRef idx="0">
+            <a:schemeClr val="accent1"/>
+          </a:fillRef>
+          <a:effectRef idx="1">
+            <a:schemeClr val="accent1"/>
+          </a:effectRef>
+          <a:fontRef idx="minor">
+            <a:schemeClr val="tx1"/>
+          </a:fontRef>
+        </p:style>
+      </p:cxnSp>
+      <p:cxnSp>
+        <p:nvCxnSpPr>
+          <p:cNvPr id="12" name="Straight Arrow Connector 11">
+            <a:extLst>
+              <a:ext uri="{FF2B5EF4-FFF2-40B4-BE49-F238E27FC236}">
+                <a16:creationId xmlns:a16="http://schemas.microsoft.com/office/drawing/2014/main" id="{9B0D0CB7-44FF-1A85-ED9A-D77A691224B9}"/>
+              </a:ext>
+            </a:extLst>
+          </p:cNvPr>
+          <p:cNvCxnSpPr>
+            <a:cxnSpLocks/>
+            <a:stCxn id="8" idx="3"/>
+            <a:endCxn id="2" idx="0"/>
+          </p:cNvCxnSpPr>
+          <p:nvPr/>
+        </p:nvCxnSpPr>
+        <p:spPr>
+          <a:xfrm flipH="1">
+            <a:off x="2434415" y="1597937"/>
+            <a:ext cx="2348076" cy="0"/>
+          </a:xfrm>
+          <a:prstGeom prst="straightConnector1">
+            <a:avLst/>
+          </a:prstGeom>
+          <a:ln>
+            <a:tailEnd type="triangle"/>
+          </a:ln>
+        </p:spPr>
+        <p:style>
+          <a:lnRef idx="2">
+            <a:schemeClr val="accent1"/>
+          </a:lnRef>
+          <a:fillRef idx="0">
+            <a:schemeClr val="accent1"/>
+          </a:fillRef>
+          <a:effectRef idx="1">
+            <a:schemeClr val="accent1"/>
+          </a:effectRef>
+          <a:fontRef idx="minor">
+            <a:schemeClr val="tx1"/>
+          </a:fontRef>
+        </p:style>
+      </p:cxnSp>
+      <p:sp>
+        <p:nvSpPr>
+          <p:cNvPr id="13" name="Rectangle 12">
+            <a:extLst>
+              <a:ext uri="{FF2B5EF4-FFF2-40B4-BE49-F238E27FC236}">
+                <a16:creationId xmlns:a16="http://schemas.microsoft.com/office/drawing/2014/main" id="{35AE5EF5-4E28-0404-741E-1AC27035B830}"/>
+              </a:ext>
+            </a:extLst>
+          </p:cNvPr>
+          <p:cNvSpPr/>
+          <p:nvPr/>
+        </p:nvSpPr>
+        <p:spPr>
+          <a:xfrm>
+            <a:off x="461726" y="3720974"/>
+            <a:ext cx="2809477" cy="2109455"/>
+          </a:xfrm>
+          <a:prstGeom prst="rect">
+            <a:avLst/>
+          </a:prstGeom>
+          <a:noFill/>
+        </p:spPr>
+        <p:style>
+          <a:lnRef idx="2">
+            <a:schemeClr val="accent1">
+              <a:shade val="15000"/>
+            </a:schemeClr>
+          </a:lnRef>
+          <a:fillRef idx="1">
+            <a:schemeClr val="accent1"/>
+          </a:fillRef>
+          <a:effectRef idx="0">
+            <a:schemeClr val="accent1"/>
+          </a:effectRef>
+          <a:fontRef idx="minor">
+            <a:schemeClr val="lt1"/>
+          </a:fontRef>
+        </p:style>
+        <p:txBody>
+          <a:bodyPr rtlCol="0" anchor="ctr"/>
+          <a:lstStyle/>
+          <a:p>
+            <a:pPr algn="ctr"/>
             <a:endParaRPr lang="es-419"/>
           </a:p>
         </p:txBody>
       </p:sp>
       <p:sp>
         <p:nvSpPr>
-          <p:cNvPr id="4" name="TextBox 3">
-            <a:extLst>
-              <a:ext uri="{FF2B5EF4-FFF2-40B4-BE49-F238E27FC236}">
-                <a16:creationId xmlns:a16="http://schemas.microsoft.com/office/drawing/2014/main" id="{EAC443E2-598E-0DB7-D932-1AC0994D6274}"/>
+          <p:cNvPr id="14" name="Rectangle 13">
+            <a:extLst>
+              <a:ext uri="{FF2B5EF4-FFF2-40B4-BE49-F238E27FC236}">
+                <a16:creationId xmlns:a16="http://schemas.microsoft.com/office/drawing/2014/main" id="{AB647610-CAC9-B409-952B-2A5256EC9E77}"/>
+              </a:ext>
+            </a:extLst>
+          </p:cNvPr>
+          <p:cNvSpPr/>
+          <p:nvPr/>
+        </p:nvSpPr>
+        <p:spPr>
+          <a:xfrm>
+            <a:off x="684560" y="3838670"/>
+            <a:ext cx="794171" cy="543208"/>
+          </a:xfrm>
+          <a:prstGeom prst="rect">
+            <a:avLst/>
+          </a:prstGeom>
+          <a:noFill/>
+        </p:spPr>
+        <p:style>
+          <a:lnRef idx="2">
+            <a:schemeClr val="accent1">
+              <a:shade val="15000"/>
+            </a:schemeClr>
+          </a:lnRef>
+          <a:fillRef idx="1">
+            <a:schemeClr val="accent1"/>
+          </a:fillRef>
+          <a:effectRef idx="0">
+            <a:schemeClr val="accent1"/>
+          </a:effectRef>
+          <a:fontRef idx="minor">
+            <a:schemeClr val="lt1"/>
+          </a:fontRef>
+        </p:style>
+        <p:txBody>
+          <a:bodyPr rtlCol="0" anchor="ctr"/>
+          <a:lstStyle/>
+          <a:p>
+            <a:pPr algn="ctr"/>
+            <a:endParaRPr lang="es-419"/>
+          </a:p>
+        </p:txBody>
+      </p:sp>
+      <p:cxnSp>
+        <p:nvCxnSpPr>
+          <p:cNvPr id="16" name="Straight Connector 15">
+            <a:extLst>
+              <a:ext uri="{FF2B5EF4-FFF2-40B4-BE49-F238E27FC236}">
+                <a16:creationId xmlns:a16="http://schemas.microsoft.com/office/drawing/2014/main" id="{A2CAB9C4-44E5-38D3-9503-FA2187062E23}"/>
+              </a:ext>
+            </a:extLst>
+          </p:cNvPr>
+          <p:cNvCxnSpPr/>
+          <p:nvPr/>
+        </p:nvCxnSpPr>
+        <p:spPr>
+          <a:xfrm>
+            <a:off x="823865" y="3856776"/>
+            <a:ext cx="0" cy="534155"/>
+          </a:xfrm>
+          <a:prstGeom prst="line">
+            <a:avLst/>
+          </a:prstGeom>
+        </p:spPr>
+        <p:style>
+          <a:lnRef idx="2">
+            <a:schemeClr val="accent1"/>
+          </a:lnRef>
+          <a:fillRef idx="0">
+            <a:schemeClr val="accent1"/>
+          </a:fillRef>
+          <a:effectRef idx="1">
+            <a:schemeClr val="accent1"/>
+          </a:effectRef>
+          <a:fontRef idx="minor">
+            <a:schemeClr val="tx1"/>
+          </a:fontRef>
+        </p:style>
+      </p:cxnSp>
+      <p:cxnSp>
+        <p:nvCxnSpPr>
+          <p:cNvPr id="17" name="Straight Connector 16">
+            <a:extLst>
+              <a:ext uri="{FF2B5EF4-FFF2-40B4-BE49-F238E27FC236}">
+                <a16:creationId xmlns:a16="http://schemas.microsoft.com/office/drawing/2014/main" id="{09605CDD-C553-5C94-78D9-22634B546877}"/>
+              </a:ext>
+            </a:extLst>
+          </p:cNvPr>
+          <p:cNvCxnSpPr/>
+          <p:nvPr/>
+        </p:nvCxnSpPr>
+        <p:spPr>
+          <a:xfrm>
+            <a:off x="977774" y="3856776"/>
+            <a:ext cx="0" cy="534155"/>
+          </a:xfrm>
+          <a:prstGeom prst="line">
+            <a:avLst/>
+          </a:prstGeom>
+        </p:spPr>
+        <p:style>
+          <a:lnRef idx="2">
+            <a:schemeClr val="accent1"/>
+          </a:lnRef>
+          <a:fillRef idx="0">
+            <a:schemeClr val="accent1"/>
+          </a:fillRef>
+          <a:effectRef idx="1">
+            <a:schemeClr val="accent1"/>
+          </a:effectRef>
+          <a:fontRef idx="minor">
+            <a:schemeClr val="tx1"/>
+          </a:fontRef>
+        </p:style>
+      </p:cxnSp>
+      <p:cxnSp>
+        <p:nvCxnSpPr>
+          <p:cNvPr id="18" name="Straight Connector 17">
+            <a:extLst>
+              <a:ext uri="{FF2B5EF4-FFF2-40B4-BE49-F238E27FC236}">
+                <a16:creationId xmlns:a16="http://schemas.microsoft.com/office/drawing/2014/main" id="{0B4A0822-26B4-7CA1-44C4-167B69E55F83}"/>
+              </a:ext>
+            </a:extLst>
+          </p:cNvPr>
+          <p:cNvCxnSpPr/>
+          <p:nvPr/>
+        </p:nvCxnSpPr>
+        <p:spPr>
+          <a:xfrm>
+            <a:off x="1158843" y="3856776"/>
+            <a:ext cx="0" cy="534155"/>
+          </a:xfrm>
+          <a:prstGeom prst="line">
+            <a:avLst/>
+          </a:prstGeom>
+        </p:spPr>
+        <p:style>
+          <a:lnRef idx="2">
+            <a:schemeClr val="accent1"/>
+          </a:lnRef>
+          <a:fillRef idx="0">
+            <a:schemeClr val="accent1"/>
+          </a:fillRef>
+          <a:effectRef idx="1">
+            <a:schemeClr val="accent1"/>
+          </a:effectRef>
+          <a:fontRef idx="minor">
+            <a:schemeClr val="tx1"/>
+          </a:fontRef>
+        </p:style>
+      </p:cxnSp>
+      <p:cxnSp>
+        <p:nvCxnSpPr>
+          <p:cNvPr id="19" name="Straight Connector 18">
+            <a:extLst>
+              <a:ext uri="{FF2B5EF4-FFF2-40B4-BE49-F238E27FC236}">
+                <a16:creationId xmlns:a16="http://schemas.microsoft.com/office/drawing/2014/main" id="{38AABB32-E2AD-9F76-1FC4-4A14EA1EB5E6}"/>
+              </a:ext>
+            </a:extLst>
+          </p:cNvPr>
+          <p:cNvCxnSpPr/>
+          <p:nvPr/>
+        </p:nvCxnSpPr>
+        <p:spPr>
+          <a:xfrm>
+            <a:off x="1312752" y="3856776"/>
+            <a:ext cx="0" cy="534155"/>
+          </a:xfrm>
+          <a:prstGeom prst="line">
+            <a:avLst/>
+          </a:prstGeom>
+        </p:spPr>
+        <p:style>
+          <a:lnRef idx="2">
+            <a:schemeClr val="accent1"/>
+          </a:lnRef>
+          <a:fillRef idx="0">
+            <a:schemeClr val="accent1"/>
+          </a:fillRef>
+          <a:effectRef idx="1">
+            <a:schemeClr val="accent1"/>
+          </a:effectRef>
+          <a:fontRef idx="minor">
+            <a:schemeClr val="tx1"/>
+          </a:fontRef>
+        </p:style>
+      </p:cxnSp>
+      <p:sp>
+        <p:nvSpPr>
+          <p:cNvPr id="20" name="Rectangle 19">
+            <a:extLst>
+              <a:ext uri="{FF2B5EF4-FFF2-40B4-BE49-F238E27FC236}">
+                <a16:creationId xmlns:a16="http://schemas.microsoft.com/office/drawing/2014/main" id="{CB778181-2683-CDB2-704E-6B82AC44E5D8}"/>
+              </a:ext>
+            </a:extLst>
+          </p:cNvPr>
+          <p:cNvSpPr/>
+          <p:nvPr/>
+        </p:nvSpPr>
+        <p:spPr>
+          <a:xfrm>
+            <a:off x="684560" y="4906979"/>
+            <a:ext cx="794171" cy="543208"/>
+          </a:xfrm>
+          <a:prstGeom prst="rect">
+            <a:avLst/>
+          </a:prstGeom>
+          <a:noFill/>
+        </p:spPr>
+        <p:style>
+          <a:lnRef idx="2">
+            <a:schemeClr val="accent1">
+              <a:shade val="15000"/>
+            </a:schemeClr>
+          </a:lnRef>
+          <a:fillRef idx="1">
+            <a:schemeClr val="accent1"/>
+          </a:fillRef>
+          <a:effectRef idx="0">
+            <a:schemeClr val="accent1"/>
+          </a:effectRef>
+          <a:fontRef idx="minor">
+            <a:schemeClr val="lt1"/>
+          </a:fontRef>
+        </p:style>
+        <p:txBody>
+          <a:bodyPr rtlCol="0" anchor="ctr"/>
+          <a:lstStyle/>
+          <a:p>
+            <a:pPr algn="ctr"/>
+            <a:endParaRPr lang="es-419"/>
+          </a:p>
+        </p:txBody>
+      </p:sp>
+      <p:cxnSp>
+        <p:nvCxnSpPr>
+          <p:cNvPr id="21" name="Straight Connector 20">
+            <a:extLst>
+              <a:ext uri="{FF2B5EF4-FFF2-40B4-BE49-F238E27FC236}">
+                <a16:creationId xmlns:a16="http://schemas.microsoft.com/office/drawing/2014/main" id="{64BE0377-ACE6-D877-EC7B-1E3F26C6608A}"/>
+              </a:ext>
+            </a:extLst>
+          </p:cNvPr>
+          <p:cNvCxnSpPr/>
+          <p:nvPr/>
+        </p:nvCxnSpPr>
+        <p:spPr>
+          <a:xfrm>
+            <a:off x="823865" y="4925085"/>
+            <a:ext cx="0" cy="534155"/>
+          </a:xfrm>
+          <a:prstGeom prst="line">
+            <a:avLst/>
+          </a:prstGeom>
+        </p:spPr>
+        <p:style>
+          <a:lnRef idx="2">
+            <a:schemeClr val="accent1"/>
+          </a:lnRef>
+          <a:fillRef idx="0">
+            <a:schemeClr val="accent1"/>
+          </a:fillRef>
+          <a:effectRef idx="1">
+            <a:schemeClr val="accent1"/>
+          </a:effectRef>
+          <a:fontRef idx="minor">
+            <a:schemeClr val="tx1"/>
+          </a:fontRef>
+        </p:style>
+      </p:cxnSp>
+      <p:cxnSp>
+        <p:nvCxnSpPr>
+          <p:cNvPr id="22" name="Straight Connector 21">
+            <a:extLst>
+              <a:ext uri="{FF2B5EF4-FFF2-40B4-BE49-F238E27FC236}">
+                <a16:creationId xmlns:a16="http://schemas.microsoft.com/office/drawing/2014/main" id="{BEA9F106-FB46-D236-D139-219FE84E94B2}"/>
+              </a:ext>
+            </a:extLst>
+          </p:cNvPr>
+          <p:cNvCxnSpPr/>
+          <p:nvPr/>
+        </p:nvCxnSpPr>
+        <p:spPr>
+          <a:xfrm>
+            <a:off x="977774" y="4925085"/>
+            <a:ext cx="0" cy="534155"/>
+          </a:xfrm>
+          <a:prstGeom prst="line">
+            <a:avLst/>
+          </a:prstGeom>
+        </p:spPr>
+        <p:style>
+          <a:lnRef idx="2">
+            <a:schemeClr val="accent1"/>
+          </a:lnRef>
+          <a:fillRef idx="0">
+            <a:schemeClr val="accent1"/>
+          </a:fillRef>
+          <a:effectRef idx="1">
+            <a:schemeClr val="accent1"/>
+          </a:effectRef>
+          <a:fontRef idx="minor">
+            <a:schemeClr val="tx1"/>
+          </a:fontRef>
+        </p:style>
+      </p:cxnSp>
+      <p:cxnSp>
+        <p:nvCxnSpPr>
+          <p:cNvPr id="23" name="Straight Connector 22">
+            <a:extLst>
+              <a:ext uri="{FF2B5EF4-FFF2-40B4-BE49-F238E27FC236}">
+                <a16:creationId xmlns:a16="http://schemas.microsoft.com/office/drawing/2014/main" id="{39D92886-4A74-F0F4-458A-2F1710CA3C01}"/>
+              </a:ext>
+            </a:extLst>
+          </p:cNvPr>
+          <p:cNvCxnSpPr/>
+          <p:nvPr/>
+        </p:nvCxnSpPr>
+        <p:spPr>
+          <a:xfrm>
+            <a:off x="1158843" y="4925085"/>
+            <a:ext cx="0" cy="534155"/>
+          </a:xfrm>
+          <a:prstGeom prst="line">
+            <a:avLst/>
+          </a:prstGeom>
+        </p:spPr>
+        <p:style>
+          <a:lnRef idx="2">
+            <a:schemeClr val="accent1"/>
+          </a:lnRef>
+          <a:fillRef idx="0">
+            <a:schemeClr val="accent1"/>
+          </a:fillRef>
+          <a:effectRef idx="1">
+            <a:schemeClr val="accent1"/>
+          </a:effectRef>
+          <a:fontRef idx="minor">
+            <a:schemeClr val="tx1"/>
+          </a:fontRef>
+        </p:style>
+      </p:cxnSp>
+      <p:cxnSp>
+        <p:nvCxnSpPr>
+          <p:cNvPr id="24" name="Straight Connector 23">
+            <a:extLst>
+              <a:ext uri="{FF2B5EF4-FFF2-40B4-BE49-F238E27FC236}">
+                <a16:creationId xmlns:a16="http://schemas.microsoft.com/office/drawing/2014/main" id="{746F2B95-85F8-9040-3EE3-8BBA26D416B0}"/>
+              </a:ext>
+            </a:extLst>
+          </p:cNvPr>
+          <p:cNvCxnSpPr/>
+          <p:nvPr/>
+        </p:nvCxnSpPr>
+        <p:spPr>
+          <a:xfrm>
+            <a:off x="1312752" y="4925085"/>
+            <a:ext cx="0" cy="534155"/>
+          </a:xfrm>
+          <a:prstGeom prst="line">
+            <a:avLst/>
+          </a:prstGeom>
+        </p:spPr>
+        <p:style>
+          <a:lnRef idx="2">
+            <a:schemeClr val="accent1"/>
+          </a:lnRef>
+          <a:fillRef idx="0">
+            <a:schemeClr val="accent1"/>
+          </a:fillRef>
+          <a:effectRef idx="1">
+            <a:schemeClr val="accent1"/>
+          </a:effectRef>
+          <a:fontRef idx="minor">
+            <a:schemeClr val="tx1"/>
+          </a:fontRef>
+        </p:style>
+      </p:cxnSp>
+      <p:sp>
+        <p:nvSpPr>
+          <p:cNvPr id="25" name="Rectangle 24">
+            <a:extLst>
+              <a:ext uri="{FF2B5EF4-FFF2-40B4-BE49-F238E27FC236}">
+                <a16:creationId xmlns:a16="http://schemas.microsoft.com/office/drawing/2014/main" id="{D545B824-C4AA-F98B-208F-AFCD8DE2548F}"/>
+              </a:ext>
+            </a:extLst>
+          </p:cNvPr>
+          <p:cNvSpPr/>
+          <p:nvPr/>
+        </p:nvSpPr>
+        <p:spPr>
+          <a:xfrm>
+            <a:off x="2060870" y="4481466"/>
+            <a:ext cx="794171" cy="543208"/>
+          </a:xfrm>
+          <a:prstGeom prst="rect">
+            <a:avLst/>
+          </a:prstGeom>
+          <a:noFill/>
+        </p:spPr>
+        <p:style>
+          <a:lnRef idx="2">
+            <a:schemeClr val="accent1">
+              <a:shade val="15000"/>
+            </a:schemeClr>
+          </a:lnRef>
+          <a:fillRef idx="1">
+            <a:schemeClr val="accent1"/>
+          </a:fillRef>
+          <a:effectRef idx="0">
+            <a:schemeClr val="accent1"/>
+          </a:effectRef>
+          <a:fontRef idx="minor">
+            <a:schemeClr val="lt1"/>
+          </a:fontRef>
+        </p:style>
+        <p:txBody>
+          <a:bodyPr rtlCol="0" anchor="ctr"/>
+          <a:lstStyle/>
+          <a:p>
+            <a:pPr algn="ctr"/>
+            <a:endParaRPr lang="es-419"/>
+          </a:p>
+        </p:txBody>
+      </p:sp>
+      <p:cxnSp>
+        <p:nvCxnSpPr>
+          <p:cNvPr id="26" name="Straight Connector 25">
+            <a:extLst>
+              <a:ext uri="{FF2B5EF4-FFF2-40B4-BE49-F238E27FC236}">
+                <a16:creationId xmlns:a16="http://schemas.microsoft.com/office/drawing/2014/main" id="{8BAA488A-4255-002B-84F6-415F57D00DBD}"/>
+              </a:ext>
+            </a:extLst>
+          </p:cNvPr>
+          <p:cNvCxnSpPr/>
+          <p:nvPr/>
+        </p:nvCxnSpPr>
+        <p:spPr>
+          <a:xfrm>
+            <a:off x="2200175" y="4499572"/>
+            <a:ext cx="0" cy="534155"/>
+          </a:xfrm>
+          <a:prstGeom prst="line">
+            <a:avLst/>
+          </a:prstGeom>
+        </p:spPr>
+        <p:style>
+          <a:lnRef idx="2">
+            <a:schemeClr val="accent1"/>
+          </a:lnRef>
+          <a:fillRef idx="0">
+            <a:schemeClr val="accent1"/>
+          </a:fillRef>
+          <a:effectRef idx="1">
+            <a:schemeClr val="accent1"/>
+          </a:effectRef>
+          <a:fontRef idx="minor">
+            <a:schemeClr val="tx1"/>
+          </a:fontRef>
+        </p:style>
+      </p:cxnSp>
+      <p:cxnSp>
+        <p:nvCxnSpPr>
+          <p:cNvPr id="27" name="Straight Connector 26">
+            <a:extLst>
+              <a:ext uri="{FF2B5EF4-FFF2-40B4-BE49-F238E27FC236}">
+                <a16:creationId xmlns:a16="http://schemas.microsoft.com/office/drawing/2014/main" id="{13151BBF-6046-0153-8CBC-24D5881C96F2}"/>
+              </a:ext>
+            </a:extLst>
+          </p:cNvPr>
+          <p:cNvCxnSpPr/>
+          <p:nvPr/>
+        </p:nvCxnSpPr>
+        <p:spPr>
+          <a:xfrm>
+            <a:off x="2354084" y="4499572"/>
+            <a:ext cx="0" cy="534155"/>
+          </a:xfrm>
+          <a:prstGeom prst="line">
+            <a:avLst/>
+          </a:prstGeom>
+        </p:spPr>
+        <p:style>
+          <a:lnRef idx="2">
+            <a:schemeClr val="accent1"/>
+          </a:lnRef>
+          <a:fillRef idx="0">
+            <a:schemeClr val="accent1"/>
+          </a:fillRef>
+          <a:effectRef idx="1">
+            <a:schemeClr val="accent1"/>
+          </a:effectRef>
+          <a:fontRef idx="minor">
+            <a:schemeClr val="tx1"/>
+          </a:fontRef>
+        </p:style>
+      </p:cxnSp>
+      <p:cxnSp>
+        <p:nvCxnSpPr>
+          <p:cNvPr id="28" name="Straight Connector 27">
+            <a:extLst>
+              <a:ext uri="{FF2B5EF4-FFF2-40B4-BE49-F238E27FC236}">
+                <a16:creationId xmlns:a16="http://schemas.microsoft.com/office/drawing/2014/main" id="{8FC13F4B-4887-5F38-5D01-97DF403CDDE4}"/>
+              </a:ext>
+            </a:extLst>
+          </p:cNvPr>
+          <p:cNvCxnSpPr/>
+          <p:nvPr/>
+        </p:nvCxnSpPr>
+        <p:spPr>
+          <a:xfrm>
+            <a:off x="2535153" y="4499572"/>
+            <a:ext cx="0" cy="534155"/>
+          </a:xfrm>
+          <a:prstGeom prst="line">
+            <a:avLst/>
+          </a:prstGeom>
+        </p:spPr>
+        <p:style>
+          <a:lnRef idx="2">
+            <a:schemeClr val="accent1"/>
+          </a:lnRef>
+          <a:fillRef idx="0">
+            <a:schemeClr val="accent1"/>
+          </a:fillRef>
+          <a:effectRef idx="1">
+            <a:schemeClr val="accent1"/>
+          </a:effectRef>
+          <a:fontRef idx="minor">
+            <a:schemeClr val="tx1"/>
+          </a:fontRef>
+        </p:style>
+      </p:cxnSp>
+      <p:cxnSp>
+        <p:nvCxnSpPr>
+          <p:cNvPr id="29" name="Straight Connector 28">
+            <a:extLst>
+              <a:ext uri="{FF2B5EF4-FFF2-40B4-BE49-F238E27FC236}">
+                <a16:creationId xmlns:a16="http://schemas.microsoft.com/office/drawing/2014/main" id="{7E43541B-3E31-DC9F-8630-2F65D5A63817}"/>
+              </a:ext>
+            </a:extLst>
+          </p:cNvPr>
+          <p:cNvCxnSpPr/>
+          <p:nvPr/>
+        </p:nvCxnSpPr>
+        <p:spPr>
+          <a:xfrm>
+            <a:off x="2689062" y="4499572"/>
+            <a:ext cx="0" cy="534155"/>
+          </a:xfrm>
+          <a:prstGeom prst="line">
+            <a:avLst/>
+          </a:prstGeom>
+        </p:spPr>
+        <p:style>
+          <a:lnRef idx="2">
+            <a:schemeClr val="accent1"/>
+          </a:lnRef>
+          <a:fillRef idx="0">
+            <a:schemeClr val="accent1"/>
+          </a:fillRef>
+          <a:effectRef idx="1">
+            <a:schemeClr val="accent1"/>
+          </a:effectRef>
+          <a:fontRef idx="minor">
+            <a:schemeClr val="tx1"/>
+          </a:fontRef>
+        </p:style>
+      </p:cxnSp>
+      <p:sp>
+        <p:nvSpPr>
+          <p:cNvPr id="30" name="TextBox 29">
+            <a:extLst>
+              <a:ext uri="{FF2B5EF4-FFF2-40B4-BE49-F238E27FC236}">
+                <a16:creationId xmlns:a16="http://schemas.microsoft.com/office/drawing/2014/main" id="{BC3B7BEA-6466-F3A9-C3A1-916BD3083E1D}"/>
               </a:ext>
             </a:extLst>
           </p:cNvPr>
@@ -3764,8 +4702,8 @@
         </p:nvSpPr>
         <p:spPr>
           <a:xfrm>
-            <a:off x="5181600" y="526473"/>
-            <a:ext cx="1101840" cy="369332"/>
+            <a:off x="2181277" y="4219856"/>
+            <a:ext cx="482824" cy="261610"/>
           </a:xfrm>
           <a:prstGeom prst="rect">
             <a:avLst/>
@@ -3779,22 +4717,3281 @@
           <a:lstStyle/>
           <a:p>
             <a:r>
+              <a:rPr lang="es-419" sz="1100" dirty="0" err="1">
+                <a:latin typeface="Arial" panose="020B0604020202020204" pitchFamily="34" charset="0"/>
+                <a:cs typeface="Arial" panose="020B0604020202020204" pitchFamily="34" charset="0"/>
+              </a:rPr>
+              <a:t>User</a:t>
+            </a:r>
+            <a:endParaRPr lang="es-419" dirty="0">
+              <a:latin typeface="Arial" panose="020B0604020202020204" pitchFamily="34" charset="0"/>
+              <a:cs typeface="Arial" panose="020B0604020202020204" pitchFamily="34" charset="0"/>
+            </a:endParaRPr>
+          </a:p>
+        </p:txBody>
+      </p:sp>
+      <p:sp>
+        <p:nvSpPr>
+          <p:cNvPr id="31" name="Rectangle 30">
+            <a:extLst>
+              <a:ext uri="{FF2B5EF4-FFF2-40B4-BE49-F238E27FC236}">
+                <a16:creationId xmlns:a16="http://schemas.microsoft.com/office/drawing/2014/main" id="{A4A2617F-E5CB-B942-D2CE-A508EE4F40D6}"/>
+              </a:ext>
+            </a:extLst>
+          </p:cNvPr>
+          <p:cNvSpPr/>
+          <p:nvPr/>
+        </p:nvSpPr>
+        <p:spPr>
+          <a:xfrm>
+            <a:off x="3924762" y="3720974"/>
+            <a:ext cx="2809477" cy="2109455"/>
+          </a:xfrm>
+          <a:prstGeom prst="rect">
+            <a:avLst/>
+          </a:prstGeom>
+          <a:noFill/>
+        </p:spPr>
+        <p:style>
+          <a:lnRef idx="2">
+            <a:schemeClr val="accent1">
+              <a:shade val="15000"/>
+            </a:schemeClr>
+          </a:lnRef>
+          <a:fillRef idx="1">
+            <a:schemeClr val="accent1"/>
+          </a:fillRef>
+          <a:effectRef idx="0">
+            <a:schemeClr val="accent1"/>
+          </a:effectRef>
+          <a:fontRef idx="minor">
+            <a:schemeClr val="lt1"/>
+          </a:fontRef>
+        </p:style>
+        <p:txBody>
+          <a:bodyPr rtlCol="0" anchor="ctr"/>
+          <a:lstStyle/>
+          <a:p>
+            <a:pPr algn="ctr"/>
+            <a:endParaRPr lang="es-419"/>
+          </a:p>
+        </p:txBody>
+      </p:sp>
+      <p:sp>
+        <p:nvSpPr>
+          <p:cNvPr id="32" name="Rectangle 31">
+            <a:extLst>
+              <a:ext uri="{FF2B5EF4-FFF2-40B4-BE49-F238E27FC236}">
+                <a16:creationId xmlns:a16="http://schemas.microsoft.com/office/drawing/2014/main" id="{259A0094-BA22-9B5A-2F0A-DE0A6DA52C43}"/>
+              </a:ext>
+            </a:extLst>
+          </p:cNvPr>
+          <p:cNvSpPr/>
+          <p:nvPr/>
+        </p:nvSpPr>
+        <p:spPr>
+          <a:xfrm>
+            <a:off x="4147596" y="3838670"/>
+            <a:ext cx="794171" cy="543208"/>
+          </a:xfrm>
+          <a:prstGeom prst="rect">
+            <a:avLst/>
+          </a:prstGeom>
+          <a:noFill/>
+        </p:spPr>
+        <p:style>
+          <a:lnRef idx="2">
+            <a:schemeClr val="accent1">
+              <a:shade val="15000"/>
+            </a:schemeClr>
+          </a:lnRef>
+          <a:fillRef idx="1">
+            <a:schemeClr val="accent1"/>
+          </a:fillRef>
+          <a:effectRef idx="0">
+            <a:schemeClr val="accent1"/>
+          </a:effectRef>
+          <a:fontRef idx="minor">
+            <a:schemeClr val="lt1"/>
+          </a:fontRef>
+        </p:style>
+        <p:txBody>
+          <a:bodyPr rtlCol="0" anchor="ctr"/>
+          <a:lstStyle/>
+          <a:p>
+            <a:pPr algn="ctr"/>
+            <a:endParaRPr lang="es-419"/>
+          </a:p>
+        </p:txBody>
+      </p:sp>
+      <p:cxnSp>
+        <p:nvCxnSpPr>
+          <p:cNvPr id="33" name="Straight Connector 32">
+            <a:extLst>
+              <a:ext uri="{FF2B5EF4-FFF2-40B4-BE49-F238E27FC236}">
+                <a16:creationId xmlns:a16="http://schemas.microsoft.com/office/drawing/2014/main" id="{636CDC3E-1DF3-1239-7E00-5CA7151E7711}"/>
+              </a:ext>
+            </a:extLst>
+          </p:cNvPr>
+          <p:cNvCxnSpPr/>
+          <p:nvPr/>
+        </p:nvCxnSpPr>
+        <p:spPr>
+          <a:xfrm>
+            <a:off x="4286901" y="3856776"/>
+            <a:ext cx="0" cy="534155"/>
+          </a:xfrm>
+          <a:prstGeom prst="line">
+            <a:avLst/>
+          </a:prstGeom>
+        </p:spPr>
+        <p:style>
+          <a:lnRef idx="2">
+            <a:schemeClr val="accent1"/>
+          </a:lnRef>
+          <a:fillRef idx="0">
+            <a:schemeClr val="accent1"/>
+          </a:fillRef>
+          <a:effectRef idx="1">
+            <a:schemeClr val="accent1"/>
+          </a:effectRef>
+          <a:fontRef idx="minor">
+            <a:schemeClr val="tx1"/>
+          </a:fontRef>
+        </p:style>
+      </p:cxnSp>
+      <p:cxnSp>
+        <p:nvCxnSpPr>
+          <p:cNvPr id="34" name="Straight Connector 33">
+            <a:extLst>
+              <a:ext uri="{FF2B5EF4-FFF2-40B4-BE49-F238E27FC236}">
+                <a16:creationId xmlns:a16="http://schemas.microsoft.com/office/drawing/2014/main" id="{C5AD2047-08BE-6B4E-2019-71C081ACC55D}"/>
+              </a:ext>
+            </a:extLst>
+          </p:cNvPr>
+          <p:cNvCxnSpPr/>
+          <p:nvPr/>
+        </p:nvCxnSpPr>
+        <p:spPr>
+          <a:xfrm>
+            <a:off x="4440810" y="3856776"/>
+            <a:ext cx="0" cy="534155"/>
+          </a:xfrm>
+          <a:prstGeom prst="line">
+            <a:avLst/>
+          </a:prstGeom>
+        </p:spPr>
+        <p:style>
+          <a:lnRef idx="2">
+            <a:schemeClr val="accent1"/>
+          </a:lnRef>
+          <a:fillRef idx="0">
+            <a:schemeClr val="accent1"/>
+          </a:fillRef>
+          <a:effectRef idx="1">
+            <a:schemeClr val="accent1"/>
+          </a:effectRef>
+          <a:fontRef idx="minor">
+            <a:schemeClr val="tx1"/>
+          </a:fontRef>
+        </p:style>
+      </p:cxnSp>
+      <p:cxnSp>
+        <p:nvCxnSpPr>
+          <p:cNvPr id="35" name="Straight Connector 34">
+            <a:extLst>
+              <a:ext uri="{FF2B5EF4-FFF2-40B4-BE49-F238E27FC236}">
+                <a16:creationId xmlns:a16="http://schemas.microsoft.com/office/drawing/2014/main" id="{281E88E7-03A5-54AD-D48E-A9F8CA1B3EC0}"/>
+              </a:ext>
+            </a:extLst>
+          </p:cNvPr>
+          <p:cNvCxnSpPr/>
+          <p:nvPr/>
+        </p:nvCxnSpPr>
+        <p:spPr>
+          <a:xfrm>
+            <a:off x="4621879" y="3856776"/>
+            <a:ext cx="0" cy="534155"/>
+          </a:xfrm>
+          <a:prstGeom prst="line">
+            <a:avLst/>
+          </a:prstGeom>
+        </p:spPr>
+        <p:style>
+          <a:lnRef idx="2">
+            <a:schemeClr val="accent1"/>
+          </a:lnRef>
+          <a:fillRef idx="0">
+            <a:schemeClr val="accent1"/>
+          </a:fillRef>
+          <a:effectRef idx="1">
+            <a:schemeClr val="accent1"/>
+          </a:effectRef>
+          <a:fontRef idx="minor">
+            <a:schemeClr val="tx1"/>
+          </a:fontRef>
+        </p:style>
+      </p:cxnSp>
+      <p:cxnSp>
+        <p:nvCxnSpPr>
+          <p:cNvPr id="36" name="Straight Connector 35">
+            <a:extLst>
+              <a:ext uri="{FF2B5EF4-FFF2-40B4-BE49-F238E27FC236}">
+                <a16:creationId xmlns:a16="http://schemas.microsoft.com/office/drawing/2014/main" id="{4567B88A-0B37-2D39-A66C-6E001407A983}"/>
+              </a:ext>
+            </a:extLst>
+          </p:cNvPr>
+          <p:cNvCxnSpPr/>
+          <p:nvPr/>
+        </p:nvCxnSpPr>
+        <p:spPr>
+          <a:xfrm>
+            <a:off x="4775788" y="3856776"/>
+            <a:ext cx="0" cy="534155"/>
+          </a:xfrm>
+          <a:prstGeom prst="line">
+            <a:avLst/>
+          </a:prstGeom>
+        </p:spPr>
+        <p:style>
+          <a:lnRef idx="2">
+            <a:schemeClr val="accent1"/>
+          </a:lnRef>
+          <a:fillRef idx="0">
+            <a:schemeClr val="accent1"/>
+          </a:fillRef>
+          <a:effectRef idx="1">
+            <a:schemeClr val="accent1"/>
+          </a:effectRef>
+          <a:fontRef idx="minor">
+            <a:schemeClr val="tx1"/>
+          </a:fontRef>
+        </p:style>
+      </p:cxnSp>
+      <p:sp>
+        <p:nvSpPr>
+          <p:cNvPr id="37" name="Rectangle 36">
+            <a:extLst>
+              <a:ext uri="{FF2B5EF4-FFF2-40B4-BE49-F238E27FC236}">
+                <a16:creationId xmlns:a16="http://schemas.microsoft.com/office/drawing/2014/main" id="{F057A2C5-A735-F06E-21AC-66465C2255BA}"/>
+              </a:ext>
+            </a:extLst>
+          </p:cNvPr>
+          <p:cNvSpPr/>
+          <p:nvPr/>
+        </p:nvSpPr>
+        <p:spPr>
+          <a:xfrm>
+            <a:off x="4335395" y="4906979"/>
+            <a:ext cx="487582" cy="543208"/>
+          </a:xfrm>
+          <a:prstGeom prst="rect">
+            <a:avLst/>
+          </a:prstGeom>
+          <a:noFill/>
+        </p:spPr>
+        <p:style>
+          <a:lnRef idx="2">
+            <a:schemeClr val="accent1">
+              <a:shade val="15000"/>
+            </a:schemeClr>
+          </a:lnRef>
+          <a:fillRef idx="1">
+            <a:schemeClr val="accent1"/>
+          </a:fillRef>
+          <a:effectRef idx="0">
+            <a:schemeClr val="accent1"/>
+          </a:effectRef>
+          <a:fontRef idx="minor">
+            <a:schemeClr val="lt1"/>
+          </a:fontRef>
+        </p:style>
+        <p:txBody>
+          <a:bodyPr rtlCol="0" anchor="ctr"/>
+          <a:lstStyle/>
+          <a:p>
+            <a:pPr algn="ctr"/>
+            <a:endParaRPr lang="es-419"/>
+          </a:p>
+        </p:txBody>
+      </p:sp>
+      <p:cxnSp>
+        <p:nvCxnSpPr>
+          <p:cNvPr id="40" name="Straight Connector 39">
+            <a:extLst>
+              <a:ext uri="{FF2B5EF4-FFF2-40B4-BE49-F238E27FC236}">
+                <a16:creationId xmlns:a16="http://schemas.microsoft.com/office/drawing/2014/main" id="{02DA547F-6909-8F81-063F-8DEE3507EDBB}"/>
+              </a:ext>
+            </a:extLst>
+          </p:cNvPr>
+          <p:cNvCxnSpPr/>
+          <p:nvPr/>
+        </p:nvCxnSpPr>
+        <p:spPr>
+          <a:xfrm>
+            <a:off x="4503089" y="4925085"/>
+            <a:ext cx="0" cy="534155"/>
+          </a:xfrm>
+          <a:prstGeom prst="line">
+            <a:avLst/>
+          </a:prstGeom>
+        </p:spPr>
+        <p:style>
+          <a:lnRef idx="2">
+            <a:schemeClr val="accent1"/>
+          </a:lnRef>
+          <a:fillRef idx="0">
+            <a:schemeClr val="accent1"/>
+          </a:fillRef>
+          <a:effectRef idx="1">
+            <a:schemeClr val="accent1"/>
+          </a:effectRef>
+          <a:fontRef idx="minor">
+            <a:schemeClr val="tx1"/>
+          </a:fontRef>
+        </p:style>
+      </p:cxnSp>
+      <p:cxnSp>
+        <p:nvCxnSpPr>
+          <p:cNvPr id="41" name="Straight Connector 40">
+            <a:extLst>
+              <a:ext uri="{FF2B5EF4-FFF2-40B4-BE49-F238E27FC236}">
+                <a16:creationId xmlns:a16="http://schemas.microsoft.com/office/drawing/2014/main" id="{ACED944D-C3AC-B2C2-C6B6-A43718D0A169}"/>
+              </a:ext>
+            </a:extLst>
+          </p:cNvPr>
+          <p:cNvCxnSpPr/>
+          <p:nvPr/>
+        </p:nvCxnSpPr>
+        <p:spPr>
+          <a:xfrm>
+            <a:off x="4656998" y="4925085"/>
+            <a:ext cx="0" cy="534155"/>
+          </a:xfrm>
+          <a:prstGeom prst="line">
+            <a:avLst/>
+          </a:prstGeom>
+        </p:spPr>
+        <p:style>
+          <a:lnRef idx="2">
+            <a:schemeClr val="accent1"/>
+          </a:lnRef>
+          <a:fillRef idx="0">
+            <a:schemeClr val="accent1"/>
+          </a:fillRef>
+          <a:effectRef idx="1">
+            <a:schemeClr val="accent1"/>
+          </a:effectRef>
+          <a:fontRef idx="minor">
+            <a:schemeClr val="tx1"/>
+          </a:fontRef>
+        </p:style>
+      </p:cxnSp>
+      <p:sp>
+        <p:nvSpPr>
+          <p:cNvPr id="42" name="Rectangle 41">
+            <a:extLst>
+              <a:ext uri="{FF2B5EF4-FFF2-40B4-BE49-F238E27FC236}">
+                <a16:creationId xmlns:a16="http://schemas.microsoft.com/office/drawing/2014/main" id="{863F5304-4F3E-085A-6BB5-18B01D478640}"/>
+              </a:ext>
+            </a:extLst>
+          </p:cNvPr>
+          <p:cNvSpPr/>
+          <p:nvPr/>
+        </p:nvSpPr>
+        <p:spPr>
+          <a:xfrm>
+            <a:off x="5523906" y="4481466"/>
+            <a:ext cx="794171" cy="543208"/>
+          </a:xfrm>
+          <a:prstGeom prst="rect">
+            <a:avLst/>
+          </a:prstGeom>
+          <a:noFill/>
+        </p:spPr>
+        <p:style>
+          <a:lnRef idx="2">
+            <a:schemeClr val="accent1">
+              <a:shade val="15000"/>
+            </a:schemeClr>
+          </a:lnRef>
+          <a:fillRef idx="1">
+            <a:schemeClr val="accent1"/>
+          </a:fillRef>
+          <a:effectRef idx="0">
+            <a:schemeClr val="accent1"/>
+          </a:effectRef>
+          <a:fontRef idx="minor">
+            <a:schemeClr val="lt1"/>
+          </a:fontRef>
+        </p:style>
+        <p:txBody>
+          <a:bodyPr rtlCol="0" anchor="ctr"/>
+          <a:lstStyle/>
+          <a:p>
+            <a:pPr algn="ctr"/>
+            <a:endParaRPr lang="es-419"/>
+          </a:p>
+        </p:txBody>
+      </p:sp>
+      <p:cxnSp>
+        <p:nvCxnSpPr>
+          <p:cNvPr id="43" name="Straight Connector 42">
+            <a:extLst>
+              <a:ext uri="{FF2B5EF4-FFF2-40B4-BE49-F238E27FC236}">
+                <a16:creationId xmlns:a16="http://schemas.microsoft.com/office/drawing/2014/main" id="{132E48B4-E49E-1A15-2226-04DEBD908836}"/>
+              </a:ext>
+            </a:extLst>
+          </p:cNvPr>
+          <p:cNvCxnSpPr/>
+          <p:nvPr/>
+        </p:nvCxnSpPr>
+        <p:spPr>
+          <a:xfrm>
+            <a:off x="5663211" y="4499572"/>
+            <a:ext cx="0" cy="534155"/>
+          </a:xfrm>
+          <a:prstGeom prst="line">
+            <a:avLst/>
+          </a:prstGeom>
+        </p:spPr>
+        <p:style>
+          <a:lnRef idx="2">
+            <a:schemeClr val="accent1"/>
+          </a:lnRef>
+          <a:fillRef idx="0">
+            <a:schemeClr val="accent1"/>
+          </a:fillRef>
+          <a:effectRef idx="1">
+            <a:schemeClr val="accent1"/>
+          </a:effectRef>
+          <a:fontRef idx="minor">
+            <a:schemeClr val="tx1"/>
+          </a:fontRef>
+        </p:style>
+      </p:cxnSp>
+      <p:cxnSp>
+        <p:nvCxnSpPr>
+          <p:cNvPr id="44" name="Straight Connector 43">
+            <a:extLst>
+              <a:ext uri="{FF2B5EF4-FFF2-40B4-BE49-F238E27FC236}">
+                <a16:creationId xmlns:a16="http://schemas.microsoft.com/office/drawing/2014/main" id="{4C868A2E-8F54-006B-76F9-2B872E96C443}"/>
+              </a:ext>
+            </a:extLst>
+          </p:cNvPr>
+          <p:cNvCxnSpPr/>
+          <p:nvPr/>
+        </p:nvCxnSpPr>
+        <p:spPr>
+          <a:xfrm>
+            <a:off x="5817120" y="4499572"/>
+            <a:ext cx="0" cy="534155"/>
+          </a:xfrm>
+          <a:prstGeom prst="line">
+            <a:avLst/>
+          </a:prstGeom>
+        </p:spPr>
+        <p:style>
+          <a:lnRef idx="2">
+            <a:schemeClr val="accent1"/>
+          </a:lnRef>
+          <a:fillRef idx="0">
+            <a:schemeClr val="accent1"/>
+          </a:fillRef>
+          <a:effectRef idx="1">
+            <a:schemeClr val="accent1"/>
+          </a:effectRef>
+          <a:fontRef idx="minor">
+            <a:schemeClr val="tx1"/>
+          </a:fontRef>
+        </p:style>
+      </p:cxnSp>
+      <p:cxnSp>
+        <p:nvCxnSpPr>
+          <p:cNvPr id="45" name="Straight Connector 44">
+            <a:extLst>
+              <a:ext uri="{FF2B5EF4-FFF2-40B4-BE49-F238E27FC236}">
+                <a16:creationId xmlns:a16="http://schemas.microsoft.com/office/drawing/2014/main" id="{460FC03C-B636-CF68-589A-27A03BC4CDE8}"/>
+              </a:ext>
+            </a:extLst>
+          </p:cNvPr>
+          <p:cNvCxnSpPr/>
+          <p:nvPr/>
+        </p:nvCxnSpPr>
+        <p:spPr>
+          <a:xfrm>
+            <a:off x="5998189" y="4499572"/>
+            <a:ext cx="0" cy="534155"/>
+          </a:xfrm>
+          <a:prstGeom prst="line">
+            <a:avLst/>
+          </a:prstGeom>
+        </p:spPr>
+        <p:style>
+          <a:lnRef idx="2">
+            <a:schemeClr val="accent1"/>
+          </a:lnRef>
+          <a:fillRef idx="0">
+            <a:schemeClr val="accent1"/>
+          </a:fillRef>
+          <a:effectRef idx="1">
+            <a:schemeClr val="accent1"/>
+          </a:effectRef>
+          <a:fontRef idx="minor">
+            <a:schemeClr val="tx1"/>
+          </a:fontRef>
+        </p:style>
+      </p:cxnSp>
+      <p:cxnSp>
+        <p:nvCxnSpPr>
+          <p:cNvPr id="46" name="Straight Connector 45">
+            <a:extLst>
+              <a:ext uri="{FF2B5EF4-FFF2-40B4-BE49-F238E27FC236}">
+                <a16:creationId xmlns:a16="http://schemas.microsoft.com/office/drawing/2014/main" id="{76D0FB65-BDF4-6CEF-0B02-11DBE8D893DB}"/>
+              </a:ext>
+            </a:extLst>
+          </p:cNvPr>
+          <p:cNvCxnSpPr/>
+          <p:nvPr/>
+        </p:nvCxnSpPr>
+        <p:spPr>
+          <a:xfrm>
+            <a:off x="6152098" y="4499572"/>
+            <a:ext cx="0" cy="534155"/>
+          </a:xfrm>
+          <a:prstGeom prst="line">
+            <a:avLst/>
+          </a:prstGeom>
+        </p:spPr>
+        <p:style>
+          <a:lnRef idx="2">
+            <a:schemeClr val="accent1"/>
+          </a:lnRef>
+          <a:fillRef idx="0">
+            <a:schemeClr val="accent1"/>
+          </a:fillRef>
+          <a:effectRef idx="1">
+            <a:schemeClr val="accent1"/>
+          </a:effectRef>
+          <a:fontRef idx="minor">
+            <a:schemeClr val="tx1"/>
+          </a:fontRef>
+        </p:style>
+      </p:cxnSp>
+      <p:sp>
+        <p:nvSpPr>
+          <p:cNvPr id="47" name="TextBox 46">
+            <a:extLst>
+              <a:ext uri="{FF2B5EF4-FFF2-40B4-BE49-F238E27FC236}">
+                <a16:creationId xmlns:a16="http://schemas.microsoft.com/office/drawing/2014/main" id="{C7517255-5F7C-69DF-7059-D68D6C4B043E}"/>
+              </a:ext>
+            </a:extLst>
+          </p:cNvPr>
+          <p:cNvSpPr txBox="1"/>
+          <p:nvPr/>
+        </p:nvSpPr>
+        <p:spPr>
+          <a:xfrm>
+            <a:off x="5595326" y="4219856"/>
+            <a:ext cx="756938" cy="261610"/>
+          </a:xfrm>
+          <a:prstGeom prst="rect">
+            <a:avLst/>
+          </a:prstGeom>
+          <a:noFill/>
+        </p:spPr>
+        <p:txBody>
+          <a:bodyPr wrap="none" rtlCol="0">
+            <a:spAutoFit/>
+          </a:bodyPr>
+          <a:lstStyle/>
+          <a:p>
+            <a:r>
+              <a:rPr lang="es-419" sz="1100" dirty="0" err="1">
+                <a:latin typeface="Arial" panose="020B0604020202020204" pitchFamily="34" charset="0"/>
+                <a:cs typeface="Arial" panose="020B0604020202020204" pitchFamily="34" charset="0"/>
+              </a:rPr>
+              <a:t>Message</a:t>
+            </a:r>
+            <a:endParaRPr lang="es-419" dirty="0">
+              <a:latin typeface="Arial" panose="020B0604020202020204" pitchFamily="34" charset="0"/>
+              <a:cs typeface="Arial" panose="020B0604020202020204" pitchFamily="34" charset="0"/>
+            </a:endParaRPr>
+          </a:p>
+        </p:txBody>
+      </p:sp>
+      <p:sp>
+        <p:nvSpPr>
+          <p:cNvPr id="51" name="TextBox 50">
+            <a:extLst>
+              <a:ext uri="{FF2B5EF4-FFF2-40B4-BE49-F238E27FC236}">
+                <a16:creationId xmlns:a16="http://schemas.microsoft.com/office/drawing/2014/main" id="{3849A68A-1B09-11DA-D45B-362DB0D8EDF9}"/>
+              </a:ext>
+            </a:extLst>
+          </p:cNvPr>
+          <p:cNvSpPr txBox="1"/>
+          <p:nvPr/>
+        </p:nvSpPr>
+        <p:spPr>
+          <a:xfrm>
+            <a:off x="4299667" y="4663475"/>
+            <a:ext cx="482824" cy="261610"/>
+          </a:xfrm>
+          <a:prstGeom prst="rect">
+            <a:avLst/>
+          </a:prstGeom>
+          <a:noFill/>
+        </p:spPr>
+        <p:txBody>
+          <a:bodyPr wrap="none" rtlCol="0">
+            <a:spAutoFit/>
+          </a:bodyPr>
+          <a:lstStyle/>
+          <a:p>
+            <a:r>
+              <a:rPr lang="es-419" sz="1100" dirty="0" err="1">
+                <a:latin typeface="Arial" panose="020B0604020202020204" pitchFamily="34" charset="0"/>
+                <a:cs typeface="Arial" panose="020B0604020202020204" pitchFamily="34" charset="0"/>
+              </a:rPr>
+              <a:t>User</a:t>
+            </a:r>
+            <a:endParaRPr lang="es-419" dirty="0">
+              <a:latin typeface="Arial" panose="020B0604020202020204" pitchFamily="34" charset="0"/>
+              <a:cs typeface="Arial" panose="020B0604020202020204" pitchFamily="34" charset="0"/>
+            </a:endParaRPr>
+          </a:p>
+        </p:txBody>
+      </p:sp>
+      <p:cxnSp>
+        <p:nvCxnSpPr>
+          <p:cNvPr id="53" name="Connector: Curved 52">
+            <a:extLst>
+              <a:ext uri="{FF2B5EF4-FFF2-40B4-BE49-F238E27FC236}">
+                <a16:creationId xmlns:a16="http://schemas.microsoft.com/office/drawing/2014/main" id="{3A5EB99F-B257-801B-0993-79F3AEBF1D02}"/>
+              </a:ext>
+            </a:extLst>
+          </p:cNvPr>
+          <p:cNvCxnSpPr>
+            <a:stCxn id="25" idx="2"/>
+            <a:endCxn id="37" idx="2"/>
+          </p:cNvCxnSpPr>
+          <p:nvPr/>
+        </p:nvCxnSpPr>
+        <p:spPr>
+          <a:xfrm rot="16200000" flipH="1">
+            <a:off x="3305815" y="4176815"/>
+            <a:ext cx="425513" cy="2121230"/>
+          </a:xfrm>
+          <a:prstGeom prst="curvedConnector3">
+            <a:avLst>
+              <a:gd name="adj1" fmla="val 230319"/>
+            </a:avLst>
+          </a:prstGeom>
+          <a:ln>
+            <a:tailEnd type="triangle"/>
+          </a:ln>
+        </p:spPr>
+        <p:style>
+          <a:lnRef idx="2">
+            <a:schemeClr val="accent1"/>
+          </a:lnRef>
+          <a:fillRef idx="0">
+            <a:schemeClr val="accent1"/>
+          </a:fillRef>
+          <a:effectRef idx="1">
+            <a:schemeClr val="accent1"/>
+          </a:effectRef>
+          <a:fontRef idx="minor">
+            <a:schemeClr val="tx1"/>
+          </a:fontRef>
+        </p:style>
+      </p:cxnSp>
+      <p:sp>
+        <p:nvSpPr>
+          <p:cNvPr id="55" name="TextBox 54">
+            <a:extLst>
+              <a:ext uri="{FF2B5EF4-FFF2-40B4-BE49-F238E27FC236}">
+                <a16:creationId xmlns:a16="http://schemas.microsoft.com/office/drawing/2014/main" id="{4A8C32C7-EB5A-8F3A-788F-B0733A5E2E5A}"/>
+              </a:ext>
+            </a:extLst>
+          </p:cNvPr>
+          <p:cNvSpPr txBox="1"/>
+          <p:nvPr/>
+        </p:nvSpPr>
+        <p:spPr>
+          <a:xfrm>
+            <a:off x="3367890" y="6083929"/>
+            <a:ext cx="667747" cy="369332"/>
+          </a:xfrm>
+          <a:prstGeom prst="rect">
+            <a:avLst/>
+          </a:prstGeom>
+          <a:noFill/>
+        </p:spPr>
+        <p:txBody>
+          <a:bodyPr wrap="none" rtlCol="0">
+            <a:spAutoFit/>
+          </a:bodyPr>
+          <a:lstStyle/>
+          <a:p>
+            <a:r>
               <a:rPr lang="es-419" dirty="0" err="1"/>
+              <a:t>Sync</a:t>
+            </a:r>
+            <a:endParaRPr lang="es-419" dirty="0"/>
+          </a:p>
+        </p:txBody>
+      </p:sp>
+      <p:sp>
+        <p:nvSpPr>
+          <p:cNvPr id="56" name="TextBox 55">
+            <a:extLst>
+              <a:ext uri="{FF2B5EF4-FFF2-40B4-BE49-F238E27FC236}">
+                <a16:creationId xmlns:a16="http://schemas.microsoft.com/office/drawing/2014/main" id="{74EDCCA5-A180-9C83-7CB7-919239356F63}"/>
+              </a:ext>
+            </a:extLst>
+          </p:cNvPr>
+          <p:cNvSpPr txBox="1"/>
+          <p:nvPr/>
+        </p:nvSpPr>
+        <p:spPr>
+          <a:xfrm>
+            <a:off x="4893213" y="5107095"/>
+            <a:ext cx="522900" cy="430887"/>
+          </a:xfrm>
+          <a:prstGeom prst="rect">
+            <a:avLst/>
+          </a:prstGeom>
+          <a:noFill/>
+        </p:spPr>
+        <p:txBody>
+          <a:bodyPr wrap="none" rtlCol="0">
+            <a:spAutoFit/>
+          </a:bodyPr>
+          <a:lstStyle/>
+          <a:p>
+            <a:r>
+              <a:rPr lang="es-419" sz="1100" dirty="0" err="1">
+                <a:latin typeface="Arial" panose="020B0604020202020204" pitchFamily="34" charset="0"/>
+                <a:cs typeface="Arial" panose="020B0604020202020204" pitchFamily="34" charset="0"/>
+              </a:rPr>
+              <a:t>Read</a:t>
+            </a:r>
+            <a:endParaRPr lang="es-419" sz="1100" dirty="0">
+              <a:latin typeface="Arial" panose="020B0604020202020204" pitchFamily="34" charset="0"/>
+              <a:cs typeface="Arial" panose="020B0604020202020204" pitchFamily="34" charset="0"/>
+            </a:endParaRPr>
+          </a:p>
+          <a:p>
+            <a:r>
+              <a:rPr lang="es-419" sz="1100" dirty="0" err="1">
+                <a:latin typeface="Arial" panose="020B0604020202020204" pitchFamily="34" charset="0"/>
+                <a:cs typeface="Arial" panose="020B0604020202020204" pitchFamily="34" charset="0"/>
+              </a:rPr>
+              <a:t>Only</a:t>
+            </a:r>
+            <a:endParaRPr lang="es-419" dirty="0">
+              <a:latin typeface="Arial" panose="020B0604020202020204" pitchFamily="34" charset="0"/>
+              <a:cs typeface="Arial" panose="020B0604020202020204" pitchFamily="34" charset="0"/>
+            </a:endParaRPr>
+          </a:p>
+        </p:txBody>
+      </p:sp>
+      <p:cxnSp>
+        <p:nvCxnSpPr>
+          <p:cNvPr id="57" name="Straight Arrow Connector 56">
+            <a:extLst>
+              <a:ext uri="{FF2B5EF4-FFF2-40B4-BE49-F238E27FC236}">
+                <a16:creationId xmlns:a16="http://schemas.microsoft.com/office/drawing/2014/main" id="{C1540B98-DBF2-812E-CE7C-D8362905E28A}"/>
+              </a:ext>
+            </a:extLst>
+          </p:cNvPr>
+          <p:cNvCxnSpPr>
+            <a:cxnSpLocks/>
+            <a:stCxn id="8" idx="2"/>
+          </p:cNvCxnSpPr>
+          <p:nvPr/>
+        </p:nvCxnSpPr>
+        <p:spPr>
+          <a:xfrm flipH="1">
+            <a:off x="2855041" y="2009869"/>
+            <a:ext cx="2133416" cy="2455753"/>
+          </a:xfrm>
+          <a:prstGeom prst="straightConnector1">
+            <a:avLst/>
+          </a:prstGeom>
+          <a:ln>
+            <a:tailEnd type="triangle"/>
+          </a:ln>
+        </p:spPr>
+        <p:style>
+          <a:lnRef idx="2">
+            <a:schemeClr val="accent1"/>
+          </a:lnRef>
+          <a:fillRef idx="0">
+            <a:schemeClr val="accent1"/>
+          </a:fillRef>
+          <a:effectRef idx="1">
+            <a:schemeClr val="accent1"/>
+          </a:effectRef>
+          <a:fontRef idx="minor">
+            <a:schemeClr val="tx1"/>
+          </a:fontRef>
+        </p:style>
+      </p:cxnSp>
+      <p:sp>
+        <p:nvSpPr>
+          <p:cNvPr id="60" name="Cross 59">
+            <a:extLst>
+              <a:ext uri="{FF2B5EF4-FFF2-40B4-BE49-F238E27FC236}">
+                <a16:creationId xmlns:a16="http://schemas.microsoft.com/office/drawing/2014/main" id="{47E62B60-0D32-4891-E2A5-56646E8AE7DE}"/>
+              </a:ext>
+            </a:extLst>
+          </p:cNvPr>
+          <p:cNvSpPr/>
+          <p:nvPr/>
+        </p:nvSpPr>
+        <p:spPr>
+          <a:xfrm rot="2700000">
+            <a:off x="3411924" y="2865431"/>
+            <a:ext cx="803708" cy="796708"/>
+          </a:xfrm>
+          <a:prstGeom prst="plus">
+            <a:avLst>
+              <a:gd name="adj" fmla="val 46591"/>
+            </a:avLst>
+          </a:prstGeom>
+          <a:solidFill>
+            <a:srgbClr val="FF0000"/>
+          </a:solidFill>
+          <a:ln>
+            <a:noFill/>
+          </a:ln>
+        </p:spPr>
+        <p:style>
+          <a:lnRef idx="2">
+            <a:schemeClr val="accent1">
+              <a:shade val="15000"/>
+            </a:schemeClr>
+          </a:lnRef>
+          <a:fillRef idx="1">
+            <a:schemeClr val="accent1"/>
+          </a:fillRef>
+          <a:effectRef idx="0">
+            <a:schemeClr val="accent1"/>
+          </a:effectRef>
+          <a:fontRef idx="minor">
+            <a:schemeClr val="lt1"/>
+          </a:fontRef>
+        </p:style>
+        <p:txBody>
+          <a:bodyPr rtlCol="0" anchor="ctr"/>
+          <a:lstStyle/>
+          <a:p>
+            <a:pPr algn="ctr"/>
+            <a:endParaRPr lang="es-419"/>
+          </a:p>
+        </p:txBody>
+      </p:sp>
+      <p:sp>
+        <p:nvSpPr>
+          <p:cNvPr id="61" name="Cylinder 60">
+            <a:extLst>
+              <a:ext uri="{FF2B5EF4-FFF2-40B4-BE49-F238E27FC236}">
+                <a16:creationId xmlns:a16="http://schemas.microsoft.com/office/drawing/2014/main" id="{61B96123-91DA-8A15-60FA-FC9781FC3D64}"/>
+              </a:ext>
+            </a:extLst>
+          </p:cNvPr>
+          <p:cNvSpPr/>
+          <p:nvPr/>
+        </p:nvSpPr>
+        <p:spPr>
+          <a:xfrm>
+            <a:off x="10028223" y="561316"/>
+            <a:ext cx="1952382" cy="3610198"/>
+          </a:xfrm>
+          <a:prstGeom prst="can">
+            <a:avLst/>
+          </a:prstGeom>
+          <a:solidFill>
+            <a:schemeClr val="bg1"/>
+          </a:solidFill>
+        </p:spPr>
+        <p:style>
+          <a:lnRef idx="2">
+            <a:schemeClr val="accent1">
+              <a:shade val="15000"/>
+            </a:schemeClr>
+          </a:lnRef>
+          <a:fillRef idx="1">
+            <a:schemeClr val="accent1"/>
+          </a:fillRef>
+          <a:effectRef idx="0">
+            <a:schemeClr val="accent1"/>
+          </a:effectRef>
+          <a:fontRef idx="minor">
+            <a:schemeClr val="lt1"/>
+          </a:fontRef>
+        </p:style>
+        <p:txBody>
+          <a:bodyPr rtlCol="0" anchor="ctr"/>
+          <a:lstStyle/>
+          <a:p>
+            <a:pPr algn="ctr"/>
+            <a:endParaRPr lang="es-419" dirty="0">
+              <a:solidFill>
+                <a:sysClr val="windowText" lastClr="000000"/>
+              </a:solidFill>
+            </a:endParaRPr>
+          </a:p>
+        </p:txBody>
+      </p:sp>
+      <p:cxnSp>
+        <p:nvCxnSpPr>
+          <p:cNvPr id="63" name="Straight Connector 62">
+            <a:extLst>
+              <a:ext uri="{FF2B5EF4-FFF2-40B4-BE49-F238E27FC236}">
+                <a16:creationId xmlns:a16="http://schemas.microsoft.com/office/drawing/2014/main" id="{C5053AE5-15E1-1970-24B0-A8010F79A70A}"/>
+              </a:ext>
+            </a:extLst>
+          </p:cNvPr>
+          <p:cNvCxnSpPr/>
+          <p:nvPr/>
+        </p:nvCxnSpPr>
+        <p:spPr>
+          <a:xfrm>
+            <a:off x="6934954" y="244444"/>
+            <a:ext cx="0" cy="6355532"/>
+          </a:xfrm>
+          <a:prstGeom prst="line">
+            <a:avLst/>
+          </a:prstGeom>
+        </p:spPr>
+        <p:style>
+          <a:lnRef idx="2">
+            <a:schemeClr val="accent1"/>
+          </a:lnRef>
+          <a:fillRef idx="0">
+            <a:schemeClr val="accent1"/>
+          </a:fillRef>
+          <a:effectRef idx="1">
+            <a:schemeClr val="accent1"/>
+          </a:effectRef>
+          <a:fontRef idx="minor">
+            <a:schemeClr val="tx1"/>
+          </a:fontRef>
+        </p:style>
+      </p:cxnSp>
+      <p:sp>
+        <p:nvSpPr>
+          <p:cNvPr id="65" name="Hexagon 64">
+            <a:extLst>
+              <a:ext uri="{FF2B5EF4-FFF2-40B4-BE49-F238E27FC236}">
+                <a16:creationId xmlns:a16="http://schemas.microsoft.com/office/drawing/2014/main" id="{19BAF9ED-015D-53AA-47EA-1DA0BC65430B}"/>
+              </a:ext>
+            </a:extLst>
+          </p:cNvPr>
+          <p:cNvSpPr/>
+          <p:nvPr/>
+        </p:nvSpPr>
+        <p:spPr>
+          <a:xfrm>
+            <a:off x="7422033" y="1314980"/>
+            <a:ext cx="784666" cy="676436"/>
+          </a:xfrm>
+          <a:prstGeom prst="hexagon">
+            <a:avLst/>
+          </a:prstGeom>
+          <a:solidFill>
+            <a:schemeClr val="bg1"/>
+          </a:solidFill>
+        </p:spPr>
+        <p:style>
+          <a:lnRef idx="2">
+            <a:schemeClr val="accent1">
+              <a:shade val="15000"/>
+            </a:schemeClr>
+          </a:lnRef>
+          <a:fillRef idx="1">
+            <a:schemeClr val="accent1"/>
+          </a:fillRef>
+          <a:effectRef idx="0">
+            <a:schemeClr val="accent1"/>
+          </a:effectRef>
+          <a:fontRef idx="minor">
+            <a:schemeClr val="lt1"/>
+          </a:fontRef>
+        </p:style>
+        <p:txBody>
+          <a:bodyPr rtlCol="0" anchor="ctr"/>
+          <a:lstStyle/>
+          <a:p>
+            <a:pPr algn="ctr"/>
+            <a:r>
+              <a:rPr lang="es-419" sz="800" dirty="0" err="1">
+                <a:solidFill>
+                  <a:sysClr val="windowText" lastClr="000000"/>
+                </a:solidFill>
+                <a:latin typeface="Arial" panose="020B0604020202020204" pitchFamily="34" charset="0"/>
+                <a:cs typeface="Arial" panose="020B0604020202020204" pitchFamily="34" charset="0"/>
+              </a:rPr>
+              <a:t>Service</a:t>
+            </a:r>
+            <a:endParaRPr lang="es-419" sz="800" dirty="0">
+              <a:solidFill>
+                <a:sysClr val="windowText" lastClr="000000"/>
+              </a:solidFill>
+              <a:latin typeface="Arial" panose="020B0604020202020204" pitchFamily="34" charset="0"/>
+              <a:cs typeface="Arial" panose="020B0604020202020204" pitchFamily="34" charset="0"/>
+            </a:endParaRPr>
+          </a:p>
+        </p:txBody>
+      </p:sp>
+      <p:sp>
+        <p:nvSpPr>
+          <p:cNvPr id="66" name="Hexagon 65">
+            <a:extLst>
+              <a:ext uri="{FF2B5EF4-FFF2-40B4-BE49-F238E27FC236}">
+                <a16:creationId xmlns:a16="http://schemas.microsoft.com/office/drawing/2014/main" id="{1FDAC74E-596E-D60E-4867-B73E34D358E0}"/>
+              </a:ext>
+            </a:extLst>
+          </p:cNvPr>
+          <p:cNvSpPr/>
+          <p:nvPr/>
+        </p:nvSpPr>
+        <p:spPr>
+          <a:xfrm>
+            <a:off x="7422033" y="2294040"/>
+            <a:ext cx="784666" cy="676436"/>
+          </a:xfrm>
+          <a:prstGeom prst="hexagon">
+            <a:avLst/>
+          </a:prstGeom>
+          <a:solidFill>
+            <a:schemeClr val="bg1"/>
+          </a:solidFill>
+        </p:spPr>
+        <p:style>
+          <a:lnRef idx="2">
+            <a:schemeClr val="accent1">
+              <a:shade val="15000"/>
+            </a:schemeClr>
+          </a:lnRef>
+          <a:fillRef idx="1">
+            <a:schemeClr val="accent1"/>
+          </a:fillRef>
+          <a:effectRef idx="0">
+            <a:schemeClr val="accent1"/>
+          </a:effectRef>
+          <a:fontRef idx="minor">
+            <a:schemeClr val="lt1"/>
+          </a:fontRef>
+        </p:style>
+        <p:txBody>
+          <a:bodyPr rtlCol="0" anchor="ctr"/>
+          <a:lstStyle/>
+          <a:p>
+            <a:pPr algn="ctr"/>
+            <a:r>
+              <a:rPr lang="es-419" sz="800" dirty="0" err="1">
+                <a:solidFill>
+                  <a:sysClr val="windowText" lastClr="000000"/>
+                </a:solidFill>
+                <a:latin typeface="Arial" panose="020B0604020202020204" pitchFamily="34" charset="0"/>
+                <a:cs typeface="Arial" panose="020B0604020202020204" pitchFamily="34" charset="0"/>
+              </a:rPr>
+              <a:t>Service</a:t>
+            </a:r>
+            <a:endParaRPr lang="es-419" sz="800" dirty="0">
+              <a:solidFill>
+                <a:sysClr val="windowText" lastClr="000000"/>
+              </a:solidFill>
+              <a:latin typeface="Arial" panose="020B0604020202020204" pitchFamily="34" charset="0"/>
+              <a:cs typeface="Arial" panose="020B0604020202020204" pitchFamily="34" charset="0"/>
+            </a:endParaRPr>
+          </a:p>
+        </p:txBody>
+      </p:sp>
+      <p:sp>
+        <p:nvSpPr>
+          <p:cNvPr id="67" name="Hexagon 66">
+            <a:extLst>
+              <a:ext uri="{FF2B5EF4-FFF2-40B4-BE49-F238E27FC236}">
+                <a16:creationId xmlns:a16="http://schemas.microsoft.com/office/drawing/2014/main" id="{DF117B39-25BD-C783-6485-ADD5A2076D5C}"/>
+              </a:ext>
+            </a:extLst>
+          </p:cNvPr>
+          <p:cNvSpPr/>
+          <p:nvPr/>
+        </p:nvSpPr>
+        <p:spPr>
+          <a:xfrm>
+            <a:off x="7422033" y="3227853"/>
+            <a:ext cx="784666" cy="676436"/>
+          </a:xfrm>
+          <a:prstGeom prst="hexagon">
+            <a:avLst/>
+          </a:prstGeom>
+          <a:solidFill>
+            <a:schemeClr val="bg1"/>
+          </a:solidFill>
+        </p:spPr>
+        <p:style>
+          <a:lnRef idx="2">
+            <a:schemeClr val="accent1">
+              <a:shade val="15000"/>
+            </a:schemeClr>
+          </a:lnRef>
+          <a:fillRef idx="1">
+            <a:schemeClr val="accent1"/>
+          </a:fillRef>
+          <a:effectRef idx="0">
+            <a:schemeClr val="accent1"/>
+          </a:effectRef>
+          <a:fontRef idx="minor">
+            <a:schemeClr val="lt1"/>
+          </a:fontRef>
+        </p:style>
+        <p:txBody>
+          <a:bodyPr rtlCol="0" anchor="ctr"/>
+          <a:lstStyle/>
+          <a:p>
+            <a:pPr algn="ctr"/>
+            <a:r>
+              <a:rPr lang="es-419" sz="800" dirty="0" err="1">
+                <a:solidFill>
+                  <a:sysClr val="windowText" lastClr="000000"/>
+                </a:solidFill>
+                <a:latin typeface="Arial" panose="020B0604020202020204" pitchFamily="34" charset="0"/>
+                <a:cs typeface="Arial" panose="020B0604020202020204" pitchFamily="34" charset="0"/>
+              </a:rPr>
+              <a:t>Service</a:t>
+            </a:r>
+            <a:endParaRPr lang="es-419" sz="800" dirty="0">
+              <a:solidFill>
+                <a:sysClr val="windowText" lastClr="000000"/>
+              </a:solidFill>
+              <a:latin typeface="Arial" panose="020B0604020202020204" pitchFamily="34" charset="0"/>
+              <a:cs typeface="Arial" panose="020B0604020202020204" pitchFamily="34" charset="0"/>
+            </a:endParaRPr>
+          </a:p>
+        </p:txBody>
+      </p:sp>
+      <p:sp>
+        <p:nvSpPr>
+          <p:cNvPr id="68" name="Cylinder 67">
+            <a:extLst>
+              <a:ext uri="{FF2B5EF4-FFF2-40B4-BE49-F238E27FC236}">
+                <a16:creationId xmlns:a16="http://schemas.microsoft.com/office/drawing/2014/main" id="{0DC0F014-235C-0603-2D19-F7C1FA67BC59}"/>
+              </a:ext>
+            </a:extLst>
+          </p:cNvPr>
+          <p:cNvSpPr/>
+          <p:nvPr/>
+        </p:nvSpPr>
+        <p:spPr>
+          <a:xfrm>
+            <a:off x="10717785" y="1355565"/>
+            <a:ext cx="582182" cy="595265"/>
+          </a:xfrm>
+          <a:prstGeom prst="can">
+            <a:avLst/>
+          </a:prstGeom>
+          <a:solidFill>
+            <a:schemeClr val="bg1"/>
+          </a:solidFill>
+        </p:spPr>
+        <p:style>
+          <a:lnRef idx="2">
+            <a:schemeClr val="accent1">
+              <a:shade val="15000"/>
+            </a:schemeClr>
+          </a:lnRef>
+          <a:fillRef idx="1">
+            <a:schemeClr val="accent1"/>
+          </a:fillRef>
+          <a:effectRef idx="0">
+            <a:schemeClr val="accent1"/>
+          </a:effectRef>
+          <a:fontRef idx="minor">
+            <a:schemeClr val="lt1"/>
+          </a:fontRef>
+        </p:style>
+        <p:txBody>
+          <a:bodyPr rtlCol="0" anchor="ctr"/>
+          <a:lstStyle/>
+          <a:p>
+            <a:pPr algn="ctr"/>
+            <a:r>
+              <a:rPr lang="es-419" sz="1000" dirty="0">
+                <a:solidFill>
+                  <a:sysClr val="windowText" lastClr="000000"/>
+                </a:solidFill>
+                <a:latin typeface="Arial" panose="020B0604020202020204" pitchFamily="34" charset="0"/>
+                <a:cs typeface="Arial" panose="020B0604020202020204" pitchFamily="34" charset="0"/>
+              </a:rPr>
+              <a:t>DB</a:t>
+            </a:r>
+          </a:p>
+        </p:txBody>
+      </p:sp>
+      <p:sp>
+        <p:nvSpPr>
+          <p:cNvPr id="69" name="Cylinder 68">
+            <a:extLst>
+              <a:ext uri="{FF2B5EF4-FFF2-40B4-BE49-F238E27FC236}">
+                <a16:creationId xmlns:a16="http://schemas.microsoft.com/office/drawing/2014/main" id="{6E24D39A-B0BB-0584-073C-5974F84B2B68}"/>
+              </a:ext>
+            </a:extLst>
+          </p:cNvPr>
+          <p:cNvSpPr/>
+          <p:nvPr/>
+        </p:nvSpPr>
+        <p:spPr>
+          <a:xfrm>
+            <a:off x="10717785" y="2337731"/>
+            <a:ext cx="582182" cy="595265"/>
+          </a:xfrm>
+          <a:prstGeom prst="can">
+            <a:avLst/>
+          </a:prstGeom>
+          <a:solidFill>
+            <a:schemeClr val="bg1"/>
+          </a:solidFill>
+        </p:spPr>
+        <p:style>
+          <a:lnRef idx="2">
+            <a:schemeClr val="accent1">
+              <a:shade val="15000"/>
+            </a:schemeClr>
+          </a:lnRef>
+          <a:fillRef idx="1">
+            <a:schemeClr val="accent1"/>
+          </a:fillRef>
+          <a:effectRef idx="0">
+            <a:schemeClr val="accent1"/>
+          </a:effectRef>
+          <a:fontRef idx="minor">
+            <a:schemeClr val="lt1"/>
+          </a:fontRef>
+        </p:style>
+        <p:txBody>
+          <a:bodyPr rtlCol="0" anchor="ctr"/>
+          <a:lstStyle/>
+          <a:p>
+            <a:pPr algn="ctr"/>
+            <a:r>
+              <a:rPr lang="es-419" sz="1000" dirty="0">
+                <a:solidFill>
+                  <a:sysClr val="windowText" lastClr="000000"/>
+                </a:solidFill>
+                <a:latin typeface="Arial" panose="020B0604020202020204" pitchFamily="34" charset="0"/>
+                <a:cs typeface="Arial" panose="020B0604020202020204" pitchFamily="34" charset="0"/>
+              </a:rPr>
+              <a:t>DB</a:t>
+            </a:r>
+          </a:p>
+        </p:txBody>
+      </p:sp>
+      <p:sp>
+        <p:nvSpPr>
+          <p:cNvPr id="70" name="Cylinder 69">
+            <a:extLst>
+              <a:ext uri="{FF2B5EF4-FFF2-40B4-BE49-F238E27FC236}">
+                <a16:creationId xmlns:a16="http://schemas.microsoft.com/office/drawing/2014/main" id="{BB8DC82A-6C19-2533-A305-3A2A5B665928}"/>
+              </a:ext>
+            </a:extLst>
+          </p:cNvPr>
+          <p:cNvSpPr/>
+          <p:nvPr/>
+        </p:nvSpPr>
+        <p:spPr>
+          <a:xfrm>
+            <a:off x="10717785" y="3234353"/>
+            <a:ext cx="582182" cy="595265"/>
+          </a:xfrm>
+          <a:prstGeom prst="can">
+            <a:avLst/>
+          </a:prstGeom>
+          <a:solidFill>
+            <a:schemeClr val="bg1"/>
+          </a:solidFill>
+        </p:spPr>
+        <p:style>
+          <a:lnRef idx="2">
+            <a:schemeClr val="accent1">
+              <a:shade val="15000"/>
+            </a:schemeClr>
+          </a:lnRef>
+          <a:fillRef idx="1">
+            <a:schemeClr val="accent1"/>
+          </a:fillRef>
+          <a:effectRef idx="0">
+            <a:schemeClr val="accent1"/>
+          </a:effectRef>
+          <a:fontRef idx="minor">
+            <a:schemeClr val="lt1"/>
+          </a:fontRef>
+        </p:style>
+        <p:txBody>
+          <a:bodyPr rtlCol="0" anchor="ctr"/>
+          <a:lstStyle/>
+          <a:p>
+            <a:pPr algn="ctr"/>
+            <a:r>
+              <a:rPr lang="es-419" sz="1000" dirty="0">
+                <a:solidFill>
+                  <a:sysClr val="windowText" lastClr="000000"/>
+                </a:solidFill>
+                <a:latin typeface="Arial" panose="020B0604020202020204" pitchFamily="34" charset="0"/>
+                <a:cs typeface="Arial" panose="020B0604020202020204" pitchFamily="34" charset="0"/>
+              </a:rPr>
+              <a:t>DB</a:t>
+            </a:r>
+          </a:p>
+        </p:txBody>
+      </p:sp>
+      <p:cxnSp>
+        <p:nvCxnSpPr>
+          <p:cNvPr id="72" name="Straight Arrow Connector 71">
+            <a:extLst>
+              <a:ext uri="{FF2B5EF4-FFF2-40B4-BE49-F238E27FC236}">
+                <a16:creationId xmlns:a16="http://schemas.microsoft.com/office/drawing/2014/main" id="{A18919D2-7672-BAD2-D83E-86CCD2693020}"/>
+              </a:ext>
+            </a:extLst>
+          </p:cNvPr>
+          <p:cNvCxnSpPr>
+            <a:stCxn id="65" idx="0"/>
+          </p:cNvCxnSpPr>
+          <p:nvPr/>
+        </p:nvCxnSpPr>
+        <p:spPr>
+          <a:xfrm>
+            <a:off x="8206699" y="1653198"/>
+            <a:ext cx="2511086" cy="21693"/>
+          </a:xfrm>
+          <a:prstGeom prst="straightConnector1">
+            <a:avLst/>
+          </a:prstGeom>
+          <a:ln>
+            <a:prstDash val="dash"/>
+            <a:tailEnd type="triangle"/>
+          </a:ln>
+        </p:spPr>
+        <p:style>
+          <a:lnRef idx="2">
+            <a:schemeClr val="accent1"/>
+          </a:lnRef>
+          <a:fillRef idx="0">
+            <a:schemeClr val="accent1"/>
+          </a:fillRef>
+          <a:effectRef idx="1">
+            <a:schemeClr val="accent1"/>
+          </a:effectRef>
+          <a:fontRef idx="minor">
+            <a:schemeClr val="tx1"/>
+          </a:fontRef>
+        </p:style>
+      </p:cxnSp>
+      <p:cxnSp>
+        <p:nvCxnSpPr>
+          <p:cNvPr id="73" name="Straight Arrow Connector 72">
+            <a:extLst>
+              <a:ext uri="{FF2B5EF4-FFF2-40B4-BE49-F238E27FC236}">
+                <a16:creationId xmlns:a16="http://schemas.microsoft.com/office/drawing/2014/main" id="{7E3570DC-5DFF-3319-D39E-8D566A378AEE}"/>
+              </a:ext>
+            </a:extLst>
+          </p:cNvPr>
+          <p:cNvCxnSpPr/>
+          <p:nvPr/>
+        </p:nvCxnSpPr>
+        <p:spPr>
+          <a:xfrm>
+            <a:off x="8206699" y="2621411"/>
+            <a:ext cx="2511086" cy="21693"/>
+          </a:xfrm>
+          <a:prstGeom prst="straightConnector1">
+            <a:avLst/>
+          </a:prstGeom>
+          <a:ln>
+            <a:tailEnd type="triangle"/>
+          </a:ln>
+        </p:spPr>
+        <p:style>
+          <a:lnRef idx="2">
+            <a:schemeClr val="accent1"/>
+          </a:lnRef>
+          <a:fillRef idx="0">
+            <a:schemeClr val="accent1"/>
+          </a:fillRef>
+          <a:effectRef idx="1">
+            <a:schemeClr val="accent1"/>
+          </a:effectRef>
+          <a:fontRef idx="minor">
+            <a:schemeClr val="tx1"/>
+          </a:fontRef>
+        </p:style>
+      </p:cxnSp>
+      <p:cxnSp>
+        <p:nvCxnSpPr>
+          <p:cNvPr id="74" name="Straight Arrow Connector 73">
+            <a:extLst>
+              <a:ext uri="{FF2B5EF4-FFF2-40B4-BE49-F238E27FC236}">
+                <a16:creationId xmlns:a16="http://schemas.microsoft.com/office/drawing/2014/main" id="{AAD8EB7D-9236-3B2C-41AC-EB4347ECDE27}"/>
+              </a:ext>
+            </a:extLst>
+          </p:cNvPr>
+          <p:cNvCxnSpPr/>
+          <p:nvPr/>
+        </p:nvCxnSpPr>
+        <p:spPr>
+          <a:xfrm>
+            <a:off x="8206699" y="3552144"/>
+            <a:ext cx="2511086" cy="21693"/>
+          </a:xfrm>
+          <a:prstGeom prst="straightConnector1">
+            <a:avLst/>
+          </a:prstGeom>
+          <a:ln>
+            <a:tailEnd type="triangle"/>
+          </a:ln>
+        </p:spPr>
+        <p:style>
+          <a:lnRef idx="2">
+            <a:schemeClr val="accent1"/>
+          </a:lnRef>
+          <a:fillRef idx="0">
+            <a:schemeClr val="accent1"/>
+          </a:fillRef>
+          <a:effectRef idx="1">
+            <a:schemeClr val="accent1"/>
+          </a:effectRef>
+          <a:fontRef idx="minor">
+            <a:schemeClr val="tx1"/>
+          </a:fontRef>
+        </p:style>
+      </p:cxnSp>
+      <p:sp>
+        <p:nvSpPr>
+          <p:cNvPr id="75" name="Cylinder 74">
+            <a:extLst>
+              <a:ext uri="{FF2B5EF4-FFF2-40B4-BE49-F238E27FC236}">
+                <a16:creationId xmlns:a16="http://schemas.microsoft.com/office/drawing/2014/main" id="{86E2FDD0-9E6A-0DAF-ABDB-9A24EF22CF6E}"/>
+              </a:ext>
+            </a:extLst>
+          </p:cNvPr>
+          <p:cNvSpPr/>
+          <p:nvPr/>
+        </p:nvSpPr>
+        <p:spPr>
+          <a:xfrm>
+            <a:off x="10028223" y="4465622"/>
+            <a:ext cx="1952382" cy="1973420"/>
+          </a:xfrm>
+          <a:prstGeom prst="can">
+            <a:avLst/>
+          </a:prstGeom>
+          <a:solidFill>
+            <a:schemeClr val="bg1"/>
+          </a:solidFill>
+        </p:spPr>
+        <p:style>
+          <a:lnRef idx="2">
+            <a:schemeClr val="accent1">
+              <a:shade val="15000"/>
+            </a:schemeClr>
+          </a:lnRef>
+          <a:fillRef idx="1">
+            <a:schemeClr val="accent1"/>
+          </a:fillRef>
+          <a:effectRef idx="0">
+            <a:schemeClr val="accent1"/>
+          </a:effectRef>
+          <a:fontRef idx="minor">
+            <a:schemeClr val="lt1"/>
+          </a:fontRef>
+        </p:style>
+        <p:txBody>
+          <a:bodyPr rtlCol="0" anchor="ctr"/>
+          <a:lstStyle/>
+          <a:p>
+            <a:pPr algn="ctr"/>
+            <a:endParaRPr lang="es-419" dirty="0">
+              <a:solidFill>
+                <a:sysClr val="windowText" lastClr="000000"/>
+              </a:solidFill>
+            </a:endParaRPr>
+          </a:p>
+        </p:txBody>
+      </p:sp>
+      <p:sp>
+        <p:nvSpPr>
+          <p:cNvPr id="77" name="Cylinder 76">
+            <a:extLst>
+              <a:ext uri="{FF2B5EF4-FFF2-40B4-BE49-F238E27FC236}">
+                <a16:creationId xmlns:a16="http://schemas.microsoft.com/office/drawing/2014/main" id="{86F11E7C-F7A2-FDDA-38B2-50128E370238}"/>
+              </a:ext>
+            </a:extLst>
+          </p:cNvPr>
+          <p:cNvSpPr/>
+          <p:nvPr/>
+        </p:nvSpPr>
+        <p:spPr>
+          <a:xfrm>
+            <a:off x="10717785" y="5311552"/>
+            <a:ext cx="582182" cy="595265"/>
+          </a:xfrm>
+          <a:prstGeom prst="can">
+            <a:avLst/>
+          </a:prstGeom>
+          <a:solidFill>
+            <a:schemeClr val="bg1"/>
+          </a:solidFill>
+        </p:spPr>
+        <p:style>
+          <a:lnRef idx="2">
+            <a:schemeClr val="accent1">
+              <a:shade val="15000"/>
+            </a:schemeClr>
+          </a:lnRef>
+          <a:fillRef idx="1">
+            <a:schemeClr val="accent1"/>
+          </a:fillRef>
+          <a:effectRef idx="0">
+            <a:schemeClr val="accent1"/>
+          </a:effectRef>
+          <a:fontRef idx="minor">
+            <a:schemeClr val="lt1"/>
+          </a:fontRef>
+        </p:style>
+        <p:txBody>
+          <a:bodyPr rtlCol="0" anchor="ctr"/>
+          <a:lstStyle/>
+          <a:p>
+            <a:pPr algn="ctr"/>
+            <a:r>
+              <a:rPr lang="es-419" sz="1000" dirty="0">
+                <a:solidFill>
+                  <a:sysClr val="windowText" lastClr="000000"/>
+                </a:solidFill>
+                <a:latin typeface="Arial" panose="020B0604020202020204" pitchFamily="34" charset="0"/>
+                <a:cs typeface="Arial" panose="020B0604020202020204" pitchFamily="34" charset="0"/>
+              </a:rPr>
+              <a:t>DB</a:t>
+            </a:r>
+          </a:p>
+        </p:txBody>
+      </p:sp>
+      <p:cxnSp>
+        <p:nvCxnSpPr>
+          <p:cNvPr id="81" name="Straight Arrow Connector 80">
+            <a:extLst>
+              <a:ext uri="{FF2B5EF4-FFF2-40B4-BE49-F238E27FC236}">
+                <a16:creationId xmlns:a16="http://schemas.microsoft.com/office/drawing/2014/main" id="{495430C9-643A-7AE9-17D9-6E28F6525641}"/>
+              </a:ext>
+            </a:extLst>
+          </p:cNvPr>
+          <p:cNvCxnSpPr>
+            <a:cxnSpLocks/>
+            <a:stCxn id="65" idx="0"/>
+            <a:endCxn id="77" idx="2"/>
+          </p:cNvCxnSpPr>
+          <p:nvPr/>
+        </p:nvCxnSpPr>
+        <p:spPr>
+          <a:xfrm>
+            <a:off x="8206699" y="1653198"/>
+            <a:ext cx="2511086" cy="3955987"/>
+          </a:xfrm>
+          <a:prstGeom prst="straightConnector1">
+            <a:avLst/>
+          </a:prstGeom>
+          <a:ln>
+            <a:tailEnd type="triangle"/>
+          </a:ln>
+        </p:spPr>
+        <p:style>
+          <a:lnRef idx="2">
+            <a:schemeClr val="accent1"/>
+          </a:lnRef>
+          <a:fillRef idx="0">
+            <a:schemeClr val="accent1"/>
+          </a:fillRef>
+          <a:effectRef idx="1">
+            <a:schemeClr val="accent1"/>
+          </a:effectRef>
+          <a:fontRef idx="minor">
+            <a:schemeClr val="tx1"/>
+          </a:fontRef>
+        </p:style>
+      </p:cxnSp>
+    </p:spTree>
+    <p:extLst>
+      <p:ext uri="{BB962C8B-B14F-4D97-AF65-F5344CB8AC3E}">
+        <p14:creationId xmlns:p14="http://schemas.microsoft.com/office/powerpoint/2010/main" val="3054913601"/>
+      </p:ext>
+    </p:extLst>
+  </p:cSld>
+  <p:clrMapOvr>
+    <a:masterClrMapping/>
+  </p:clrMapOvr>
+</p:sld>
+</file>
+
+<file path=ppt/slides/slide2.xml><?xml version="1.0" encoding="utf-8"?>
+<p:sld xmlns:a="http://schemas.openxmlformats.org/drawingml/2006/main" xmlns:r="http://schemas.openxmlformats.org/officeDocument/2006/relationships" xmlns:p="http://schemas.openxmlformats.org/presentationml/2006/main">
+  <p:cSld>
+    <p:spTree>
+      <p:nvGrpSpPr>
+        <p:cNvPr id="1" name=""/>
+        <p:cNvGrpSpPr/>
+        <p:nvPr/>
+      </p:nvGrpSpPr>
+      <p:grpSpPr>
+        <a:xfrm>
+          <a:off x="0" y="0"/>
+          <a:ext cx="0" cy="0"/>
+          <a:chOff x="0" y="0"/>
+          <a:chExt cx="0" cy="0"/>
+        </a:xfrm>
+      </p:grpSpPr>
+      <p:sp>
+        <p:nvSpPr>
+          <p:cNvPr id="15" name="Cylinder 14">
+            <a:extLst>
+              <a:ext uri="{FF2B5EF4-FFF2-40B4-BE49-F238E27FC236}">
+                <a16:creationId xmlns:a16="http://schemas.microsoft.com/office/drawing/2014/main" id="{733DB20F-3CF4-1B37-B626-8602A2E96EBE}"/>
+              </a:ext>
+            </a:extLst>
+          </p:cNvPr>
+          <p:cNvSpPr/>
+          <p:nvPr/>
+        </p:nvSpPr>
+        <p:spPr>
+          <a:xfrm>
+            <a:off x="5634758" y="2719435"/>
+            <a:ext cx="1370092" cy="823865"/>
+          </a:xfrm>
+          <a:prstGeom prst="can">
+            <a:avLst/>
+          </a:prstGeom>
+          <a:solidFill>
+            <a:schemeClr val="bg1"/>
+          </a:solidFill>
+        </p:spPr>
+        <p:style>
+          <a:lnRef idx="2">
+            <a:schemeClr val="accent1">
+              <a:shade val="15000"/>
+            </a:schemeClr>
+          </a:lnRef>
+          <a:fillRef idx="1">
+            <a:schemeClr val="accent1"/>
+          </a:fillRef>
+          <a:effectRef idx="0">
+            <a:schemeClr val="accent1"/>
+          </a:effectRef>
+          <a:fontRef idx="minor">
+            <a:schemeClr val="lt1"/>
+          </a:fontRef>
+        </p:style>
+        <p:txBody>
+          <a:bodyPr rtlCol="0" anchor="ctr"/>
+          <a:lstStyle/>
+          <a:p>
+            <a:pPr algn="ctr"/>
+            <a:endParaRPr lang="es-419" dirty="0">
+              <a:solidFill>
+                <a:sysClr val="windowText" lastClr="000000"/>
+              </a:solidFill>
+            </a:endParaRPr>
+          </a:p>
+        </p:txBody>
+      </p:sp>
+      <p:sp>
+        <p:nvSpPr>
+          <p:cNvPr id="4" name="Cylinder 3">
+            <a:extLst>
+              <a:ext uri="{FF2B5EF4-FFF2-40B4-BE49-F238E27FC236}">
+                <a16:creationId xmlns:a16="http://schemas.microsoft.com/office/drawing/2014/main" id="{8C11F56B-8FF6-34EB-B6E5-139D93537956}"/>
+              </a:ext>
+            </a:extLst>
+          </p:cNvPr>
+          <p:cNvSpPr/>
+          <p:nvPr/>
+        </p:nvSpPr>
+        <p:spPr>
+          <a:xfrm>
+            <a:off x="1463158" y="2833735"/>
+            <a:ext cx="3297029" cy="823865"/>
+          </a:xfrm>
+          <a:prstGeom prst="can">
+            <a:avLst/>
+          </a:prstGeom>
+          <a:solidFill>
+            <a:schemeClr val="bg1"/>
+          </a:solidFill>
+        </p:spPr>
+        <p:style>
+          <a:lnRef idx="2">
+            <a:schemeClr val="accent1">
+              <a:shade val="15000"/>
+            </a:schemeClr>
+          </a:lnRef>
+          <a:fillRef idx="1">
+            <a:schemeClr val="accent1"/>
+          </a:fillRef>
+          <a:effectRef idx="0">
+            <a:schemeClr val="accent1"/>
+          </a:effectRef>
+          <a:fontRef idx="minor">
+            <a:schemeClr val="lt1"/>
+          </a:fontRef>
+        </p:style>
+        <p:txBody>
+          <a:bodyPr rtlCol="0" anchor="ctr"/>
+          <a:lstStyle/>
+          <a:p>
+            <a:pPr algn="ctr"/>
+            <a:r>
+              <a:rPr lang="es-419" dirty="0">
+                <a:solidFill>
+                  <a:sysClr val="windowText" lastClr="000000"/>
+                </a:solidFill>
+              </a:rPr>
+              <a:t>DB</a:t>
+            </a:r>
+          </a:p>
+        </p:txBody>
+      </p:sp>
+      <p:sp>
+        <p:nvSpPr>
+          <p:cNvPr id="5" name="Hexagon 4">
+            <a:extLst>
+              <a:ext uri="{FF2B5EF4-FFF2-40B4-BE49-F238E27FC236}">
+                <a16:creationId xmlns:a16="http://schemas.microsoft.com/office/drawing/2014/main" id="{717D7BE2-E13B-A57C-FF0C-7B74D15D1D83}"/>
+              </a:ext>
+            </a:extLst>
+          </p:cNvPr>
+          <p:cNvSpPr/>
+          <p:nvPr/>
+        </p:nvSpPr>
+        <p:spPr>
+          <a:xfrm>
+            <a:off x="1388197" y="1186004"/>
+            <a:ext cx="955683" cy="823865"/>
+          </a:xfrm>
+          <a:prstGeom prst="hexagon">
+            <a:avLst/>
+          </a:prstGeom>
+          <a:solidFill>
+            <a:schemeClr val="bg1"/>
+          </a:solidFill>
+        </p:spPr>
+        <p:style>
+          <a:lnRef idx="2">
+            <a:schemeClr val="accent1">
+              <a:shade val="15000"/>
+            </a:schemeClr>
+          </a:lnRef>
+          <a:fillRef idx="1">
+            <a:schemeClr val="accent1"/>
+          </a:fillRef>
+          <a:effectRef idx="0">
+            <a:schemeClr val="accent1"/>
+          </a:effectRef>
+          <a:fontRef idx="minor">
+            <a:schemeClr val="lt1"/>
+          </a:fontRef>
+        </p:style>
+        <p:txBody>
+          <a:bodyPr rtlCol="0" anchor="ctr"/>
+          <a:lstStyle/>
+          <a:p>
+            <a:pPr algn="ctr"/>
+            <a:r>
+              <a:rPr lang="es-419" sz="1100" dirty="0" err="1">
+                <a:solidFill>
+                  <a:sysClr val="windowText" lastClr="000000"/>
+                </a:solidFill>
+                <a:latin typeface="Arial" panose="020B0604020202020204" pitchFamily="34" charset="0"/>
+                <a:cs typeface="Arial" panose="020B0604020202020204" pitchFamily="34" charset="0"/>
+              </a:rPr>
+              <a:t>Service</a:t>
+            </a:r>
+            <a:endParaRPr lang="es-419" sz="1100" dirty="0">
+              <a:solidFill>
+                <a:sysClr val="windowText" lastClr="000000"/>
+              </a:solidFill>
+              <a:latin typeface="Arial" panose="020B0604020202020204" pitchFamily="34" charset="0"/>
+              <a:cs typeface="Arial" panose="020B0604020202020204" pitchFamily="34" charset="0"/>
+            </a:endParaRPr>
+          </a:p>
+        </p:txBody>
+      </p:sp>
+      <p:cxnSp>
+        <p:nvCxnSpPr>
+          <p:cNvPr id="6" name="Straight Arrow Connector 5">
+            <a:extLst>
+              <a:ext uri="{FF2B5EF4-FFF2-40B4-BE49-F238E27FC236}">
+                <a16:creationId xmlns:a16="http://schemas.microsoft.com/office/drawing/2014/main" id="{CDAC8263-B33F-ED6F-E916-31418F35F03B}"/>
+              </a:ext>
+            </a:extLst>
+          </p:cNvPr>
+          <p:cNvCxnSpPr>
+            <a:cxnSpLocks/>
+          </p:cNvCxnSpPr>
+          <p:nvPr/>
+        </p:nvCxnSpPr>
+        <p:spPr>
+          <a:xfrm>
+            <a:off x="1865013" y="2009869"/>
+            <a:ext cx="1025" cy="823866"/>
+          </a:xfrm>
+          <a:prstGeom prst="straightConnector1">
+            <a:avLst/>
+          </a:prstGeom>
+          <a:ln>
+            <a:tailEnd type="triangle"/>
+          </a:ln>
+        </p:spPr>
+        <p:style>
+          <a:lnRef idx="2">
+            <a:schemeClr val="accent1"/>
+          </a:lnRef>
+          <a:fillRef idx="0">
+            <a:schemeClr val="accent1"/>
+          </a:fillRef>
+          <a:effectRef idx="1">
+            <a:schemeClr val="accent1"/>
+          </a:effectRef>
+          <a:fontRef idx="minor">
+            <a:schemeClr val="tx1"/>
+          </a:fontRef>
+        </p:style>
+      </p:cxnSp>
+      <p:sp>
+        <p:nvSpPr>
+          <p:cNvPr id="8" name="Hexagon 7">
+            <a:extLst>
+              <a:ext uri="{FF2B5EF4-FFF2-40B4-BE49-F238E27FC236}">
+                <a16:creationId xmlns:a16="http://schemas.microsoft.com/office/drawing/2014/main" id="{1AA5A5D3-E93F-6B00-A592-9CAD4EE354B1}"/>
+              </a:ext>
+            </a:extLst>
+          </p:cNvPr>
+          <p:cNvSpPr/>
+          <p:nvPr/>
+        </p:nvSpPr>
+        <p:spPr>
+          <a:xfrm>
+            <a:off x="2596351" y="1186004"/>
+            <a:ext cx="955683" cy="823865"/>
+          </a:xfrm>
+          <a:prstGeom prst="hexagon">
+            <a:avLst/>
+          </a:prstGeom>
+          <a:solidFill>
+            <a:schemeClr val="bg1"/>
+          </a:solidFill>
+        </p:spPr>
+        <p:style>
+          <a:lnRef idx="2">
+            <a:schemeClr val="accent1">
+              <a:shade val="15000"/>
+            </a:schemeClr>
+          </a:lnRef>
+          <a:fillRef idx="1">
+            <a:schemeClr val="accent1"/>
+          </a:fillRef>
+          <a:effectRef idx="0">
+            <a:schemeClr val="accent1"/>
+          </a:effectRef>
+          <a:fontRef idx="minor">
+            <a:schemeClr val="lt1"/>
+          </a:fontRef>
+        </p:style>
+        <p:txBody>
+          <a:bodyPr rtlCol="0" anchor="ctr"/>
+          <a:lstStyle/>
+          <a:p>
+            <a:pPr algn="ctr"/>
+            <a:r>
+              <a:rPr lang="es-419" sz="1100" dirty="0" err="1">
+                <a:solidFill>
+                  <a:sysClr val="windowText" lastClr="000000"/>
+                </a:solidFill>
+                <a:latin typeface="Arial" panose="020B0604020202020204" pitchFamily="34" charset="0"/>
+                <a:cs typeface="Arial" panose="020B0604020202020204" pitchFamily="34" charset="0"/>
+              </a:rPr>
+              <a:t>Service</a:t>
+            </a:r>
+            <a:endParaRPr lang="es-419" sz="1100" dirty="0">
+              <a:solidFill>
+                <a:sysClr val="windowText" lastClr="000000"/>
+              </a:solidFill>
+              <a:latin typeface="Arial" panose="020B0604020202020204" pitchFamily="34" charset="0"/>
+              <a:cs typeface="Arial" panose="020B0604020202020204" pitchFamily="34" charset="0"/>
+            </a:endParaRPr>
+          </a:p>
+        </p:txBody>
+      </p:sp>
+      <p:sp>
+        <p:nvSpPr>
+          <p:cNvPr id="9" name="Hexagon 8">
+            <a:extLst>
+              <a:ext uri="{FF2B5EF4-FFF2-40B4-BE49-F238E27FC236}">
+                <a16:creationId xmlns:a16="http://schemas.microsoft.com/office/drawing/2014/main" id="{D9DD8A9E-B7CA-A25F-96E4-0B2E609ABA6F}"/>
+              </a:ext>
+            </a:extLst>
+          </p:cNvPr>
+          <p:cNvSpPr/>
+          <p:nvPr/>
+        </p:nvSpPr>
+        <p:spPr>
+          <a:xfrm>
+            <a:off x="3804505" y="1186004"/>
+            <a:ext cx="955683" cy="823865"/>
+          </a:xfrm>
+          <a:prstGeom prst="hexagon">
+            <a:avLst/>
+          </a:prstGeom>
+          <a:solidFill>
+            <a:schemeClr val="bg1"/>
+          </a:solidFill>
+        </p:spPr>
+        <p:style>
+          <a:lnRef idx="2">
+            <a:schemeClr val="accent1">
+              <a:shade val="15000"/>
+            </a:schemeClr>
+          </a:lnRef>
+          <a:fillRef idx="1">
+            <a:schemeClr val="accent1"/>
+          </a:fillRef>
+          <a:effectRef idx="0">
+            <a:schemeClr val="accent1"/>
+          </a:effectRef>
+          <a:fontRef idx="minor">
+            <a:schemeClr val="lt1"/>
+          </a:fontRef>
+        </p:style>
+        <p:txBody>
+          <a:bodyPr rtlCol="0" anchor="ctr"/>
+          <a:lstStyle/>
+          <a:p>
+            <a:pPr algn="ctr"/>
+            <a:r>
+              <a:rPr lang="es-419" sz="1100" dirty="0" err="1">
+                <a:solidFill>
+                  <a:sysClr val="windowText" lastClr="000000"/>
+                </a:solidFill>
+                <a:latin typeface="Arial" panose="020B0604020202020204" pitchFamily="34" charset="0"/>
+                <a:cs typeface="Arial" panose="020B0604020202020204" pitchFamily="34" charset="0"/>
+              </a:rPr>
+              <a:t>Service</a:t>
+            </a:r>
+            <a:endParaRPr lang="es-419" sz="1100" dirty="0">
+              <a:solidFill>
+                <a:sysClr val="windowText" lastClr="000000"/>
+              </a:solidFill>
+              <a:latin typeface="Arial" panose="020B0604020202020204" pitchFamily="34" charset="0"/>
+              <a:cs typeface="Arial" panose="020B0604020202020204" pitchFamily="34" charset="0"/>
+            </a:endParaRPr>
+          </a:p>
+        </p:txBody>
+      </p:sp>
+      <p:cxnSp>
+        <p:nvCxnSpPr>
+          <p:cNvPr id="10" name="Straight Arrow Connector 9">
+            <a:extLst>
+              <a:ext uri="{FF2B5EF4-FFF2-40B4-BE49-F238E27FC236}">
+                <a16:creationId xmlns:a16="http://schemas.microsoft.com/office/drawing/2014/main" id="{46AFAD67-BCBA-14F5-7895-64B4457BBB35}"/>
+              </a:ext>
+            </a:extLst>
+          </p:cNvPr>
+          <p:cNvCxnSpPr>
+            <a:cxnSpLocks/>
+          </p:cNvCxnSpPr>
+          <p:nvPr/>
+        </p:nvCxnSpPr>
+        <p:spPr>
+          <a:xfrm>
+            <a:off x="3111672" y="2009869"/>
+            <a:ext cx="1025" cy="823866"/>
+          </a:xfrm>
+          <a:prstGeom prst="straightConnector1">
+            <a:avLst/>
+          </a:prstGeom>
+          <a:ln>
+            <a:tailEnd type="triangle"/>
+          </a:ln>
+        </p:spPr>
+        <p:style>
+          <a:lnRef idx="2">
+            <a:schemeClr val="accent1"/>
+          </a:lnRef>
+          <a:fillRef idx="0">
+            <a:schemeClr val="accent1"/>
+          </a:fillRef>
+          <a:effectRef idx="1">
+            <a:schemeClr val="accent1"/>
+          </a:effectRef>
+          <a:fontRef idx="minor">
+            <a:schemeClr val="tx1"/>
+          </a:fontRef>
+        </p:style>
+      </p:cxnSp>
+      <p:cxnSp>
+        <p:nvCxnSpPr>
+          <p:cNvPr id="11" name="Straight Arrow Connector 10">
+            <a:extLst>
+              <a:ext uri="{FF2B5EF4-FFF2-40B4-BE49-F238E27FC236}">
+                <a16:creationId xmlns:a16="http://schemas.microsoft.com/office/drawing/2014/main" id="{C17D53FB-7D90-1B94-B54E-04E1BD4A579F}"/>
+              </a:ext>
+            </a:extLst>
+          </p:cNvPr>
+          <p:cNvCxnSpPr>
+            <a:cxnSpLocks/>
+          </p:cNvCxnSpPr>
+          <p:nvPr/>
+        </p:nvCxnSpPr>
+        <p:spPr>
+          <a:xfrm>
+            <a:off x="4298852" y="2009869"/>
+            <a:ext cx="1025" cy="823866"/>
+          </a:xfrm>
+          <a:prstGeom prst="straightConnector1">
+            <a:avLst/>
+          </a:prstGeom>
+          <a:ln>
+            <a:tailEnd type="triangle"/>
+          </a:ln>
+        </p:spPr>
+        <p:style>
+          <a:lnRef idx="2">
+            <a:schemeClr val="accent1"/>
+          </a:lnRef>
+          <a:fillRef idx="0">
+            <a:schemeClr val="accent1"/>
+          </a:fillRef>
+          <a:effectRef idx="1">
+            <a:schemeClr val="accent1"/>
+          </a:effectRef>
+          <a:fontRef idx="minor">
+            <a:schemeClr val="tx1"/>
+          </a:fontRef>
+        </p:style>
+      </p:cxnSp>
+      <p:sp>
+        <p:nvSpPr>
+          <p:cNvPr id="12" name="Scroll: Vertical 11">
+            <a:extLst>
+              <a:ext uri="{FF2B5EF4-FFF2-40B4-BE49-F238E27FC236}">
+                <a16:creationId xmlns:a16="http://schemas.microsoft.com/office/drawing/2014/main" id="{CA48E17A-33E3-1C55-763E-E72DAD9F55E3}"/>
+              </a:ext>
+            </a:extLst>
+          </p:cNvPr>
+          <p:cNvSpPr/>
+          <p:nvPr/>
+        </p:nvSpPr>
+        <p:spPr>
+          <a:xfrm>
+            <a:off x="3702867" y="3113260"/>
+            <a:ext cx="320346" cy="368929"/>
+          </a:xfrm>
+          <a:prstGeom prst="verticalScroll">
+            <a:avLst/>
+          </a:prstGeom>
+          <a:noFill/>
+        </p:spPr>
+        <p:style>
+          <a:lnRef idx="2">
+            <a:schemeClr val="accent1">
+              <a:shade val="15000"/>
+            </a:schemeClr>
+          </a:lnRef>
+          <a:fillRef idx="1">
+            <a:schemeClr val="accent1"/>
+          </a:fillRef>
+          <a:effectRef idx="0">
+            <a:schemeClr val="accent1"/>
+          </a:effectRef>
+          <a:fontRef idx="minor">
+            <a:schemeClr val="lt1"/>
+          </a:fontRef>
+        </p:style>
+        <p:txBody>
+          <a:bodyPr rtlCol="0" anchor="ctr"/>
+          <a:lstStyle/>
+          <a:p>
+            <a:pPr algn="ctr"/>
+            <a:endParaRPr lang="es-419"/>
+          </a:p>
+        </p:txBody>
+      </p:sp>
+      <p:sp>
+        <p:nvSpPr>
+          <p:cNvPr id="13" name="TextBox 12">
+            <a:extLst>
+              <a:ext uri="{FF2B5EF4-FFF2-40B4-BE49-F238E27FC236}">
+                <a16:creationId xmlns:a16="http://schemas.microsoft.com/office/drawing/2014/main" id="{A893FACC-4C32-E005-247E-E232DE4A997C}"/>
+              </a:ext>
+            </a:extLst>
+          </p:cNvPr>
+          <p:cNvSpPr txBox="1"/>
+          <p:nvPr/>
+        </p:nvSpPr>
+        <p:spPr>
+          <a:xfrm>
+            <a:off x="3955649" y="3159224"/>
+            <a:ext cx="745717" cy="276999"/>
+          </a:xfrm>
+          <a:prstGeom prst="rect">
+            <a:avLst/>
+          </a:prstGeom>
+          <a:noFill/>
+        </p:spPr>
+        <p:txBody>
+          <a:bodyPr wrap="none" rtlCol="0">
+            <a:spAutoFit/>
+          </a:bodyPr>
+          <a:lstStyle/>
+          <a:p>
+            <a:r>
+              <a:rPr lang="es-419" sz="1200" dirty="0">
+                <a:latin typeface="Arial" panose="020B0604020202020204" pitchFamily="34" charset="0"/>
+                <a:cs typeface="Arial" panose="020B0604020202020204" pitchFamily="34" charset="0"/>
+              </a:rPr>
+              <a:t>Negocio</a:t>
+            </a:r>
+          </a:p>
+        </p:txBody>
+      </p:sp>
+      <p:sp>
+        <p:nvSpPr>
+          <p:cNvPr id="14" name="Hexagon 13">
+            <a:extLst>
+              <a:ext uri="{FF2B5EF4-FFF2-40B4-BE49-F238E27FC236}">
+                <a16:creationId xmlns:a16="http://schemas.microsoft.com/office/drawing/2014/main" id="{2A08FDD8-4F58-3B2E-64D8-224E52A11173}"/>
+              </a:ext>
+            </a:extLst>
+          </p:cNvPr>
+          <p:cNvSpPr/>
+          <p:nvPr/>
+        </p:nvSpPr>
+        <p:spPr>
+          <a:xfrm>
+            <a:off x="5550376" y="646186"/>
+            <a:ext cx="1470287" cy="1267489"/>
+          </a:xfrm>
+          <a:prstGeom prst="hexagon">
+            <a:avLst/>
+          </a:prstGeom>
+          <a:solidFill>
+            <a:schemeClr val="bg1"/>
+          </a:solidFill>
+        </p:spPr>
+        <p:style>
+          <a:lnRef idx="2">
+            <a:schemeClr val="accent1">
+              <a:shade val="15000"/>
+            </a:schemeClr>
+          </a:lnRef>
+          <a:fillRef idx="1">
+            <a:schemeClr val="accent1"/>
+          </a:fillRef>
+          <a:effectRef idx="0">
+            <a:schemeClr val="accent1"/>
+          </a:effectRef>
+          <a:fontRef idx="minor">
+            <a:schemeClr val="lt1"/>
+          </a:fontRef>
+        </p:style>
+        <p:txBody>
+          <a:bodyPr rtlCol="0" anchor="ctr"/>
+          <a:lstStyle/>
+          <a:p>
+            <a:pPr algn="ctr"/>
+            <a:endParaRPr lang="es-419" sz="1100" dirty="0">
+              <a:solidFill>
+                <a:sysClr val="windowText" lastClr="000000"/>
+              </a:solidFill>
+              <a:latin typeface="Arial" panose="020B0604020202020204" pitchFamily="34" charset="0"/>
+              <a:cs typeface="Arial" panose="020B0604020202020204" pitchFamily="34" charset="0"/>
+            </a:endParaRPr>
+          </a:p>
+        </p:txBody>
+      </p:sp>
+      <p:cxnSp>
+        <p:nvCxnSpPr>
+          <p:cNvPr id="16" name="Straight Arrow Connector 15">
+            <a:extLst>
+              <a:ext uri="{FF2B5EF4-FFF2-40B4-BE49-F238E27FC236}">
+                <a16:creationId xmlns:a16="http://schemas.microsoft.com/office/drawing/2014/main" id="{4A0B0D53-EE6F-6A48-A37B-23E5227F3115}"/>
+              </a:ext>
+            </a:extLst>
+          </p:cNvPr>
+          <p:cNvCxnSpPr>
+            <a:cxnSpLocks/>
+            <a:endCxn id="15" idx="1"/>
+          </p:cNvCxnSpPr>
+          <p:nvPr/>
+        </p:nvCxnSpPr>
+        <p:spPr>
+          <a:xfrm>
+            <a:off x="6292047" y="1913675"/>
+            <a:ext cx="27757" cy="805760"/>
+          </a:xfrm>
+          <a:prstGeom prst="straightConnector1">
+            <a:avLst/>
+          </a:prstGeom>
+          <a:ln>
+            <a:tailEnd type="triangle"/>
+          </a:ln>
+        </p:spPr>
+        <p:style>
+          <a:lnRef idx="2">
+            <a:schemeClr val="accent1"/>
+          </a:lnRef>
+          <a:fillRef idx="0">
+            <a:schemeClr val="accent1"/>
+          </a:fillRef>
+          <a:effectRef idx="1">
+            <a:schemeClr val="accent1"/>
+          </a:effectRef>
+          <a:fontRef idx="minor">
+            <a:schemeClr val="tx1"/>
+          </a:fontRef>
+        </p:style>
+      </p:cxnSp>
+      <p:sp>
+        <p:nvSpPr>
+          <p:cNvPr id="17" name="Hexagon 16">
+            <a:extLst>
+              <a:ext uri="{FF2B5EF4-FFF2-40B4-BE49-F238E27FC236}">
+                <a16:creationId xmlns:a16="http://schemas.microsoft.com/office/drawing/2014/main" id="{CE950F55-A0B9-9282-EBE6-CB60F5B64F24}"/>
+              </a:ext>
+            </a:extLst>
+          </p:cNvPr>
+          <p:cNvSpPr/>
+          <p:nvPr/>
+        </p:nvSpPr>
+        <p:spPr>
+          <a:xfrm>
+            <a:off x="7634382" y="1071704"/>
+            <a:ext cx="955683" cy="823865"/>
+          </a:xfrm>
+          <a:prstGeom prst="hexagon">
+            <a:avLst/>
+          </a:prstGeom>
+          <a:solidFill>
+            <a:schemeClr val="bg1"/>
+          </a:solidFill>
+        </p:spPr>
+        <p:style>
+          <a:lnRef idx="2">
+            <a:schemeClr val="accent1">
+              <a:shade val="15000"/>
+            </a:schemeClr>
+          </a:lnRef>
+          <a:fillRef idx="1">
+            <a:schemeClr val="accent1"/>
+          </a:fillRef>
+          <a:effectRef idx="0">
+            <a:schemeClr val="accent1"/>
+          </a:effectRef>
+          <a:fontRef idx="minor">
+            <a:schemeClr val="lt1"/>
+          </a:fontRef>
+        </p:style>
+        <p:txBody>
+          <a:bodyPr rtlCol="0" anchor="ctr"/>
+          <a:lstStyle/>
+          <a:p>
+            <a:pPr algn="ctr"/>
+            <a:r>
+              <a:rPr lang="es-419" sz="1100" dirty="0" err="1">
+                <a:solidFill>
+                  <a:sysClr val="windowText" lastClr="000000"/>
+                </a:solidFill>
+                <a:latin typeface="Arial" panose="020B0604020202020204" pitchFamily="34" charset="0"/>
+                <a:cs typeface="Arial" panose="020B0604020202020204" pitchFamily="34" charset="0"/>
+              </a:rPr>
               <a:t>Service</a:t>
             </a:r>
             <a:r>
-              <a:rPr lang="es-419" dirty="0"/>
-              <a:t> A</a:t>
+              <a:rPr lang="es-419" sz="1100" dirty="0">
+                <a:solidFill>
+                  <a:sysClr val="windowText" lastClr="000000"/>
+                </a:solidFill>
+                <a:latin typeface="Arial" panose="020B0604020202020204" pitchFamily="34" charset="0"/>
+                <a:cs typeface="Arial" panose="020B0604020202020204" pitchFamily="34" charset="0"/>
+              </a:rPr>
+              <a:t> </a:t>
             </a:r>
-          </a:p>
-        </p:txBody>
-      </p:sp>
-      <p:sp>
-        <p:nvSpPr>
-          <p:cNvPr id="5" name="TextBox 4">
-            <a:extLst>
-              <a:ext uri="{FF2B5EF4-FFF2-40B4-BE49-F238E27FC236}">
-                <a16:creationId xmlns:a16="http://schemas.microsoft.com/office/drawing/2014/main" id="{515D9BF9-E2D1-D247-E3E2-2CC70BA57E01}"/>
+            <a:r>
+              <a:rPr lang="es-419" sz="1100" dirty="0" err="1">
+                <a:solidFill>
+                  <a:sysClr val="windowText" lastClr="000000"/>
+                </a:solidFill>
+                <a:latin typeface="Arial" panose="020B0604020202020204" pitchFamily="34" charset="0"/>
+                <a:cs typeface="Arial" panose="020B0604020202020204" pitchFamily="34" charset="0"/>
+              </a:rPr>
+              <a:t>Messages</a:t>
+            </a:r>
+            <a:endParaRPr lang="es-419" sz="1100" dirty="0">
+              <a:solidFill>
+                <a:sysClr val="windowText" lastClr="000000"/>
+              </a:solidFill>
+              <a:latin typeface="Arial" panose="020B0604020202020204" pitchFamily="34" charset="0"/>
+              <a:cs typeface="Arial" panose="020B0604020202020204" pitchFamily="34" charset="0"/>
+            </a:endParaRPr>
+          </a:p>
+        </p:txBody>
+      </p:sp>
+      <p:sp>
+        <p:nvSpPr>
+          <p:cNvPr id="18" name="Cylinder 17">
+            <a:extLst>
+              <a:ext uri="{FF2B5EF4-FFF2-40B4-BE49-F238E27FC236}">
+                <a16:creationId xmlns:a16="http://schemas.microsoft.com/office/drawing/2014/main" id="{917C54E3-33DF-5330-A8F9-E166D28902A7}"/>
+              </a:ext>
+            </a:extLst>
+          </p:cNvPr>
+          <p:cNvSpPr/>
+          <p:nvPr/>
+        </p:nvSpPr>
+        <p:spPr>
+          <a:xfrm>
+            <a:off x="7709344" y="2719435"/>
+            <a:ext cx="805758" cy="823865"/>
+          </a:xfrm>
+          <a:prstGeom prst="can">
+            <a:avLst/>
+          </a:prstGeom>
+          <a:solidFill>
+            <a:schemeClr val="bg1"/>
+          </a:solidFill>
+        </p:spPr>
+        <p:style>
+          <a:lnRef idx="2">
+            <a:schemeClr val="accent1">
+              <a:shade val="15000"/>
+            </a:schemeClr>
+          </a:lnRef>
+          <a:fillRef idx="1">
+            <a:schemeClr val="accent1"/>
+          </a:fillRef>
+          <a:effectRef idx="0">
+            <a:schemeClr val="accent1"/>
+          </a:effectRef>
+          <a:fontRef idx="minor">
+            <a:schemeClr val="lt1"/>
+          </a:fontRef>
+        </p:style>
+        <p:txBody>
+          <a:bodyPr rtlCol="0" anchor="ctr"/>
+          <a:lstStyle/>
+          <a:p>
+            <a:pPr algn="ctr"/>
+            <a:r>
+              <a:rPr lang="es-419" dirty="0">
+                <a:solidFill>
+                  <a:sysClr val="windowText" lastClr="000000"/>
+                </a:solidFill>
+              </a:rPr>
+              <a:t>DB</a:t>
+            </a:r>
+          </a:p>
+        </p:txBody>
+      </p:sp>
+      <p:cxnSp>
+        <p:nvCxnSpPr>
+          <p:cNvPr id="19" name="Straight Arrow Connector 18">
+            <a:extLst>
+              <a:ext uri="{FF2B5EF4-FFF2-40B4-BE49-F238E27FC236}">
+                <a16:creationId xmlns:a16="http://schemas.microsoft.com/office/drawing/2014/main" id="{ED22EAE0-7C60-229F-0B3F-21BCA18F97B9}"/>
+              </a:ext>
+            </a:extLst>
+          </p:cNvPr>
+          <p:cNvCxnSpPr>
+            <a:cxnSpLocks/>
+            <a:endCxn id="18" idx="1"/>
+          </p:cNvCxnSpPr>
+          <p:nvPr/>
+        </p:nvCxnSpPr>
+        <p:spPr>
+          <a:xfrm>
+            <a:off x="8111198" y="1895569"/>
+            <a:ext cx="1025" cy="823866"/>
+          </a:xfrm>
+          <a:prstGeom prst="straightConnector1">
+            <a:avLst/>
+          </a:prstGeom>
+          <a:ln>
+            <a:tailEnd type="triangle"/>
+          </a:ln>
+        </p:spPr>
+        <p:style>
+          <a:lnRef idx="2">
+            <a:schemeClr val="accent1"/>
+          </a:lnRef>
+          <a:fillRef idx="0">
+            <a:schemeClr val="accent1"/>
+          </a:fillRef>
+          <a:effectRef idx="1">
+            <a:schemeClr val="accent1"/>
+          </a:effectRef>
+          <a:fontRef idx="minor">
+            <a:schemeClr val="tx1"/>
+          </a:fontRef>
+        </p:style>
+      </p:cxnSp>
+      <p:sp>
+        <p:nvSpPr>
+          <p:cNvPr id="23" name="Hexagon 22">
+            <a:extLst>
+              <a:ext uri="{FF2B5EF4-FFF2-40B4-BE49-F238E27FC236}">
+                <a16:creationId xmlns:a16="http://schemas.microsoft.com/office/drawing/2014/main" id="{58E7D44E-713A-8058-B57F-401C0E6A05BC}"/>
+              </a:ext>
+            </a:extLst>
+          </p:cNvPr>
+          <p:cNvSpPr/>
+          <p:nvPr/>
+        </p:nvSpPr>
+        <p:spPr>
+          <a:xfrm>
+            <a:off x="9604640" y="1071704"/>
+            <a:ext cx="955683" cy="823865"/>
+          </a:xfrm>
+          <a:prstGeom prst="hexagon">
+            <a:avLst/>
+          </a:prstGeom>
+          <a:solidFill>
+            <a:schemeClr val="bg1"/>
+          </a:solidFill>
+        </p:spPr>
+        <p:style>
+          <a:lnRef idx="2">
+            <a:schemeClr val="accent1">
+              <a:shade val="15000"/>
+            </a:schemeClr>
+          </a:lnRef>
+          <a:fillRef idx="1">
+            <a:schemeClr val="accent1"/>
+          </a:fillRef>
+          <a:effectRef idx="0">
+            <a:schemeClr val="accent1"/>
+          </a:effectRef>
+          <a:fontRef idx="minor">
+            <a:schemeClr val="lt1"/>
+          </a:fontRef>
+        </p:style>
+        <p:txBody>
+          <a:bodyPr rtlCol="0" anchor="ctr"/>
+          <a:lstStyle/>
+          <a:p>
+            <a:pPr algn="ctr"/>
+            <a:r>
+              <a:rPr lang="es-419" sz="1100" dirty="0" err="1">
+                <a:solidFill>
+                  <a:sysClr val="windowText" lastClr="000000"/>
+                </a:solidFill>
+                <a:latin typeface="Arial" panose="020B0604020202020204" pitchFamily="34" charset="0"/>
+                <a:cs typeface="Arial" panose="020B0604020202020204" pitchFamily="34" charset="0"/>
+              </a:rPr>
+              <a:t>Service</a:t>
+            </a:r>
+            <a:r>
+              <a:rPr lang="es-419" sz="1100" dirty="0">
+                <a:solidFill>
+                  <a:sysClr val="windowText" lastClr="000000"/>
+                </a:solidFill>
+                <a:latin typeface="Arial" panose="020B0604020202020204" pitchFamily="34" charset="0"/>
+                <a:cs typeface="Arial" panose="020B0604020202020204" pitchFamily="34" charset="0"/>
+              </a:rPr>
+              <a:t> </a:t>
+            </a:r>
+            <a:r>
+              <a:rPr lang="es-419" sz="1100" dirty="0" err="1">
+                <a:solidFill>
+                  <a:sysClr val="windowText" lastClr="000000"/>
+                </a:solidFill>
+                <a:latin typeface="Arial" panose="020B0604020202020204" pitchFamily="34" charset="0"/>
+                <a:cs typeface="Arial" panose="020B0604020202020204" pitchFamily="34" charset="0"/>
+              </a:rPr>
+              <a:t>Messages</a:t>
+            </a:r>
+            <a:endParaRPr lang="es-419" sz="1100" dirty="0">
+              <a:solidFill>
+                <a:sysClr val="windowText" lastClr="000000"/>
+              </a:solidFill>
+              <a:latin typeface="Arial" panose="020B0604020202020204" pitchFamily="34" charset="0"/>
+              <a:cs typeface="Arial" panose="020B0604020202020204" pitchFamily="34" charset="0"/>
+            </a:endParaRPr>
+          </a:p>
+        </p:txBody>
+      </p:sp>
+      <p:sp>
+        <p:nvSpPr>
+          <p:cNvPr id="24" name="Cylinder 23">
+            <a:extLst>
+              <a:ext uri="{FF2B5EF4-FFF2-40B4-BE49-F238E27FC236}">
+                <a16:creationId xmlns:a16="http://schemas.microsoft.com/office/drawing/2014/main" id="{1E666D6F-00E3-F441-1B97-1C9217A6B376}"/>
+              </a:ext>
+            </a:extLst>
+          </p:cNvPr>
+          <p:cNvSpPr/>
+          <p:nvPr/>
+        </p:nvSpPr>
+        <p:spPr>
+          <a:xfrm>
+            <a:off x="9679602" y="2719435"/>
+            <a:ext cx="805758" cy="823865"/>
+          </a:xfrm>
+          <a:prstGeom prst="can">
+            <a:avLst/>
+          </a:prstGeom>
+          <a:solidFill>
+            <a:schemeClr val="bg1"/>
+          </a:solidFill>
+        </p:spPr>
+        <p:style>
+          <a:lnRef idx="2">
+            <a:schemeClr val="accent1">
+              <a:shade val="15000"/>
+            </a:schemeClr>
+          </a:lnRef>
+          <a:fillRef idx="1">
+            <a:schemeClr val="accent1"/>
+          </a:fillRef>
+          <a:effectRef idx="0">
+            <a:schemeClr val="accent1"/>
+          </a:effectRef>
+          <a:fontRef idx="minor">
+            <a:schemeClr val="lt1"/>
+          </a:fontRef>
+        </p:style>
+        <p:txBody>
+          <a:bodyPr rtlCol="0" anchor="ctr"/>
+          <a:lstStyle/>
+          <a:p>
+            <a:pPr algn="ctr"/>
+            <a:r>
+              <a:rPr lang="es-419" dirty="0">
+                <a:solidFill>
+                  <a:sysClr val="windowText" lastClr="000000"/>
+                </a:solidFill>
+              </a:rPr>
+              <a:t>DB</a:t>
+            </a:r>
+          </a:p>
+        </p:txBody>
+      </p:sp>
+      <p:cxnSp>
+        <p:nvCxnSpPr>
+          <p:cNvPr id="25" name="Straight Arrow Connector 24">
+            <a:extLst>
+              <a:ext uri="{FF2B5EF4-FFF2-40B4-BE49-F238E27FC236}">
+                <a16:creationId xmlns:a16="http://schemas.microsoft.com/office/drawing/2014/main" id="{E0CC57A2-566E-89E4-5A7A-DFE853D784FE}"/>
+              </a:ext>
+            </a:extLst>
+          </p:cNvPr>
+          <p:cNvCxnSpPr>
+            <a:cxnSpLocks/>
+            <a:endCxn id="24" idx="1"/>
+          </p:cNvCxnSpPr>
+          <p:nvPr/>
+        </p:nvCxnSpPr>
+        <p:spPr>
+          <a:xfrm>
+            <a:off x="10081456" y="1895569"/>
+            <a:ext cx="1025" cy="823866"/>
+          </a:xfrm>
+          <a:prstGeom prst="straightConnector1">
+            <a:avLst/>
+          </a:prstGeom>
+          <a:ln>
+            <a:tailEnd type="triangle"/>
+          </a:ln>
+        </p:spPr>
+        <p:style>
+          <a:lnRef idx="2">
+            <a:schemeClr val="accent1"/>
+          </a:lnRef>
+          <a:fillRef idx="0">
+            <a:schemeClr val="accent1"/>
+          </a:fillRef>
+          <a:effectRef idx="1">
+            <a:schemeClr val="accent1"/>
+          </a:effectRef>
+          <a:fontRef idx="minor">
+            <a:schemeClr val="tx1"/>
+          </a:fontRef>
+        </p:style>
+      </p:cxnSp>
+      <p:cxnSp>
+        <p:nvCxnSpPr>
+          <p:cNvPr id="27" name="Straight Connector 26">
+            <a:extLst>
+              <a:ext uri="{FF2B5EF4-FFF2-40B4-BE49-F238E27FC236}">
+                <a16:creationId xmlns:a16="http://schemas.microsoft.com/office/drawing/2014/main" id="{6AD666C8-A1ED-52DC-CD04-7703F588A2D7}"/>
+              </a:ext>
+            </a:extLst>
+          </p:cNvPr>
+          <p:cNvCxnSpPr/>
+          <p:nvPr/>
+        </p:nvCxnSpPr>
+        <p:spPr>
+          <a:xfrm>
+            <a:off x="5232903" y="153909"/>
+            <a:ext cx="0" cy="6056768"/>
+          </a:xfrm>
+          <a:prstGeom prst="line">
+            <a:avLst/>
+          </a:prstGeom>
+        </p:spPr>
+        <p:style>
+          <a:lnRef idx="2">
+            <a:schemeClr val="accent1"/>
+          </a:lnRef>
+          <a:fillRef idx="0">
+            <a:schemeClr val="accent1"/>
+          </a:fillRef>
+          <a:effectRef idx="1">
+            <a:schemeClr val="accent1"/>
+          </a:effectRef>
+          <a:fontRef idx="minor">
+            <a:schemeClr val="tx1"/>
+          </a:fontRef>
+        </p:style>
+      </p:cxnSp>
+      <p:sp>
+        <p:nvSpPr>
+          <p:cNvPr id="28" name="Rectangle 27">
+            <a:extLst>
+              <a:ext uri="{FF2B5EF4-FFF2-40B4-BE49-F238E27FC236}">
+                <a16:creationId xmlns:a16="http://schemas.microsoft.com/office/drawing/2014/main" id="{01094AA4-DA12-FBCA-C8A5-7840B040B6EB}"/>
+              </a:ext>
+            </a:extLst>
+          </p:cNvPr>
+          <p:cNvSpPr/>
+          <p:nvPr/>
+        </p:nvSpPr>
+        <p:spPr>
+          <a:xfrm>
+            <a:off x="1426686" y="4182700"/>
+            <a:ext cx="2809477" cy="2109455"/>
+          </a:xfrm>
+          <a:prstGeom prst="rect">
+            <a:avLst/>
+          </a:prstGeom>
+          <a:noFill/>
+        </p:spPr>
+        <p:style>
+          <a:lnRef idx="2">
+            <a:schemeClr val="accent1">
+              <a:shade val="15000"/>
+            </a:schemeClr>
+          </a:lnRef>
+          <a:fillRef idx="1">
+            <a:schemeClr val="accent1"/>
+          </a:fillRef>
+          <a:effectRef idx="0">
+            <a:schemeClr val="accent1"/>
+          </a:effectRef>
+          <a:fontRef idx="minor">
+            <a:schemeClr val="lt1"/>
+          </a:fontRef>
+        </p:style>
+        <p:txBody>
+          <a:bodyPr rtlCol="0" anchor="ctr"/>
+          <a:lstStyle/>
+          <a:p>
+            <a:pPr algn="ctr"/>
+            <a:endParaRPr lang="es-419"/>
+          </a:p>
+        </p:txBody>
+      </p:sp>
+      <p:sp>
+        <p:nvSpPr>
+          <p:cNvPr id="29" name="Rectangle 28">
+            <a:extLst>
+              <a:ext uri="{FF2B5EF4-FFF2-40B4-BE49-F238E27FC236}">
+                <a16:creationId xmlns:a16="http://schemas.microsoft.com/office/drawing/2014/main" id="{5849D4CA-B3DD-7693-2AE4-24B80D015DB1}"/>
+              </a:ext>
+            </a:extLst>
+          </p:cNvPr>
+          <p:cNvSpPr/>
+          <p:nvPr/>
+        </p:nvSpPr>
+        <p:spPr>
+          <a:xfrm>
+            <a:off x="1649520" y="4300396"/>
+            <a:ext cx="794171" cy="543208"/>
+          </a:xfrm>
+          <a:prstGeom prst="rect">
+            <a:avLst/>
+          </a:prstGeom>
+          <a:noFill/>
+        </p:spPr>
+        <p:style>
+          <a:lnRef idx="2">
+            <a:schemeClr val="accent1">
+              <a:shade val="15000"/>
+            </a:schemeClr>
+          </a:lnRef>
+          <a:fillRef idx="1">
+            <a:schemeClr val="accent1"/>
+          </a:fillRef>
+          <a:effectRef idx="0">
+            <a:schemeClr val="accent1"/>
+          </a:effectRef>
+          <a:fontRef idx="minor">
+            <a:schemeClr val="lt1"/>
+          </a:fontRef>
+        </p:style>
+        <p:txBody>
+          <a:bodyPr rtlCol="0" anchor="ctr"/>
+          <a:lstStyle/>
+          <a:p>
+            <a:pPr algn="ctr"/>
+            <a:endParaRPr lang="es-419"/>
+          </a:p>
+        </p:txBody>
+      </p:sp>
+      <p:cxnSp>
+        <p:nvCxnSpPr>
+          <p:cNvPr id="30" name="Straight Connector 29">
+            <a:extLst>
+              <a:ext uri="{FF2B5EF4-FFF2-40B4-BE49-F238E27FC236}">
+                <a16:creationId xmlns:a16="http://schemas.microsoft.com/office/drawing/2014/main" id="{AE917C24-8451-B823-89B8-0989751EC6E3}"/>
+              </a:ext>
+            </a:extLst>
+          </p:cNvPr>
+          <p:cNvCxnSpPr/>
+          <p:nvPr/>
+        </p:nvCxnSpPr>
+        <p:spPr>
+          <a:xfrm>
+            <a:off x="1788825" y="4318502"/>
+            <a:ext cx="0" cy="534155"/>
+          </a:xfrm>
+          <a:prstGeom prst="line">
+            <a:avLst/>
+          </a:prstGeom>
+        </p:spPr>
+        <p:style>
+          <a:lnRef idx="2">
+            <a:schemeClr val="accent1"/>
+          </a:lnRef>
+          <a:fillRef idx="0">
+            <a:schemeClr val="accent1"/>
+          </a:fillRef>
+          <a:effectRef idx="1">
+            <a:schemeClr val="accent1"/>
+          </a:effectRef>
+          <a:fontRef idx="minor">
+            <a:schemeClr val="tx1"/>
+          </a:fontRef>
+        </p:style>
+      </p:cxnSp>
+      <p:cxnSp>
+        <p:nvCxnSpPr>
+          <p:cNvPr id="31" name="Straight Connector 30">
+            <a:extLst>
+              <a:ext uri="{FF2B5EF4-FFF2-40B4-BE49-F238E27FC236}">
+                <a16:creationId xmlns:a16="http://schemas.microsoft.com/office/drawing/2014/main" id="{E0A8696B-D376-4A26-214A-B5DCEE12FD1C}"/>
+              </a:ext>
+            </a:extLst>
+          </p:cNvPr>
+          <p:cNvCxnSpPr/>
+          <p:nvPr/>
+        </p:nvCxnSpPr>
+        <p:spPr>
+          <a:xfrm>
+            <a:off x="1942734" y="4318502"/>
+            <a:ext cx="0" cy="534155"/>
+          </a:xfrm>
+          <a:prstGeom prst="line">
+            <a:avLst/>
+          </a:prstGeom>
+        </p:spPr>
+        <p:style>
+          <a:lnRef idx="2">
+            <a:schemeClr val="accent1"/>
+          </a:lnRef>
+          <a:fillRef idx="0">
+            <a:schemeClr val="accent1"/>
+          </a:fillRef>
+          <a:effectRef idx="1">
+            <a:schemeClr val="accent1"/>
+          </a:effectRef>
+          <a:fontRef idx="minor">
+            <a:schemeClr val="tx1"/>
+          </a:fontRef>
+        </p:style>
+      </p:cxnSp>
+      <p:cxnSp>
+        <p:nvCxnSpPr>
+          <p:cNvPr id="32" name="Straight Connector 31">
+            <a:extLst>
+              <a:ext uri="{FF2B5EF4-FFF2-40B4-BE49-F238E27FC236}">
+                <a16:creationId xmlns:a16="http://schemas.microsoft.com/office/drawing/2014/main" id="{5496F9DB-691E-9A66-A3BD-4B0B7577EDFD}"/>
+              </a:ext>
+            </a:extLst>
+          </p:cNvPr>
+          <p:cNvCxnSpPr/>
+          <p:nvPr/>
+        </p:nvCxnSpPr>
+        <p:spPr>
+          <a:xfrm>
+            <a:off x="2123803" y="4318502"/>
+            <a:ext cx="0" cy="534155"/>
+          </a:xfrm>
+          <a:prstGeom prst="line">
+            <a:avLst/>
+          </a:prstGeom>
+        </p:spPr>
+        <p:style>
+          <a:lnRef idx="2">
+            <a:schemeClr val="accent1"/>
+          </a:lnRef>
+          <a:fillRef idx="0">
+            <a:schemeClr val="accent1"/>
+          </a:fillRef>
+          <a:effectRef idx="1">
+            <a:schemeClr val="accent1"/>
+          </a:effectRef>
+          <a:fontRef idx="minor">
+            <a:schemeClr val="tx1"/>
+          </a:fontRef>
+        </p:style>
+      </p:cxnSp>
+      <p:cxnSp>
+        <p:nvCxnSpPr>
+          <p:cNvPr id="33" name="Straight Connector 32">
+            <a:extLst>
+              <a:ext uri="{FF2B5EF4-FFF2-40B4-BE49-F238E27FC236}">
+                <a16:creationId xmlns:a16="http://schemas.microsoft.com/office/drawing/2014/main" id="{5C2A3DFD-E086-25BA-EA06-C117A41CADBA}"/>
+              </a:ext>
+            </a:extLst>
+          </p:cNvPr>
+          <p:cNvCxnSpPr/>
+          <p:nvPr/>
+        </p:nvCxnSpPr>
+        <p:spPr>
+          <a:xfrm>
+            <a:off x="2277712" y="4318502"/>
+            <a:ext cx="0" cy="534155"/>
+          </a:xfrm>
+          <a:prstGeom prst="line">
+            <a:avLst/>
+          </a:prstGeom>
+        </p:spPr>
+        <p:style>
+          <a:lnRef idx="2">
+            <a:schemeClr val="accent1"/>
+          </a:lnRef>
+          <a:fillRef idx="0">
+            <a:schemeClr val="accent1"/>
+          </a:fillRef>
+          <a:effectRef idx="1">
+            <a:schemeClr val="accent1"/>
+          </a:effectRef>
+          <a:fontRef idx="minor">
+            <a:schemeClr val="tx1"/>
+          </a:fontRef>
+        </p:style>
+      </p:cxnSp>
+      <p:sp>
+        <p:nvSpPr>
+          <p:cNvPr id="34" name="Rectangle 33">
+            <a:extLst>
+              <a:ext uri="{FF2B5EF4-FFF2-40B4-BE49-F238E27FC236}">
+                <a16:creationId xmlns:a16="http://schemas.microsoft.com/office/drawing/2014/main" id="{DD019B81-EAA8-C675-77FD-6BD2BB9EE58C}"/>
+              </a:ext>
+            </a:extLst>
+          </p:cNvPr>
+          <p:cNvSpPr/>
+          <p:nvPr/>
+        </p:nvSpPr>
+        <p:spPr>
+          <a:xfrm>
+            <a:off x="1649520" y="5368705"/>
+            <a:ext cx="794171" cy="543208"/>
+          </a:xfrm>
+          <a:prstGeom prst="rect">
+            <a:avLst/>
+          </a:prstGeom>
+          <a:noFill/>
+        </p:spPr>
+        <p:style>
+          <a:lnRef idx="2">
+            <a:schemeClr val="accent1">
+              <a:shade val="15000"/>
+            </a:schemeClr>
+          </a:lnRef>
+          <a:fillRef idx="1">
+            <a:schemeClr val="accent1"/>
+          </a:fillRef>
+          <a:effectRef idx="0">
+            <a:schemeClr val="accent1"/>
+          </a:effectRef>
+          <a:fontRef idx="minor">
+            <a:schemeClr val="lt1"/>
+          </a:fontRef>
+        </p:style>
+        <p:txBody>
+          <a:bodyPr rtlCol="0" anchor="ctr"/>
+          <a:lstStyle/>
+          <a:p>
+            <a:pPr algn="ctr"/>
+            <a:endParaRPr lang="es-419"/>
+          </a:p>
+        </p:txBody>
+      </p:sp>
+      <p:cxnSp>
+        <p:nvCxnSpPr>
+          <p:cNvPr id="35" name="Straight Connector 34">
+            <a:extLst>
+              <a:ext uri="{FF2B5EF4-FFF2-40B4-BE49-F238E27FC236}">
+                <a16:creationId xmlns:a16="http://schemas.microsoft.com/office/drawing/2014/main" id="{5B84D67F-C0BE-8B33-A8DF-4EFE35D5E616}"/>
+              </a:ext>
+            </a:extLst>
+          </p:cNvPr>
+          <p:cNvCxnSpPr/>
+          <p:nvPr/>
+        </p:nvCxnSpPr>
+        <p:spPr>
+          <a:xfrm>
+            <a:off x="1788825" y="5386811"/>
+            <a:ext cx="0" cy="534155"/>
+          </a:xfrm>
+          <a:prstGeom prst="line">
+            <a:avLst/>
+          </a:prstGeom>
+        </p:spPr>
+        <p:style>
+          <a:lnRef idx="2">
+            <a:schemeClr val="accent1"/>
+          </a:lnRef>
+          <a:fillRef idx="0">
+            <a:schemeClr val="accent1"/>
+          </a:fillRef>
+          <a:effectRef idx="1">
+            <a:schemeClr val="accent1"/>
+          </a:effectRef>
+          <a:fontRef idx="minor">
+            <a:schemeClr val="tx1"/>
+          </a:fontRef>
+        </p:style>
+      </p:cxnSp>
+      <p:cxnSp>
+        <p:nvCxnSpPr>
+          <p:cNvPr id="36" name="Straight Connector 35">
+            <a:extLst>
+              <a:ext uri="{FF2B5EF4-FFF2-40B4-BE49-F238E27FC236}">
+                <a16:creationId xmlns:a16="http://schemas.microsoft.com/office/drawing/2014/main" id="{DC4B3453-A93E-2363-9D82-DB3D02EC056E}"/>
+              </a:ext>
+            </a:extLst>
+          </p:cNvPr>
+          <p:cNvCxnSpPr/>
+          <p:nvPr/>
+        </p:nvCxnSpPr>
+        <p:spPr>
+          <a:xfrm>
+            <a:off x="1942734" y="5386811"/>
+            <a:ext cx="0" cy="534155"/>
+          </a:xfrm>
+          <a:prstGeom prst="line">
+            <a:avLst/>
+          </a:prstGeom>
+        </p:spPr>
+        <p:style>
+          <a:lnRef idx="2">
+            <a:schemeClr val="accent1"/>
+          </a:lnRef>
+          <a:fillRef idx="0">
+            <a:schemeClr val="accent1"/>
+          </a:fillRef>
+          <a:effectRef idx="1">
+            <a:schemeClr val="accent1"/>
+          </a:effectRef>
+          <a:fontRef idx="minor">
+            <a:schemeClr val="tx1"/>
+          </a:fontRef>
+        </p:style>
+      </p:cxnSp>
+      <p:cxnSp>
+        <p:nvCxnSpPr>
+          <p:cNvPr id="37" name="Straight Connector 36">
+            <a:extLst>
+              <a:ext uri="{FF2B5EF4-FFF2-40B4-BE49-F238E27FC236}">
+                <a16:creationId xmlns:a16="http://schemas.microsoft.com/office/drawing/2014/main" id="{3E84969B-1189-0B2C-48AB-6BEABDAE17A7}"/>
+              </a:ext>
+            </a:extLst>
+          </p:cNvPr>
+          <p:cNvCxnSpPr/>
+          <p:nvPr/>
+        </p:nvCxnSpPr>
+        <p:spPr>
+          <a:xfrm>
+            <a:off x="2123803" y="5386811"/>
+            <a:ext cx="0" cy="534155"/>
+          </a:xfrm>
+          <a:prstGeom prst="line">
+            <a:avLst/>
+          </a:prstGeom>
+        </p:spPr>
+        <p:style>
+          <a:lnRef idx="2">
+            <a:schemeClr val="accent1"/>
+          </a:lnRef>
+          <a:fillRef idx="0">
+            <a:schemeClr val="accent1"/>
+          </a:fillRef>
+          <a:effectRef idx="1">
+            <a:schemeClr val="accent1"/>
+          </a:effectRef>
+          <a:fontRef idx="minor">
+            <a:schemeClr val="tx1"/>
+          </a:fontRef>
+        </p:style>
+      </p:cxnSp>
+      <p:cxnSp>
+        <p:nvCxnSpPr>
+          <p:cNvPr id="38" name="Straight Connector 37">
+            <a:extLst>
+              <a:ext uri="{FF2B5EF4-FFF2-40B4-BE49-F238E27FC236}">
+                <a16:creationId xmlns:a16="http://schemas.microsoft.com/office/drawing/2014/main" id="{8C9CE4EA-FD48-FB5F-5C37-A759D51AEDFA}"/>
+              </a:ext>
+            </a:extLst>
+          </p:cNvPr>
+          <p:cNvCxnSpPr/>
+          <p:nvPr/>
+        </p:nvCxnSpPr>
+        <p:spPr>
+          <a:xfrm>
+            <a:off x="2277712" y="5386811"/>
+            <a:ext cx="0" cy="534155"/>
+          </a:xfrm>
+          <a:prstGeom prst="line">
+            <a:avLst/>
+          </a:prstGeom>
+        </p:spPr>
+        <p:style>
+          <a:lnRef idx="2">
+            <a:schemeClr val="accent1"/>
+          </a:lnRef>
+          <a:fillRef idx="0">
+            <a:schemeClr val="accent1"/>
+          </a:fillRef>
+          <a:effectRef idx="1">
+            <a:schemeClr val="accent1"/>
+          </a:effectRef>
+          <a:fontRef idx="minor">
+            <a:schemeClr val="tx1"/>
+          </a:fontRef>
+        </p:style>
+      </p:cxnSp>
+      <p:sp>
+        <p:nvSpPr>
+          <p:cNvPr id="39" name="Rectangle 38">
+            <a:extLst>
+              <a:ext uri="{FF2B5EF4-FFF2-40B4-BE49-F238E27FC236}">
+                <a16:creationId xmlns:a16="http://schemas.microsoft.com/office/drawing/2014/main" id="{D161355B-23D4-EDEA-3BCF-D077F267971D}"/>
+              </a:ext>
+            </a:extLst>
+          </p:cNvPr>
+          <p:cNvSpPr/>
+          <p:nvPr/>
+        </p:nvSpPr>
+        <p:spPr>
+          <a:xfrm>
+            <a:off x="3025830" y="4943192"/>
+            <a:ext cx="794171" cy="543208"/>
+          </a:xfrm>
+          <a:prstGeom prst="rect">
+            <a:avLst/>
+          </a:prstGeom>
+          <a:noFill/>
+        </p:spPr>
+        <p:style>
+          <a:lnRef idx="2">
+            <a:schemeClr val="accent1">
+              <a:shade val="15000"/>
+            </a:schemeClr>
+          </a:lnRef>
+          <a:fillRef idx="1">
+            <a:schemeClr val="accent1"/>
+          </a:fillRef>
+          <a:effectRef idx="0">
+            <a:schemeClr val="accent1"/>
+          </a:effectRef>
+          <a:fontRef idx="minor">
+            <a:schemeClr val="lt1"/>
+          </a:fontRef>
+        </p:style>
+        <p:txBody>
+          <a:bodyPr rtlCol="0" anchor="ctr"/>
+          <a:lstStyle/>
+          <a:p>
+            <a:pPr algn="ctr"/>
+            <a:endParaRPr lang="es-419"/>
+          </a:p>
+        </p:txBody>
+      </p:sp>
+      <p:cxnSp>
+        <p:nvCxnSpPr>
+          <p:cNvPr id="40" name="Straight Connector 39">
+            <a:extLst>
+              <a:ext uri="{FF2B5EF4-FFF2-40B4-BE49-F238E27FC236}">
+                <a16:creationId xmlns:a16="http://schemas.microsoft.com/office/drawing/2014/main" id="{DD653FE1-37B4-8868-A5D6-2C018D136163}"/>
+              </a:ext>
+            </a:extLst>
+          </p:cNvPr>
+          <p:cNvCxnSpPr/>
+          <p:nvPr/>
+        </p:nvCxnSpPr>
+        <p:spPr>
+          <a:xfrm>
+            <a:off x="3165135" y="4961298"/>
+            <a:ext cx="0" cy="534155"/>
+          </a:xfrm>
+          <a:prstGeom prst="line">
+            <a:avLst/>
+          </a:prstGeom>
+        </p:spPr>
+        <p:style>
+          <a:lnRef idx="2">
+            <a:schemeClr val="accent1"/>
+          </a:lnRef>
+          <a:fillRef idx="0">
+            <a:schemeClr val="accent1"/>
+          </a:fillRef>
+          <a:effectRef idx="1">
+            <a:schemeClr val="accent1"/>
+          </a:effectRef>
+          <a:fontRef idx="minor">
+            <a:schemeClr val="tx1"/>
+          </a:fontRef>
+        </p:style>
+      </p:cxnSp>
+      <p:cxnSp>
+        <p:nvCxnSpPr>
+          <p:cNvPr id="41" name="Straight Connector 40">
+            <a:extLst>
+              <a:ext uri="{FF2B5EF4-FFF2-40B4-BE49-F238E27FC236}">
+                <a16:creationId xmlns:a16="http://schemas.microsoft.com/office/drawing/2014/main" id="{4F50AFFE-653F-478E-9530-A35BC78D500A}"/>
+              </a:ext>
+            </a:extLst>
+          </p:cNvPr>
+          <p:cNvCxnSpPr/>
+          <p:nvPr/>
+        </p:nvCxnSpPr>
+        <p:spPr>
+          <a:xfrm>
+            <a:off x="3319044" y="4961298"/>
+            <a:ext cx="0" cy="534155"/>
+          </a:xfrm>
+          <a:prstGeom prst="line">
+            <a:avLst/>
+          </a:prstGeom>
+        </p:spPr>
+        <p:style>
+          <a:lnRef idx="2">
+            <a:schemeClr val="accent1"/>
+          </a:lnRef>
+          <a:fillRef idx="0">
+            <a:schemeClr val="accent1"/>
+          </a:fillRef>
+          <a:effectRef idx="1">
+            <a:schemeClr val="accent1"/>
+          </a:effectRef>
+          <a:fontRef idx="minor">
+            <a:schemeClr val="tx1"/>
+          </a:fontRef>
+        </p:style>
+      </p:cxnSp>
+      <p:cxnSp>
+        <p:nvCxnSpPr>
+          <p:cNvPr id="42" name="Straight Connector 41">
+            <a:extLst>
+              <a:ext uri="{FF2B5EF4-FFF2-40B4-BE49-F238E27FC236}">
+                <a16:creationId xmlns:a16="http://schemas.microsoft.com/office/drawing/2014/main" id="{E4AC4640-1C10-8ECB-A89B-D99D18777BC9}"/>
+              </a:ext>
+            </a:extLst>
+          </p:cNvPr>
+          <p:cNvCxnSpPr/>
+          <p:nvPr/>
+        </p:nvCxnSpPr>
+        <p:spPr>
+          <a:xfrm>
+            <a:off x="3500113" y="4961298"/>
+            <a:ext cx="0" cy="534155"/>
+          </a:xfrm>
+          <a:prstGeom prst="line">
+            <a:avLst/>
+          </a:prstGeom>
+        </p:spPr>
+        <p:style>
+          <a:lnRef idx="2">
+            <a:schemeClr val="accent1"/>
+          </a:lnRef>
+          <a:fillRef idx="0">
+            <a:schemeClr val="accent1"/>
+          </a:fillRef>
+          <a:effectRef idx="1">
+            <a:schemeClr val="accent1"/>
+          </a:effectRef>
+          <a:fontRef idx="minor">
+            <a:schemeClr val="tx1"/>
+          </a:fontRef>
+        </p:style>
+      </p:cxnSp>
+      <p:cxnSp>
+        <p:nvCxnSpPr>
+          <p:cNvPr id="43" name="Straight Connector 42">
+            <a:extLst>
+              <a:ext uri="{FF2B5EF4-FFF2-40B4-BE49-F238E27FC236}">
+                <a16:creationId xmlns:a16="http://schemas.microsoft.com/office/drawing/2014/main" id="{B6F2710C-B2EC-DAFD-3682-F082E3D5875B}"/>
+              </a:ext>
+            </a:extLst>
+          </p:cNvPr>
+          <p:cNvCxnSpPr/>
+          <p:nvPr/>
+        </p:nvCxnSpPr>
+        <p:spPr>
+          <a:xfrm>
+            <a:off x="3654022" y="4961298"/>
+            <a:ext cx="0" cy="534155"/>
+          </a:xfrm>
+          <a:prstGeom prst="line">
+            <a:avLst/>
+          </a:prstGeom>
+        </p:spPr>
+        <p:style>
+          <a:lnRef idx="2">
+            <a:schemeClr val="accent1"/>
+          </a:lnRef>
+          <a:fillRef idx="0">
+            <a:schemeClr val="accent1"/>
+          </a:fillRef>
+          <a:effectRef idx="1">
+            <a:schemeClr val="accent1"/>
+          </a:effectRef>
+          <a:fontRef idx="minor">
+            <a:schemeClr val="tx1"/>
+          </a:fontRef>
+        </p:style>
+      </p:cxnSp>
+      <p:sp>
+        <p:nvSpPr>
+          <p:cNvPr id="44" name="TextBox 43">
+            <a:extLst>
+              <a:ext uri="{FF2B5EF4-FFF2-40B4-BE49-F238E27FC236}">
+                <a16:creationId xmlns:a16="http://schemas.microsoft.com/office/drawing/2014/main" id="{282E7E5B-EC65-3171-C3A4-B5A2CAB65306}"/>
               </a:ext>
             </a:extLst>
           </p:cNvPr>
@@ -3803,8 +8000,8 @@
         </p:nvSpPr>
         <p:spPr>
           <a:xfrm>
-            <a:off x="5181600" y="1875103"/>
-            <a:ext cx="1105046" cy="369332"/>
+            <a:off x="3146237" y="4681582"/>
+            <a:ext cx="482824" cy="261610"/>
           </a:xfrm>
           <a:prstGeom prst="rect">
             <a:avLst/>
@@ -3818,22 +8015,933 @@
           <a:lstStyle/>
           <a:p>
             <a:r>
-              <a:rPr lang="es-419" dirty="0" err="1"/>
+              <a:rPr lang="es-419" sz="1100" dirty="0" err="1">
+                <a:latin typeface="Arial" panose="020B0604020202020204" pitchFamily="34" charset="0"/>
+                <a:cs typeface="Arial" panose="020B0604020202020204" pitchFamily="34" charset="0"/>
+              </a:rPr>
+              <a:t>User</a:t>
+            </a:r>
+            <a:endParaRPr lang="es-419" dirty="0">
+              <a:latin typeface="Arial" panose="020B0604020202020204" pitchFamily="34" charset="0"/>
+              <a:cs typeface="Arial" panose="020B0604020202020204" pitchFamily="34" charset="0"/>
+            </a:endParaRPr>
+          </a:p>
+        </p:txBody>
+      </p:sp>
+      <p:sp>
+        <p:nvSpPr>
+          <p:cNvPr id="45" name="Rectangle 44">
+            <a:extLst>
+              <a:ext uri="{FF2B5EF4-FFF2-40B4-BE49-F238E27FC236}">
+                <a16:creationId xmlns:a16="http://schemas.microsoft.com/office/drawing/2014/main" id="{0008CAAF-E894-37F4-896D-E3A079D0AF4F}"/>
+              </a:ext>
+            </a:extLst>
+          </p:cNvPr>
+          <p:cNvSpPr/>
+          <p:nvPr/>
+        </p:nvSpPr>
+        <p:spPr>
+          <a:xfrm>
+            <a:off x="5539552" y="4182700"/>
+            <a:ext cx="2809477" cy="2109455"/>
+          </a:xfrm>
+          <a:prstGeom prst="rect">
+            <a:avLst/>
+          </a:prstGeom>
+          <a:noFill/>
+        </p:spPr>
+        <p:style>
+          <a:lnRef idx="2">
+            <a:schemeClr val="accent1">
+              <a:shade val="15000"/>
+            </a:schemeClr>
+          </a:lnRef>
+          <a:fillRef idx="1">
+            <a:schemeClr val="accent1"/>
+          </a:fillRef>
+          <a:effectRef idx="0">
+            <a:schemeClr val="accent1"/>
+          </a:effectRef>
+          <a:fontRef idx="minor">
+            <a:schemeClr val="lt1"/>
+          </a:fontRef>
+        </p:style>
+        <p:txBody>
+          <a:bodyPr rtlCol="0" anchor="ctr"/>
+          <a:lstStyle/>
+          <a:p>
+            <a:pPr algn="ctr"/>
+            <a:endParaRPr lang="es-419"/>
+          </a:p>
+        </p:txBody>
+      </p:sp>
+      <p:sp>
+        <p:nvSpPr>
+          <p:cNvPr id="46" name="Rectangle 45">
+            <a:extLst>
+              <a:ext uri="{FF2B5EF4-FFF2-40B4-BE49-F238E27FC236}">
+                <a16:creationId xmlns:a16="http://schemas.microsoft.com/office/drawing/2014/main" id="{3FCFB4F8-4F00-78F2-6CB1-C78B428CB10C}"/>
+              </a:ext>
+            </a:extLst>
+          </p:cNvPr>
+          <p:cNvSpPr/>
+          <p:nvPr/>
+        </p:nvSpPr>
+        <p:spPr>
+          <a:xfrm>
+            <a:off x="5762386" y="4300396"/>
+            <a:ext cx="794171" cy="543208"/>
+          </a:xfrm>
+          <a:prstGeom prst="rect">
+            <a:avLst/>
+          </a:prstGeom>
+          <a:noFill/>
+        </p:spPr>
+        <p:style>
+          <a:lnRef idx="2">
+            <a:schemeClr val="accent1">
+              <a:shade val="15000"/>
+            </a:schemeClr>
+          </a:lnRef>
+          <a:fillRef idx="1">
+            <a:schemeClr val="accent1"/>
+          </a:fillRef>
+          <a:effectRef idx="0">
+            <a:schemeClr val="accent1"/>
+          </a:effectRef>
+          <a:fontRef idx="minor">
+            <a:schemeClr val="lt1"/>
+          </a:fontRef>
+        </p:style>
+        <p:txBody>
+          <a:bodyPr rtlCol="0" anchor="ctr"/>
+          <a:lstStyle/>
+          <a:p>
+            <a:pPr algn="ctr"/>
+            <a:endParaRPr lang="es-419"/>
+          </a:p>
+        </p:txBody>
+      </p:sp>
+      <p:cxnSp>
+        <p:nvCxnSpPr>
+          <p:cNvPr id="47" name="Straight Connector 46">
+            <a:extLst>
+              <a:ext uri="{FF2B5EF4-FFF2-40B4-BE49-F238E27FC236}">
+                <a16:creationId xmlns:a16="http://schemas.microsoft.com/office/drawing/2014/main" id="{E95769C9-5680-57CF-8FD7-C0F851BF640F}"/>
+              </a:ext>
+            </a:extLst>
+          </p:cNvPr>
+          <p:cNvCxnSpPr/>
+          <p:nvPr/>
+        </p:nvCxnSpPr>
+        <p:spPr>
+          <a:xfrm>
+            <a:off x="5901691" y="4318502"/>
+            <a:ext cx="0" cy="534155"/>
+          </a:xfrm>
+          <a:prstGeom prst="line">
+            <a:avLst/>
+          </a:prstGeom>
+        </p:spPr>
+        <p:style>
+          <a:lnRef idx="2">
+            <a:schemeClr val="accent1"/>
+          </a:lnRef>
+          <a:fillRef idx="0">
+            <a:schemeClr val="accent1"/>
+          </a:fillRef>
+          <a:effectRef idx="1">
+            <a:schemeClr val="accent1"/>
+          </a:effectRef>
+          <a:fontRef idx="minor">
+            <a:schemeClr val="tx1"/>
+          </a:fontRef>
+        </p:style>
+      </p:cxnSp>
+      <p:cxnSp>
+        <p:nvCxnSpPr>
+          <p:cNvPr id="48" name="Straight Connector 47">
+            <a:extLst>
+              <a:ext uri="{FF2B5EF4-FFF2-40B4-BE49-F238E27FC236}">
+                <a16:creationId xmlns:a16="http://schemas.microsoft.com/office/drawing/2014/main" id="{464572DC-A016-6DB3-50CC-03D34D8B6091}"/>
+              </a:ext>
+            </a:extLst>
+          </p:cNvPr>
+          <p:cNvCxnSpPr/>
+          <p:nvPr/>
+        </p:nvCxnSpPr>
+        <p:spPr>
+          <a:xfrm>
+            <a:off x="6055600" y="4318502"/>
+            <a:ext cx="0" cy="534155"/>
+          </a:xfrm>
+          <a:prstGeom prst="line">
+            <a:avLst/>
+          </a:prstGeom>
+        </p:spPr>
+        <p:style>
+          <a:lnRef idx="2">
+            <a:schemeClr val="accent1"/>
+          </a:lnRef>
+          <a:fillRef idx="0">
+            <a:schemeClr val="accent1"/>
+          </a:fillRef>
+          <a:effectRef idx="1">
+            <a:schemeClr val="accent1"/>
+          </a:effectRef>
+          <a:fontRef idx="minor">
+            <a:schemeClr val="tx1"/>
+          </a:fontRef>
+        </p:style>
+      </p:cxnSp>
+      <p:cxnSp>
+        <p:nvCxnSpPr>
+          <p:cNvPr id="49" name="Straight Connector 48">
+            <a:extLst>
+              <a:ext uri="{FF2B5EF4-FFF2-40B4-BE49-F238E27FC236}">
+                <a16:creationId xmlns:a16="http://schemas.microsoft.com/office/drawing/2014/main" id="{B6A0BEBF-7F54-6815-053E-6D6650A41C5B}"/>
+              </a:ext>
+            </a:extLst>
+          </p:cNvPr>
+          <p:cNvCxnSpPr/>
+          <p:nvPr/>
+        </p:nvCxnSpPr>
+        <p:spPr>
+          <a:xfrm>
+            <a:off x="6236669" y="4318502"/>
+            <a:ext cx="0" cy="534155"/>
+          </a:xfrm>
+          <a:prstGeom prst="line">
+            <a:avLst/>
+          </a:prstGeom>
+        </p:spPr>
+        <p:style>
+          <a:lnRef idx="2">
+            <a:schemeClr val="accent1"/>
+          </a:lnRef>
+          <a:fillRef idx="0">
+            <a:schemeClr val="accent1"/>
+          </a:fillRef>
+          <a:effectRef idx="1">
+            <a:schemeClr val="accent1"/>
+          </a:effectRef>
+          <a:fontRef idx="minor">
+            <a:schemeClr val="tx1"/>
+          </a:fontRef>
+        </p:style>
+      </p:cxnSp>
+      <p:cxnSp>
+        <p:nvCxnSpPr>
+          <p:cNvPr id="50" name="Straight Connector 49">
+            <a:extLst>
+              <a:ext uri="{FF2B5EF4-FFF2-40B4-BE49-F238E27FC236}">
+                <a16:creationId xmlns:a16="http://schemas.microsoft.com/office/drawing/2014/main" id="{79F634D7-D0DD-473A-6940-6A8630AB1E4B}"/>
+              </a:ext>
+            </a:extLst>
+          </p:cNvPr>
+          <p:cNvCxnSpPr/>
+          <p:nvPr/>
+        </p:nvCxnSpPr>
+        <p:spPr>
+          <a:xfrm>
+            <a:off x="6390578" y="4318502"/>
+            <a:ext cx="0" cy="534155"/>
+          </a:xfrm>
+          <a:prstGeom prst="line">
+            <a:avLst/>
+          </a:prstGeom>
+        </p:spPr>
+        <p:style>
+          <a:lnRef idx="2">
+            <a:schemeClr val="accent1"/>
+          </a:lnRef>
+          <a:fillRef idx="0">
+            <a:schemeClr val="accent1"/>
+          </a:fillRef>
+          <a:effectRef idx="1">
+            <a:schemeClr val="accent1"/>
+          </a:effectRef>
+          <a:fontRef idx="minor">
+            <a:schemeClr val="tx1"/>
+          </a:fontRef>
+        </p:style>
+      </p:cxnSp>
+      <p:sp>
+        <p:nvSpPr>
+          <p:cNvPr id="51" name="Rectangle 50">
+            <a:extLst>
+              <a:ext uri="{FF2B5EF4-FFF2-40B4-BE49-F238E27FC236}">
+                <a16:creationId xmlns:a16="http://schemas.microsoft.com/office/drawing/2014/main" id="{5E8E20D2-5AFF-6D69-7765-451D1EC2F6C4}"/>
+              </a:ext>
+            </a:extLst>
+          </p:cNvPr>
+          <p:cNvSpPr/>
+          <p:nvPr/>
+        </p:nvSpPr>
+        <p:spPr>
+          <a:xfrm>
+            <a:off x="5762386" y="5368705"/>
+            <a:ext cx="794171" cy="543208"/>
+          </a:xfrm>
+          <a:prstGeom prst="rect">
+            <a:avLst/>
+          </a:prstGeom>
+          <a:noFill/>
+        </p:spPr>
+        <p:style>
+          <a:lnRef idx="2">
+            <a:schemeClr val="accent1">
+              <a:shade val="15000"/>
+            </a:schemeClr>
+          </a:lnRef>
+          <a:fillRef idx="1">
+            <a:schemeClr val="accent1"/>
+          </a:fillRef>
+          <a:effectRef idx="0">
+            <a:schemeClr val="accent1"/>
+          </a:effectRef>
+          <a:fontRef idx="minor">
+            <a:schemeClr val="lt1"/>
+          </a:fontRef>
+        </p:style>
+        <p:txBody>
+          <a:bodyPr rtlCol="0" anchor="ctr"/>
+          <a:lstStyle/>
+          <a:p>
+            <a:pPr algn="ctr"/>
+            <a:endParaRPr lang="es-419"/>
+          </a:p>
+        </p:txBody>
+      </p:sp>
+      <p:cxnSp>
+        <p:nvCxnSpPr>
+          <p:cNvPr id="52" name="Straight Connector 51">
+            <a:extLst>
+              <a:ext uri="{FF2B5EF4-FFF2-40B4-BE49-F238E27FC236}">
+                <a16:creationId xmlns:a16="http://schemas.microsoft.com/office/drawing/2014/main" id="{739E9290-624D-2549-268C-BB58A119376A}"/>
+              </a:ext>
+            </a:extLst>
+          </p:cNvPr>
+          <p:cNvCxnSpPr/>
+          <p:nvPr/>
+        </p:nvCxnSpPr>
+        <p:spPr>
+          <a:xfrm>
+            <a:off x="5901691" y="5386811"/>
+            <a:ext cx="0" cy="534155"/>
+          </a:xfrm>
+          <a:prstGeom prst="line">
+            <a:avLst/>
+          </a:prstGeom>
+        </p:spPr>
+        <p:style>
+          <a:lnRef idx="2">
+            <a:schemeClr val="accent1"/>
+          </a:lnRef>
+          <a:fillRef idx="0">
+            <a:schemeClr val="accent1"/>
+          </a:fillRef>
+          <a:effectRef idx="1">
+            <a:schemeClr val="accent1"/>
+          </a:effectRef>
+          <a:fontRef idx="minor">
+            <a:schemeClr val="tx1"/>
+          </a:fontRef>
+        </p:style>
+      </p:cxnSp>
+      <p:cxnSp>
+        <p:nvCxnSpPr>
+          <p:cNvPr id="53" name="Straight Connector 52">
+            <a:extLst>
+              <a:ext uri="{FF2B5EF4-FFF2-40B4-BE49-F238E27FC236}">
+                <a16:creationId xmlns:a16="http://schemas.microsoft.com/office/drawing/2014/main" id="{FF0FA582-1E81-3647-CEB6-8035C2D00975}"/>
+              </a:ext>
+            </a:extLst>
+          </p:cNvPr>
+          <p:cNvCxnSpPr/>
+          <p:nvPr/>
+        </p:nvCxnSpPr>
+        <p:spPr>
+          <a:xfrm>
+            <a:off x="6055600" y="5386811"/>
+            <a:ext cx="0" cy="534155"/>
+          </a:xfrm>
+          <a:prstGeom prst="line">
+            <a:avLst/>
+          </a:prstGeom>
+        </p:spPr>
+        <p:style>
+          <a:lnRef idx="2">
+            <a:schemeClr val="accent1"/>
+          </a:lnRef>
+          <a:fillRef idx="0">
+            <a:schemeClr val="accent1"/>
+          </a:fillRef>
+          <a:effectRef idx="1">
+            <a:schemeClr val="accent1"/>
+          </a:effectRef>
+          <a:fontRef idx="minor">
+            <a:schemeClr val="tx1"/>
+          </a:fontRef>
+        </p:style>
+      </p:cxnSp>
+      <p:cxnSp>
+        <p:nvCxnSpPr>
+          <p:cNvPr id="54" name="Straight Connector 53">
+            <a:extLst>
+              <a:ext uri="{FF2B5EF4-FFF2-40B4-BE49-F238E27FC236}">
+                <a16:creationId xmlns:a16="http://schemas.microsoft.com/office/drawing/2014/main" id="{5CFBC1B7-4F2F-5E78-AEF2-A14DA51DDC2A}"/>
+              </a:ext>
+            </a:extLst>
+          </p:cNvPr>
+          <p:cNvCxnSpPr/>
+          <p:nvPr/>
+        </p:nvCxnSpPr>
+        <p:spPr>
+          <a:xfrm>
+            <a:off x="6236669" y="5386811"/>
+            <a:ext cx="0" cy="534155"/>
+          </a:xfrm>
+          <a:prstGeom prst="line">
+            <a:avLst/>
+          </a:prstGeom>
+        </p:spPr>
+        <p:style>
+          <a:lnRef idx="2">
+            <a:schemeClr val="accent1"/>
+          </a:lnRef>
+          <a:fillRef idx="0">
+            <a:schemeClr val="accent1"/>
+          </a:fillRef>
+          <a:effectRef idx="1">
+            <a:schemeClr val="accent1"/>
+          </a:effectRef>
+          <a:fontRef idx="minor">
+            <a:schemeClr val="tx1"/>
+          </a:fontRef>
+        </p:style>
+      </p:cxnSp>
+      <p:cxnSp>
+        <p:nvCxnSpPr>
+          <p:cNvPr id="55" name="Straight Connector 54">
+            <a:extLst>
+              <a:ext uri="{FF2B5EF4-FFF2-40B4-BE49-F238E27FC236}">
+                <a16:creationId xmlns:a16="http://schemas.microsoft.com/office/drawing/2014/main" id="{0A2406F6-604A-449B-6623-77D451843E63}"/>
+              </a:ext>
+            </a:extLst>
+          </p:cNvPr>
+          <p:cNvCxnSpPr/>
+          <p:nvPr/>
+        </p:nvCxnSpPr>
+        <p:spPr>
+          <a:xfrm>
+            <a:off x="6390578" y="5386811"/>
+            <a:ext cx="0" cy="534155"/>
+          </a:xfrm>
+          <a:prstGeom prst="line">
+            <a:avLst/>
+          </a:prstGeom>
+        </p:spPr>
+        <p:style>
+          <a:lnRef idx="2">
+            <a:schemeClr val="accent1"/>
+          </a:lnRef>
+          <a:fillRef idx="0">
+            <a:schemeClr val="accent1"/>
+          </a:fillRef>
+          <a:effectRef idx="1">
+            <a:schemeClr val="accent1"/>
+          </a:effectRef>
+          <a:fontRef idx="minor">
+            <a:schemeClr val="tx1"/>
+          </a:fontRef>
+        </p:style>
+      </p:cxnSp>
+      <p:sp>
+        <p:nvSpPr>
+          <p:cNvPr id="56" name="Rectangle 55">
+            <a:extLst>
+              <a:ext uri="{FF2B5EF4-FFF2-40B4-BE49-F238E27FC236}">
+                <a16:creationId xmlns:a16="http://schemas.microsoft.com/office/drawing/2014/main" id="{BA9D1A8F-6711-AD9B-3FA2-597F0C708454}"/>
+              </a:ext>
+            </a:extLst>
+          </p:cNvPr>
+          <p:cNvSpPr/>
+          <p:nvPr/>
+        </p:nvSpPr>
+        <p:spPr>
+          <a:xfrm>
+            <a:off x="7138696" y="4943192"/>
+            <a:ext cx="794171" cy="543208"/>
+          </a:xfrm>
+          <a:prstGeom prst="rect">
+            <a:avLst/>
+          </a:prstGeom>
+          <a:noFill/>
+        </p:spPr>
+        <p:style>
+          <a:lnRef idx="2">
+            <a:schemeClr val="accent1">
+              <a:shade val="15000"/>
+            </a:schemeClr>
+          </a:lnRef>
+          <a:fillRef idx="1">
+            <a:schemeClr val="accent1"/>
+          </a:fillRef>
+          <a:effectRef idx="0">
+            <a:schemeClr val="accent1"/>
+          </a:effectRef>
+          <a:fontRef idx="minor">
+            <a:schemeClr val="lt1"/>
+          </a:fontRef>
+        </p:style>
+        <p:txBody>
+          <a:bodyPr rtlCol="0" anchor="ctr"/>
+          <a:lstStyle/>
+          <a:p>
+            <a:pPr algn="ctr"/>
+            <a:endParaRPr lang="es-419"/>
+          </a:p>
+        </p:txBody>
+      </p:sp>
+      <p:cxnSp>
+        <p:nvCxnSpPr>
+          <p:cNvPr id="57" name="Straight Connector 56">
+            <a:extLst>
+              <a:ext uri="{FF2B5EF4-FFF2-40B4-BE49-F238E27FC236}">
+                <a16:creationId xmlns:a16="http://schemas.microsoft.com/office/drawing/2014/main" id="{8075AEF3-E560-1830-71B3-D8ACE3E9B3B2}"/>
+              </a:ext>
+            </a:extLst>
+          </p:cNvPr>
+          <p:cNvCxnSpPr/>
+          <p:nvPr/>
+        </p:nvCxnSpPr>
+        <p:spPr>
+          <a:xfrm>
+            <a:off x="7278001" y="4961298"/>
+            <a:ext cx="0" cy="534155"/>
+          </a:xfrm>
+          <a:prstGeom prst="line">
+            <a:avLst/>
+          </a:prstGeom>
+        </p:spPr>
+        <p:style>
+          <a:lnRef idx="2">
+            <a:schemeClr val="accent1"/>
+          </a:lnRef>
+          <a:fillRef idx="0">
+            <a:schemeClr val="accent1"/>
+          </a:fillRef>
+          <a:effectRef idx="1">
+            <a:schemeClr val="accent1"/>
+          </a:effectRef>
+          <a:fontRef idx="minor">
+            <a:schemeClr val="tx1"/>
+          </a:fontRef>
+        </p:style>
+      </p:cxnSp>
+      <p:cxnSp>
+        <p:nvCxnSpPr>
+          <p:cNvPr id="58" name="Straight Connector 57">
+            <a:extLst>
+              <a:ext uri="{FF2B5EF4-FFF2-40B4-BE49-F238E27FC236}">
+                <a16:creationId xmlns:a16="http://schemas.microsoft.com/office/drawing/2014/main" id="{64C377BC-A5FD-856B-2DF9-6876AAFFBCF5}"/>
+              </a:ext>
+            </a:extLst>
+          </p:cNvPr>
+          <p:cNvCxnSpPr/>
+          <p:nvPr/>
+        </p:nvCxnSpPr>
+        <p:spPr>
+          <a:xfrm>
+            <a:off x="7431910" y="4961298"/>
+            <a:ext cx="0" cy="534155"/>
+          </a:xfrm>
+          <a:prstGeom prst="line">
+            <a:avLst/>
+          </a:prstGeom>
+        </p:spPr>
+        <p:style>
+          <a:lnRef idx="2">
+            <a:schemeClr val="accent1"/>
+          </a:lnRef>
+          <a:fillRef idx="0">
+            <a:schemeClr val="accent1"/>
+          </a:fillRef>
+          <a:effectRef idx="1">
+            <a:schemeClr val="accent1"/>
+          </a:effectRef>
+          <a:fontRef idx="minor">
+            <a:schemeClr val="tx1"/>
+          </a:fontRef>
+        </p:style>
+      </p:cxnSp>
+      <p:cxnSp>
+        <p:nvCxnSpPr>
+          <p:cNvPr id="59" name="Straight Connector 58">
+            <a:extLst>
+              <a:ext uri="{FF2B5EF4-FFF2-40B4-BE49-F238E27FC236}">
+                <a16:creationId xmlns:a16="http://schemas.microsoft.com/office/drawing/2014/main" id="{6B48FEC8-D409-2D0D-3E45-2CB6875B504A}"/>
+              </a:ext>
+            </a:extLst>
+          </p:cNvPr>
+          <p:cNvCxnSpPr/>
+          <p:nvPr/>
+        </p:nvCxnSpPr>
+        <p:spPr>
+          <a:xfrm>
+            <a:off x="7612979" y="4961298"/>
+            <a:ext cx="0" cy="534155"/>
+          </a:xfrm>
+          <a:prstGeom prst="line">
+            <a:avLst/>
+          </a:prstGeom>
+        </p:spPr>
+        <p:style>
+          <a:lnRef idx="2">
+            <a:schemeClr val="accent1"/>
+          </a:lnRef>
+          <a:fillRef idx="0">
+            <a:schemeClr val="accent1"/>
+          </a:fillRef>
+          <a:effectRef idx="1">
+            <a:schemeClr val="accent1"/>
+          </a:effectRef>
+          <a:fontRef idx="minor">
+            <a:schemeClr val="tx1"/>
+          </a:fontRef>
+        </p:style>
+      </p:cxnSp>
+      <p:cxnSp>
+        <p:nvCxnSpPr>
+          <p:cNvPr id="60" name="Straight Connector 59">
+            <a:extLst>
+              <a:ext uri="{FF2B5EF4-FFF2-40B4-BE49-F238E27FC236}">
+                <a16:creationId xmlns:a16="http://schemas.microsoft.com/office/drawing/2014/main" id="{5C8B9D6C-2D5D-DD35-1106-A920290C0979}"/>
+              </a:ext>
+            </a:extLst>
+          </p:cNvPr>
+          <p:cNvCxnSpPr/>
+          <p:nvPr/>
+        </p:nvCxnSpPr>
+        <p:spPr>
+          <a:xfrm>
+            <a:off x="7766888" y="4961298"/>
+            <a:ext cx="0" cy="534155"/>
+          </a:xfrm>
+          <a:prstGeom prst="line">
+            <a:avLst/>
+          </a:prstGeom>
+        </p:spPr>
+        <p:style>
+          <a:lnRef idx="2">
+            <a:schemeClr val="accent1"/>
+          </a:lnRef>
+          <a:fillRef idx="0">
+            <a:schemeClr val="accent1"/>
+          </a:fillRef>
+          <a:effectRef idx="1">
+            <a:schemeClr val="accent1"/>
+          </a:effectRef>
+          <a:fontRef idx="minor">
+            <a:schemeClr val="tx1"/>
+          </a:fontRef>
+        </p:style>
+      </p:cxnSp>
+      <p:sp>
+        <p:nvSpPr>
+          <p:cNvPr id="61" name="TextBox 60">
+            <a:extLst>
+              <a:ext uri="{FF2B5EF4-FFF2-40B4-BE49-F238E27FC236}">
+                <a16:creationId xmlns:a16="http://schemas.microsoft.com/office/drawing/2014/main" id="{6A0BD2BA-C923-FBB0-EC2F-2C6828844253}"/>
+              </a:ext>
+            </a:extLst>
+          </p:cNvPr>
+          <p:cNvSpPr txBox="1"/>
+          <p:nvPr/>
+        </p:nvSpPr>
+        <p:spPr>
+          <a:xfrm>
+            <a:off x="7259103" y="4681582"/>
+            <a:ext cx="482824" cy="261610"/>
+          </a:xfrm>
+          <a:prstGeom prst="rect">
+            <a:avLst/>
+          </a:prstGeom>
+          <a:noFill/>
+        </p:spPr>
+        <p:txBody>
+          <a:bodyPr wrap="none" rtlCol="0">
+            <a:spAutoFit/>
+          </a:bodyPr>
+          <a:lstStyle/>
+          <a:p>
+            <a:r>
+              <a:rPr lang="es-419" sz="1100" dirty="0" err="1">
+                <a:latin typeface="Arial" panose="020B0604020202020204" pitchFamily="34" charset="0"/>
+                <a:cs typeface="Arial" panose="020B0604020202020204" pitchFamily="34" charset="0"/>
+              </a:rPr>
+              <a:t>User</a:t>
+            </a:r>
+            <a:endParaRPr lang="es-419" dirty="0">
+              <a:latin typeface="Arial" panose="020B0604020202020204" pitchFamily="34" charset="0"/>
+              <a:cs typeface="Arial" panose="020B0604020202020204" pitchFamily="34" charset="0"/>
+            </a:endParaRPr>
+          </a:p>
+        </p:txBody>
+      </p:sp>
+      <p:sp>
+        <p:nvSpPr>
+          <p:cNvPr id="64" name="Rectangle 63">
+            <a:extLst>
+              <a:ext uri="{FF2B5EF4-FFF2-40B4-BE49-F238E27FC236}">
+                <a16:creationId xmlns:a16="http://schemas.microsoft.com/office/drawing/2014/main" id="{169A073D-2C5F-836D-82DD-61B954733DCE}"/>
+              </a:ext>
+            </a:extLst>
+          </p:cNvPr>
+          <p:cNvSpPr/>
+          <p:nvPr/>
+        </p:nvSpPr>
+        <p:spPr>
+          <a:xfrm>
+            <a:off x="5811148" y="1200588"/>
+            <a:ext cx="398738" cy="272734"/>
+          </a:xfrm>
+          <a:prstGeom prst="rect">
+            <a:avLst/>
+          </a:prstGeom>
+          <a:noFill/>
+        </p:spPr>
+        <p:style>
+          <a:lnRef idx="2">
+            <a:schemeClr val="accent1">
+              <a:shade val="15000"/>
+            </a:schemeClr>
+          </a:lnRef>
+          <a:fillRef idx="1">
+            <a:schemeClr val="accent1"/>
+          </a:fillRef>
+          <a:effectRef idx="0">
+            <a:schemeClr val="accent1"/>
+          </a:effectRef>
+          <a:fontRef idx="minor">
+            <a:schemeClr val="lt1"/>
+          </a:fontRef>
+        </p:style>
+        <p:txBody>
+          <a:bodyPr rtlCol="0" anchor="ctr"/>
+          <a:lstStyle/>
+          <a:p>
+            <a:pPr algn="ctr"/>
+            <a:endParaRPr lang="es-419"/>
+          </a:p>
+        </p:txBody>
+      </p:sp>
+      <p:sp>
+        <p:nvSpPr>
+          <p:cNvPr id="65" name="Rectangle 64">
+            <a:extLst>
+              <a:ext uri="{FF2B5EF4-FFF2-40B4-BE49-F238E27FC236}">
+                <a16:creationId xmlns:a16="http://schemas.microsoft.com/office/drawing/2014/main" id="{B3375A73-15E6-5815-9239-96E5F4A75FBA}"/>
+              </a:ext>
+            </a:extLst>
+          </p:cNvPr>
+          <p:cNvSpPr/>
+          <p:nvPr/>
+        </p:nvSpPr>
+        <p:spPr>
+          <a:xfrm>
+            <a:off x="6347981" y="1182480"/>
+            <a:ext cx="398738" cy="272734"/>
+          </a:xfrm>
+          <a:prstGeom prst="rect">
+            <a:avLst/>
+          </a:prstGeom>
+          <a:noFill/>
+        </p:spPr>
+        <p:style>
+          <a:lnRef idx="2">
+            <a:schemeClr val="accent1">
+              <a:shade val="15000"/>
+            </a:schemeClr>
+          </a:lnRef>
+          <a:fillRef idx="1">
+            <a:schemeClr val="accent1"/>
+          </a:fillRef>
+          <a:effectRef idx="0">
+            <a:schemeClr val="accent1"/>
+          </a:effectRef>
+          <a:fontRef idx="minor">
+            <a:schemeClr val="lt1"/>
+          </a:fontRef>
+        </p:style>
+        <p:txBody>
+          <a:bodyPr rtlCol="0" anchor="ctr"/>
+          <a:lstStyle/>
+          <a:p>
+            <a:pPr algn="ctr"/>
+            <a:endParaRPr lang="es-419"/>
+          </a:p>
+        </p:txBody>
+      </p:sp>
+      <p:cxnSp>
+        <p:nvCxnSpPr>
+          <p:cNvPr id="67" name="Connector: Curved 66">
+            <a:extLst>
+              <a:ext uri="{FF2B5EF4-FFF2-40B4-BE49-F238E27FC236}">
+                <a16:creationId xmlns:a16="http://schemas.microsoft.com/office/drawing/2014/main" id="{EED17A74-ACC8-8407-F606-E916E090938B}"/>
+              </a:ext>
+            </a:extLst>
+          </p:cNvPr>
+          <p:cNvCxnSpPr>
+            <a:cxnSpLocks/>
+            <a:stCxn id="64" idx="1"/>
+            <a:endCxn id="77" idx="1"/>
+          </p:cNvCxnSpPr>
+          <p:nvPr/>
+        </p:nvCxnSpPr>
+        <p:spPr>
+          <a:xfrm rot="10800000" flipV="1">
+            <a:off x="5789352" y="1336955"/>
+            <a:ext cx="21796" cy="1845338"/>
+          </a:xfrm>
+          <a:prstGeom prst="curvedConnector3">
+            <a:avLst>
+              <a:gd name="adj1" fmla="val 1148816"/>
+            </a:avLst>
+          </a:prstGeom>
+          <a:ln>
+            <a:tailEnd type="triangle"/>
+          </a:ln>
+        </p:spPr>
+        <p:style>
+          <a:lnRef idx="2">
+            <a:schemeClr val="accent1"/>
+          </a:lnRef>
+          <a:fillRef idx="0">
+            <a:schemeClr val="accent1"/>
+          </a:fillRef>
+          <a:effectRef idx="1">
+            <a:schemeClr val="accent1"/>
+          </a:effectRef>
+          <a:fontRef idx="minor">
+            <a:schemeClr val="tx1"/>
+          </a:fontRef>
+        </p:style>
+      </p:cxnSp>
+      <p:sp>
+        <p:nvSpPr>
+          <p:cNvPr id="70" name="TextBox 69">
+            <a:extLst>
+              <a:ext uri="{FF2B5EF4-FFF2-40B4-BE49-F238E27FC236}">
+                <a16:creationId xmlns:a16="http://schemas.microsoft.com/office/drawing/2014/main" id="{45D8BD72-5FBF-F1CD-5A46-598F7EF2258E}"/>
+              </a:ext>
+            </a:extLst>
+          </p:cNvPr>
+          <p:cNvSpPr txBox="1"/>
+          <p:nvPr/>
+        </p:nvSpPr>
+        <p:spPr>
+          <a:xfrm>
+            <a:off x="5830040" y="1500321"/>
+            <a:ext cx="997389" cy="246221"/>
+          </a:xfrm>
+          <a:prstGeom prst="rect">
+            <a:avLst/>
+          </a:prstGeom>
+          <a:noFill/>
+        </p:spPr>
+        <p:txBody>
+          <a:bodyPr wrap="none" rtlCol="0">
+            <a:spAutoFit/>
+          </a:bodyPr>
+          <a:lstStyle/>
+          <a:p>
+            <a:r>
+              <a:rPr lang="es-419" sz="1000" dirty="0">
+                <a:latin typeface="Arial" panose="020B0604020202020204" pitchFamily="34" charset="0"/>
+                <a:cs typeface="Arial" panose="020B0604020202020204" pitchFamily="34" charset="0"/>
+              </a:rPr>
+              <a:t>Table (CRUD)</a:t>
+            </a:r>
+          </a:p>
+        </p:txBody>
+      </p:sp>
+      <p:sp>
+        <p:nvSpPr>
+          <p:cNvPr id="72" name="TextBox 71">
+            <a:extLst>
+              <a:ext uri="{FF2B5EF4-FFF2-40B4-BE49-F238E27FC236}">
+                <a16:creationId xmlns:a16="http://schemas.microsoft.com/office/drawing/2014/main" id="{B092F09A-23ED-2546-40E8-039A659B5636}"/>
+              </a:ext>
+            </a:extLst>
+          </p:cNvPr>
+          <p:cNvSpPr txBox="1"/>
+          <p:nvPr/>
+        </p:nvSpPr>
+        <p:spPr>
+          <a:xfrm>
+            <a:off x="5288064" y="704577"/>
+            <a:ext cx="2035722" cy="276999"/>
+          </a:xfrm>
+          <a:prstGeom prst="rect">
+            <a:avLst/>
+          </a:prstGeom>
+          <a:noFill/>
+        </p:spPr>
+        <p:txBody>
+          <a:bodyPr wrap="square">
+            <a:spAutoFit/>
+          </a:bodyPr>
+          <a:lstStyle/>
+          <a:p>
+            <a:pPr algn="ctr"/>
+            <a:r>
+              <a:rPr lang="es-419" sz="1200" dirty="0" err="1">
+                <a:solidFill>
+                  <a:sysClr val="windowText" lastClr="000000"/>
+                </a:solidFill>
+                <a:latin typeface="Arial" panose="020B0604020202020204" pitchFamily="34" charset="0"/>
+                <a:cs typeface="Arial" panose="020B0604020202020204" pitchFamily="34" charset="0"/>
+              </a:rPr>
               <a:t>Service</a:t>
             </a:r>
             <a:r>
-              <a:rPr lang="es-419" dirty="0"/>
-              <a:t> B</a:t>
+              <a:rPr lang="es-419" sz="1200" dirty="0">
+                <a:solidFill>
+                  <a:sysClr val="windowText" lastClr="000000"/>
+                </a:solidFill>
+                <a:latin typeface="Arial" panose="020B0604020202020204" pitchFamily="34" charset="0"/>
+                <a:cs typeface="Arial" panose="020B0604020202020204" pitchFamily="34" charset="0"/>
+              </a:rPr>
+              <a:t> </a:t>
             </a:r>
-          </a:p>
-        </p:txBody>
-      </p:sp>
-      <p:sp>
-        <p:nvSpPr>
-          <p:cNvPr id="6" name="Hexagon 5">
-            <a:extLst>
-              <a:ext uri="{FF2B5EF4-FFF2-40B4-BE49-F238E27FC236}">
-                <a16:creationId xmlns:a16="http://schemas.microsoft.com/office/drawing/2014/main" id="{FCAC3BFD-E5BA-E639-542B-3CA583C9C046}"/>
+            <a:r>
+              <a:rPr lang="es-419" sz="1200" dirty="0" err="1">
+                <a:solidFill>
+                  <a:sysClr val="windowText" lastClr="000000"/>
+                </a:solidFill>
+                <a:latin typeface="Arial" panose="020B0604020202020204" pitchFamily="34" charset="0"/>
+                <a:cs typeface="Arial" panose="020B0604020202020204" pitchFamily="34" charset="0"/>
+              </a:rPr>
+              <a:t>Users</a:t>
+            </a:r>
+            <a:endParaRPr lang="es-419" sz="1200" dirty="0">
+              <a:solidFill>
+                <a:sysClr val="windowText" lastClr="000000"/>
+              </a:solidFill>
+              <a:latin typeface="Arial" panose="020B0604020202020204" pitchFamily="34" charset="0"/>
+              <a:cs typeface="Arial" panose="020B0604020202020204" pitchFamily="34" charset="0"/>
+            </a:endParaRPr>
+          </a:p>
+        </p:txBody>
+      </p:sp>
+      <p:sp>
+        <p:nvSpPr>
+          <p:cNvPr id="77" name="Rectangle 76">
+            <a:extLst>
+              <a:ext uri="{FF2B5EF4-FFF2-40B4-BE49-F238E27FC236}">
+                <a16:creationId xmlns:a16="http://schemas.microsoft.com/office/drawing/2014/main" id="{0EE2D2B7-BB63-8048-A9D8-7B9C5071D35D}"/>
               </a:ext>
             </a:extLst>
           </p:cNvPr>
@@ -3842,10 +8950,10 @@
         </p:nvSpPr>
         <p:spPr>
           <a:xfrm>
-            <a:off x="3297382" y="1406853"/>
-            <a:ext cx="757382" cy="652916"/>
-          </a:xfrm>
-          <a:prstGeom prst="hexagon">
+            <a:off x="5789352" y="3045926"/>
+            <a:ext cx="398738" cy="272734"/>
+          </a:xfrm>
+          <a:prstGeom prst="rect">
             <a:avLst/>
           </a:prstGeom>
           <a:noFill/>
@@ -3875,12 +8983,1556 @@
           </a:p>
         </p:txBody>
       </p:sp>
+      <p:sp>
+        <p:nvSpPr>
+          <p:cNvPr id="80" name="TextBox 79">
+            <a:extLst>
+              <a:ext uri="{FF2B5EF4-FFF2-40B4-BE49-F238E27FC236}">
+                <a16:creationId xmlns:a16="http://schemas.microsoft.com/office/drawing/2014/main" id="{DDC05186-6E7E-11C1-5F6E-F042A5ACE251}"/>
+              </a:ext>
+            </a:extLst>
+          </p:cNvPr>
+          <p:cNvSpPr txBox="1"/>
+          <p:nvPr/>
+        </p:nvSpPr>
+        <p:spPr>
+          <a:xfrm>
+            <a:off x="6010517" y="941685"/>
+            <a:ext cx="511679" cy="200055"/>
+          </a:xfrm>
+          <a:prstGeom prst="rect">
+            <a:avLst/>
+          </a:prstGeom>
+          <a:noFill/>
+        </p:spPr>
+        <p:txBody>
+          <a:bodyPr wrap="none" rtlCol="0">
+            <a:spAutoFit/>
+          </a:bodyPr>
+          <a:lstStyle/>
+          <a:p>
+            <a:r>
+              <a:rPr lang="es-419" sz="700" dirty="0">
+                <a:latin typeface="Arial" panose="020B0604020202020204" pitchFamily="34" charset="0"/>
+                <a:cs typeface="Arial" panose="020B0604020202020204" pitchFamily="34" charset="0"/>
+              </a:rPr>
+              <a:t>Negocio</a:t>
+            </a:r>
+          </a:p>
+        </p:txBody>
+      </p:sp>
+    </p:spTree>
+    <p:extLst>
+      <p:ext uri="{BB962C8B-B14F-4D97-AF65-F5344CB8AC3E}">
+        <p14:creationId xmlns:p14="http://schemas.microsoft.com/office/powerpoint/2010/main" val="2002540585"/>
+      </p:ext>
+    </p:extLst>
+  </p:cSld>
+  <p:clrMapOvr>
+    <a:masterClrMapping/>
+  </p:clrMapOvr>
+</p:sld>
+</file>
+
+<file path=ppt/slides/slide3.xml><?xml version="1.0" encoding="utf-8"?>
+<p:sld xmlns:a="http://schemas.openxmlformats.org/drawingml/2006/main" xmlns:r="http://schemas.openxmlformats.org/officeDocument/2006/relationships" xmlns:p="http://schemas.openxmlformats.org/presentationml/2006/main">
+  <p:cSld>
+    <p:spTree>
+      <p:nvGrpSpPr>
+        <p:cNvPr id="1" name=""/>
+        <p:cNvGrpSpPr/>
+        <p:nvPr/>
+      </p:nvGrpSpPr>
+      <p:grpSpPr>
+        <a:xfrm>
+          <a:off x="0" y="0"/>
+          <a:ext cx="0" cy="0"/>
+          <a:chOff x="0" y="0"/>
+          <a:chExt cx="0" cy="0"/>
+        </a:xfrm>
+      </p:grpSpPr>
+      <p:sp>
+        <p:nvSpPr>
+          <p:cNvPr id="4" name="Hexagon 3">
+            <a:extLst>
+              <a:ext uri="{FF2B5EF4-FFF2-40B4-BE49-F238E27FC236}">
+                <a16:creationId xmlns:a16="http://schemas.microsoft.com/office/drawing/2014/main" id="{03E439D1-7192-5E02-FB42-EAEC42148427}"/>
+              </a:ext>
+            </a:extLst>
+          </p:cNvPr>
+          <p:cNvSpPr/>
+          <p:nvPr/>
+        </p:nvSpPr>
+        <p:spPr>
+          <a:xfrm>
+            <a:off x="654161" y="3959759"/>
+            <a:ext cx="955683" cy="823865"/>
+          </a:xfrm>
+          <a:prstGeom prst="hexagon">
+            <a:avLst/>
+          </a:prstGeom>
+          <a:solidFill>
+            <a:schemeClr val="bg1"/>
+          </a:solidFill>
+        </p:spPr>
+        <p:style>
+          <a:lnRef idx="2">
+            <a:schemeClr val="accent1">
+              <a:shade val="15000"/>
+            </a:schemeClr>
+          </a:lnRef>
+          <a:fillRef idx="1">
+            <a:schemeClr val="accent1"/>
+          </a:fillRef>
+          <a:effectRef idx="0">
+            <a:schemeClr val="accent1"/>
+          </a:effectRef>
+          <a:fontRef idx="minor">
+            <a:schemeClr val="lt1"/>
+          </a:fontRef>
+        </p:style>
+        <p:txBody>
+          <a:bodyPr rtlCol="0" anchor="ctr"/>
+          <a:lstStyle/>
+          <a:p>
+            <a:pPr algn="ctr"/>
+            <a:r>
+              <a:rPr lang="es-419" sz="1100" dirty="0" err="1">
+                <a:solidFill>
+                  <a:sysClr val="windowText" lastClr="000000"/>
+                </a:solidFill>
+                <a:latin typeface="Arial" panose="020B0604020202020204" pitchFamily="34" charset="0"/>
+                <a:cs typeface="Arial" panose="020B0604020202020204" pitchFamily="34" charset="0"/>
+              </a:rPr>
+              <a:t>Service</a:t>
+            </a:r>
+            <a:r>
+              <a:rPr lang="es-419" sz="1100" dirty="0">
+                <a:solidFill>
+                  <a:sysClr val="windowText" lastClr="000000"/>
+                </a:solidFill>
+                <a:latin typeface="Arial" panose="020B0604020202020204" pitchFamily="34" charset="0"/>
+                <a:cs typeface="Arial" panose="020B0604020202020204" pitchFamily="34" charset="0"/>
+              </a:rPr>
+              <a:t> A</a:t>
+            </a:r>
+          </a:p>
+        </p:txBody>
+      </p:sp>
+      <p:sp>
+        <p:nvSpPr>
+          <p:cNvPr id="5" name="Cylinder 4">
+            <a:extLst>
+              <a:ext uri="{FF2B5EF4-FFF2-40B4-BE49-F238E27FC236}">
+                <a16:creationId xmlns:a16="http://schemas.microsoft.com/office/drawing/2014/main" id="{E55D7896-3E13-9F53-E1B6-D91367606B29}"/>
+              </a:ext>
+            </a:extLst>
+          </p:cNvPr>
+          <p:cNvSpPr/>
+          <p:nvPr/>
+        </p:nvSpPr>
+        <p:spPr>
+          <a:xfrm>
+            <a:off x="729123" y="5607490"/>
+            <a:ext cx="805758" cy="823865"/>
+          </a:xfrm>
+          <a:prstGeom prst="can">
+            <a:avLst/>
+          </a:prstGeom>
+          <a:solidFill>
+            <a:schemeClr val="bg1"/>
+          </a:solidFill>
+        </p:spPr>
+        <p:style>
+          <a:lnRef idx="2">
+            <a:schemeClr val="accent1">
+              <a:shade val="15000"/>
+            </a:schemeClr>
+          </a:lnRef>
+          <a:fillRef idx="1">
+            <a:schemeClr val="accent1"/>
+          </a:fillRef>
+          <a:effectRef idx="0">
+            <a:schemeClr val="accent1"/>
+          </a:effectRef>
+          <a:fontRef idx="minor">
+            <a:schemeClr val="lt1"/>
+          </a:fontRef>
+        </p:style>
+        <p:txBody>
+          <a:bodyPr rtlCol="0" anchor="ctr"/>
+          <a:lstStyle/>
+          <a:p>
+            <a:pPr algn="ctr"/>
+            <a:r>
+              <a:rPr lang="es-419" dirty="0">
+                <a:solidFill>
+                  <a:sysClr val="windowText" lastClr="000000"/>
+                </a:solidFill>
+              </a:rPr>
+              <a:t>DB</a:t>
+            </a:r>
+          </a:p>
+        </p:txBody>
+      </p:sp>
+      <p:cxnSp>
+        <p:nvCxnSpPr>
+          <p:cNvPr id="6" name="Straight Arrow Connector 5">
+            <a:extLst>
+              <a:ext uri="{FF2B5EF4-FFF2-40B4-BE49-F238E27FC236}">
+                <a16:creationId xmlns:a16="http://schemas.microsoft.com/office/drawing/2014/main" id="{0F60B150-D374-87B9-D82D-D823CD585B0A}"/>
+              </a:ext>
+            </a:extLst>
+          </p:cNvPr>
+          <p:cNvCxnSpPr>
+            <a:cxnSpLocks/>
+            <a:endCxn id="5" idx="1"/>
+          </p:cNvCxnSpPr>
+          <p:nvPr/>
+        </p:nvCxnSpPr>
+        <p:spPr>
+          <a:xfrm>
+            <a:off x="1130977" y="4783624"/>
+            <a:ext cx="1025" cy="823866"/>
+          </a:xfrm>
+          <a:prstGeom prst="straightConnector1">
+            <a:avLst/>
+          </a:prstGeom>
+          <a:ln>
+            <a:tailEnd type="triangle"/>
+          </a:ln>
+        </p:spPr>
+        <p:style>
+          <a:lnRef idx="2">
+            <a:schemeClr val="accent1"/>
+          </a:lnRef>
+          <a:fillRef idx="0">
+            <a:schemeClr val="accent1"/>
+          </a:fillRef>
+          <a:effectRef idx="1">
+            <a:schemeClr val="accent1"/>
+          </a:effectRef>
+          <a:fontRef idx="minor">
+            <a:schemeClr val="tx1"/>
+          </a:fontRef>
+        </p:style>
+      </p:cxnSp>
+      <p:sp>
+        <p:nvSpPr>
+          <p:cNvPr id="7" name="Hexagon 6">
+            <a:extLst>
+              <a:ext uri="{FF2B5EF4-FFF2-40B4-BE49-F238E27FC236}">
+                <a16:creationId xmlns:a16="http://schemas.microsoft.com/office/drawing/2014/main" id="{8F998A3A-E697-A578-39F1-B994C31831C8}"/>
+              </a:ext>
+            </a:extLst>
+          </p:cNvPr>
+          <p:cNvSpPr/>
+          <p:nvPr/>
+        </p:nvSpPr>
+        <p:spPr>
+          <a:xfrm>
+            <a:off x="2624419" y="3959759"/>
+            <a:ext cx="955683" cy="823865"/>
+          </a:xfrm>
+          <a:prstGeom prst="hexagon">
+            <a:avLst/>
+          </a:prstGeom>
+          <a:solidFill>
+            <a:schemeClr val="bg1"/>
+          </a:solidFill>
+        </p:spPr>
+        <p:style>
+          <a:lnRef idx="2">
+            <a:schemeClr val="accent1">
+              <a:shade val="15000"/>
+            </a:schemeClr>
+          </a:lnRef>
+          <a:fillRef idx="1">
+            <a:schemeClr val="accent1"/>
+          </a:fillRef>
+          <a:effectRef idx="0">
+            <a:schemeClr val="accent1"/>
+          </a:effectRef>
+          <a:fontRef idx="minor">
+            <a:schemeClr val="lt1"/>
+          </a:fontRef>
+        </p:style>
+        <p:txBody>
+          <a:bodyPr rtlCol="0" anchor="ctr"/>
+          <a:lstStyle/>
+          <a:p>
+            <a:pPr algn="ctr"/>
+            <a:r>
+              <a:rPr lang="es-419" sz="1100" dirty="0" err="1">
+                <a:solidFill>
+                  <a:sysClr val="windowText" lastClr="000000"/>
+                </a:solidFill>
+                <a:latin typeface="Arial" panose="020B0604020202020204" pitchFamily="34" charset="0"/>
+                <a:cs typeface="Arial" panose="020B0604020202020204" pitchFamily="34" charset="0"/>
+              </a:rPr>
+              <a:t>Service</a:t>
+            </a:r>
+            <a:r>
+              <a:rPr lang="es-419" sz="1100" dirty="0">
+                <a:solidFill>
+                  <a:sysClr val="windowText" lastClr="000000"/>
+                </a:solidFill>
+                <a:latin typeface="Arial" panose="020B0604020202020204" pitchFamily="34" charset="0"/>
+                <a:cs typeface="Arial" panose="020B0604020202020204" pitchFamily="34" charset="0"/>
+              </a:rPr>
+              <a:t> B</a:t>
+            </a:r>
+          </a:p>
+        </p:txBody>
+      </p:sp>
+      <p:sp>
+        <p:nvSpPr>
+          <p:cNvPr id="8" name="Cylinder 7">
+            <a:extLst>
+              <a:ext uri="{FF2B5EF4-FFF2-40B4-BE49-F238E27FC236}">
+                <a16:creationId xmlns:a16="http://schemas.microsoft.com/office/drawing/2014/main" id="{420D4D88-CC62-2E7E-AB7A-10DBF5440D5F}"/>
+              </a:ext>
+            </a:extLst>
+          </p:cNvPr>
+          <p:cNvSpPr/>
+          <p:nvPr/>
+        </p:nvSpPr>
+        <p:spPr>
+          <a:xfrm>
+            <a:off x="2699381" y="5607490"/>
+            <a:ext cx="805758" cy="823865"/>
+          </a:xfrm>
+          <a:prstGeom prst="can">
+            <a:avLst/>
+          </a:prstGeom>
+          <a:solidFill>
+            <a:schemeClr val="bg1"/>
+          </a:solidFill>
+        </p:spPr>
+        <p:style>
+          <a:lnRef idx="2">
+            <a:schemeClr val="accent1">
+              <a:shade val="15000"/>
+            </a:schemeClr>
+          </a:lnRef>
+          <a:fillRef idx="1">
+            <a:schemeClr val="accent1"/>
+          </a:fillRef>
+          <a:effectRef idx="0">
+            <a:schemeClr val="accent1"/>
+          </a:effectRef>
+          <a:fontRef idx="minor">
+            <a:schemeClr val="lt1"/>
+          </a:fontRef>
+        </p:style>
+        <p:txBody>
+          <a:bodyPr rtlCol="0" anchor="ctr"/>
+          <a:lstStyle/>
+          <a:p>
+            <a:pPr algn="ctr"/>
+            <a:r>
+              <a:rPr lang="es-419" dirty="0">
+                <a:solidFill>
+                  <a:sysClr val="windowText" lastClr="000000"/>
+                </a:solidFill>
+              </a:rPr>
+              <a:t>DB</a:t>
+            </a:r>
+          </a:p>
+        </p:txBody>
+      </p:sp>
+      <p:cxnSp>
+        <p:nvCxnSpPr>
+          <p:cNvPr id="9" name="Straight Arrow Connector 8">
+            <a:extLst>
+              <a:ext uri="{FF2B5EF4-FFF2-40B4-BE49-F238E27FC236}">
+                <a16:creationId xmlns:a16="http://schemas.microsoft.com/office/drawing/2014/main" id="{3AE1CF30-9BFC-701B-288E-B2F03BDCC101}"/>
+              </a:ext>
+            </a:extLst>
+          </p:cNvPr>
+          <p:cNvCxnSpPr>
+            <a:cxnSpLocks/>
+            <a:endCxn id="8" idx="1"/>
+          </p:cNvCxnSpPr>
+          <p:nvPr/>
+        </p:nvCxnSpPr>
+        <p:spPr>
+          <a:xfrm>
+            <a:off x="3101235" y="4783624"/>
+            <a:ext cx="1025" cy="823866"/>
+          </a:xfrm>
+          <a:prstGeom prst="straightConnector1">
+            <a:avLst/>
+          </a:prstGeom>
+          <a:ln>
+            <a:tailEnd type="triangle"/>
+          </a:ln>
+        </p:spPr>
+        <p:style>
+          <a:lnRef idx="2">
+            <a:schemeClr val="accent1"/>
+          </a:lnRef>
+          <a:fillRef idx="0">
+            <a:schemeClr val="accent1"/>
+          </a:fillRef>
+          <a:effectRef idx="1">
+            <a:schemeClr val="accent1"/>
+          </a:effectRef>
+          <a:fontRef idx="minor">
+            <a:schemeClr val="tx1"/>
+          </a:fontRef>
+        </p:style>
+      </p:cxnSp>
+      <p:sp>
+        <p:nvSpPr>
+          <p:cNvPr id="16" name="Hexagon 15">
+            <a:extLst>
+              <a:ext uri="{FF2B5EF4-FFF2-40B4-BE49-F238E27FC236}">
+                <a16:creationId xmlns:a16="http://schemas.microsoft.com/office/drawing/2014/main" id="{1C0040FA-EF71-5450-095C-3BCEDAB8CAFB}"/>
+              </a:ext>
+            </a:extLst>
+          </p:cNvPr>
+          <p:cNvSpPr/>
+          <p:nvPr/>
+        </p:nvSpPr>
+        <p:spPr>
+          <a:xfrm>
+            <a:off x="4668614" y="3959759"/>
+            <a:ext cx="955683" cy="823865"/>
+          </a:xfrm>
+          <a:prstGeom prst="hexagon">
+            <a:avLst/>
+          </a:prstGeom>
+          <a:solidFill>
+            <a:schemeClr val="bg1"/>
+          </a:solidFill>
+        </p:spPr>
+        <p:style>
+          <a:lnRef idx="2">
+            <a:schemeClr val="accent1">
+              <a:shade val="15000"/>
+            </a:schemeClr>
+          </a:lnRef>
+          <a:fillRef idx="1">
+            <a:schemeClr val="accent1"/>
+          </a:fillRef>
+          <a:effectRef idx="0">
+            <a:schemeClr val="accent1"/>
+          </a:effectRef>
+          <a:fontRef idx="minor">
+            <a:schemeClr val="lt1"/>
+          </a:fontRef>
+        </p:style>
+        <p:txBody>
+          <a:bodyPr rtlCol="0" anchor="ctr"/>
+          <a:lstStyle/>
+          <a:p>
+            <a:pPr algn="ctr"/>
+            <a:r>
+              <a:rPr lang="es-419" sz="1100" dirty="0" err="1">
+                <a:solidFill>
+                  <a:sysClr val="windowText" lastClr="000000"/>
+                </a:solidFill>
+                <a:latin typeface="Arial" panose="020B0604020202020204" pitchFamily="34" charset="0"/>
+                <a:cs typeface="Arial" panose="020B0604020202020204" pitchFamily="34" charset="0"/>
+              </a:rPr>
+              <a:t>Service</a:t>
+            </a:r>
+            <a:r>
+              <a:rPr lang="es-419" sz="1100" dirty="0">
+                <a:solidFill>
+                  <a:sysClr val="windowText" lastClr="000000"/>
+                </a:solidFill>
+                <a:latin typeface="Arial" panose="020B0604020202020204" pitchFamily="34" charset="0"/>
+                <a:cs typeface="Arial" panose="020B0604020202020204" pitchFamily="34" charset="0"/>
+              </a:rPr>
+              <a:t> C</a:t>
+            </a:r>
+          </a:p>
+        </p:txBody>
+      </p:sp>
+      <p:sp>
+        <p:nvSpPr>
+          <p:cNvPr id="17" name="Cylinder 16">
+            <a:extLst>
+              <a:ext uri="{FF2B5EF4-FFF2-40B4-BE49-F238E27FC236}">
+                <a16:creationId xmlns:a16="http://schemas.microsoft.com/office/drawing/2014/main" id="{D8DC134E-6540-1C78-66FC-352C4CC246FF}"/>
+              </a:ext>
+            </a:extLst>
+          </p:cNvPr>
+          <p:cNvSpPr/>
+          <p:nvPr/>
+        </p:nvSpPr>
+        <p:spPr>
+          <a:xfrm>
+            <a:off x="4743576" y="5607490"/>
+            <a:ext cx="805758" cy="823865"/>
+          </a:xfrm>
+          <a:prstGeom prst="can">
+            <a:avLst/>
+          </a:prstGeom>
+          <a:solidFill>
+            <a:schemeClr val="bg1"/>
+          </a:solidFill>
+        </p:spPr>
+        <p:style>
+          <a:lnRef idx="2">
+            <a:schemeClr val="accent1">
+              <a:shade val="15000"/>
+            </a:schemeClr>
+          </a:lnRef>
+          <a:fillRef idx="1">
+            <a:schemeClr val="accent1"/>
+          </a:fillRef>
+          <a:effectRef idx="0">
+            <a:schemeClr val="accent1"/>
+          </a:effectRef>
+          <a:fontRef idx="minor">
+            <a:schemeClr val="lt1"/>
+          </a:fontRef>
+        </p:style>
+        <p:txBody>
+          <a:bodyPr rtlCol="0" anchor="ctr"/>
+          <a:lstStyle/>
+          <a:p>
+            <a:pPr algn="ctr"/>
+            <a:r>
+              <a:rPr lang="es-419" dirty="0">
+                <a:solidFill>
+                  <a:sysClr val="windowText" lastClr="000000"/>
+                </a:solidFill>
+              </a:rPr>
+              <a:t>DB</a:t>
+            </a:r>
+          </a:p>
+        </p:txBody>
+      </p:sp>
+      <p:cxnSp>
+        <p:nvCxnSpPr>
+          <p:cNvPr id="18" name="Straight Arrow Connector 17">
+            <a:extLst>
+              <a:ext uri="{FF2B5EF4-FFF2-40B4-BE49-F238E27FC236}">
+                <a16:creationId xmlns:a16="http://schemas.microsoft.com/office/drawing/2014/main" id="{FF5A0923-481F-3F89-794E-D545F76F87BD}"/>
+              </a:ext>
+            </a:extLst>
+          </p:cNvPr>
+          <p:cNvCxnSpPr>
+            <a:cxnSpLocks/>
+            <a:endCxn id="17" idx="1"/>
+          </p:cNvCxnSpPr>
+          <p:nvPr/>
+        </p:nvCxnSpPr>
+        <p:spPr>
+          <a:xfrm>
+            <a:off x="5145430" y="4783624"/>
+            <a:ext cx="1025" cy="823866"/>
+          </a:xfrm>
+          <a:prstGeom prst="straightConnector1">
+            <a:avLst/>
+          </a:prstGeom>
+          <a:ln>
+            <a:tailEnd type="triangle"/>
+          </a:ln>
+        </p:spPr>
+        <p:style>
+          <a:lnRef idx="2">
+            <a:schemeClr val="accent1"/>
+          </a:lnRef>
+          <a:fillRef idx="0">
+            <a:schemeClr val="accent1"/>
+          </a:fillRef>
+          <a:effectRef idx="1">
+            <a:schemeClr val="accent1"/>
+          </a:effectRef>
+          <a:fontRef idx="minor">
+            <a:schemeClr val="tx1"/>
+          </a:fontRef>
+        </p:style>
+      </p:cxnSp>
+      <p:sp>
+        <p:nvSpPr>
+          <p:cNvPr id="19" name="Hexagon 18">
+            <a:extLst>
+              <a:ext uri="{FF2B5EF4-FFF2-40B4-BE49-F238E27FC236}">
+                <a16:creationId xmlns:a16="http://schemas.microsoft.com/office/drawing/2014/main" id="{7420A8FC-E512-43B5-3858-16C32869E527}"/>
+              </a:ext>
+            </a:extLst>
+          </p:cNvPr>
+          <p:cNvSpPr/>
+          <p:nvPr/>
+        </p:nvSpPr>
+        <p:spPr>
+          <a:xfrm>
+            <a:off x="2650010" y="2049477"/>
+            <a:ext cx="955683" cy="823865"/>
+          </a:xfrm>
+          <a:prstGeom prst="hexagon">
+            <a:avLst/>
+          </a:prstGeom>
+          <a:solidFill>
+            <a:schemeClr val="bg1"/>
+          </a:solidFill>
+        </p:spPr>
+        <p:style>
+          <a:lnRef idx="2">
+            <a:schemeClr val="accent1">
+              <a:shade val="15000"/>
+            </a:schemeClr>
+          </a:lnRef>
+          <a:fillRef idx="1">
+            <a:schemeClr val="accent1"/>
+          </a:fillRef>
+          <a:effectRef idx="0">
+            <a:schemeClr val="accent1"/>
+          </a:effectRef>
+          <a:fontRef idx="minor">
+            <a:schemeClr val="lt1"/>
+          </a:fontRef>
+        </p:style>
+        <p:txBody>
+          <a:bodyPr rtlCol="0" anchor="ctr"/>
+          <a:lstStyle/>
+          <a:p>
+            <a:pPr algn="ctr"/>
+            <a:r>
+              <a:rPr lang="es-419" sz="1100" dirty="0" err="1">
+                <a:solidFill>
+                  <a:sysClr val="windowText" lastClr="000000"/>
+                </a:solidFill>
+                <a:latin typeface="Arial" panose="020B0604020202020204" pitchFamily="34" charset="0"/>
+                <a:cs typeface="Arial" panose="020B0604020202020204" pitchFamily="34" charset="0"/>
+              </a:rPr>
+              <a:t>Service</a:t>
+            </a:r>
+            <a:r>
+              <a:rPr lang="es-419" sz="1100" dirty="0">
+                <a:solidFill>
+                  <a:sysClr val="windowText" lastClr="000000"/>
+                </a:solidFill>
+                <a:latin typeface="Arial" panose="020B0604020202020204" pitchFamily="34" charset="0"/>
+                <a:cs typeface="Arial" panose="020B0604020202020204" pitchFamily="34" charset="0"/>
+              </a:rPr>
+              <a:t> X</a:t>
+            </a:r>
+          </a:p>
+        </p:txBody>
+      </p:sp>
+      <p:cxnSp>
+        <p:nvCxnSpPr>
+          <p:cNvPr id="21" name="Straight Arrow Connector 20">
+            <a:extLst>
+              <a:ext uri="{FF2B5EF4-FFF2-40B4-BE49-F238E27FC236}">
+                <a16:creationId xmlns:a16="http://schemas.microsoft.com/office/drawing/2014/main" id="{75646068-B467-8FEC-B916-EA6AEBB367AD}"/>
+              </a:ext>
+            </a:extLst>
+          </p:cNvPr>
+          <p:cNvCxnSpPr>
+            <a:stCxn id="19" idx="2"/>
+            <a:endCxn id="4" idx="5"/>
+          </p:cNvCxnSpPr>
+          <p:nvPr/>
+        </p:nvCxnSpPr>
+        <p:spPr>
+          <a:xfrm flipH="1">
+            <a:off x="1403878" y="2873342"/>
+            <a:ext cx="1452098" cy="1086417"/>
+          </a:xfrm>
+          <a:prstGeom prst="straightConnector1">
+            <a:avLst/>
+          </a:prstGeom>
+          <a:ln>
+            <a:tailEnd type="triangle"/>
+          </a:ln>
+        </p:spPr>
+        <p:style>
+          <a:lnRef idx="2">
+            <a:schemeClr val="accent1"/>
+          </a:lnRef>
+          <a:fillRef idx="0">
+            <a:schemeClr val="accent1"/>
+          </a:fillRef>
+          <a:effectRef idx="1">
+            <a:schemeClr val="accent1"/>
+          </a:effectRef>
+          <a:fontRef idx="minor">
+            <a:schemeClr val="tx1"/>
+          </a:fontRef>
+        </p:style>
+      </p:cxnSp>
+      <p:cxnSp>
+        <p:nvCxnSpPr>
+          <p:cNvPr id="23" name="Straight Arrow Connector 22">
+            <a:extLst>
+              <a:ext uri="{FF2B5EF4-FFF2-40B4-BE49-F238E27FC236}">
+                <a16:creationId xmlns:a16="http://schemas.microsoft.com/office/drawing/2014/main" id="{7F9D260D-0230-2724-8922-AD4185589ABF}"/>
+              </a:ext>
+            </a:extLst>
+          </p:cNvPr>
+          <p:cNvCxnSpPr/>
+          <p:nvPr/>
+        </p:nvCxnSpPr>
+        <p:spPr>
+          <a:xfrm>
+            <a:off x="3101235" y="2873342"/>
+            <a:ext cx="0" cy="1086417"/>
+          </a:xfrm>
+          <a:prstGeom prst="straightConnector1">
+            <a:avLst/>
+          </a:prstGeom>
+          <a:ln>
+            <a:tailEnd type="triangle"/>
+          </a:ln>
+        </p:spPr>
+        <p:style>
+          <a:lnRef idx="2">
+            <a:schemeClr val="accent1"/>
+          </a:lnRef>
+          <a:fillRef idx="0">
+            <a:schemeClr val="accent1"/>
+          </a:fillRef>
+          <a:effectRef idx="1">
+            <a:schemeClr val="accent1"/>
+          </a:effectRef>
+          <a:fontRef idx="minor">
+            <a:schemeClr val="tx1"/>
+          </a:fontRef>
+        </p:style>
+      </p:cxnSp>
+      <p:cxnSp>
+        <p:nvCxnSpPr>
+          <p:cNvPr id="25" name="Straight Arrow Connector 24">
+            <a:extLst>
+              <a:ext uri="{FF2B5EF4-FFF2-40B4-BE49-F238E27FC236}">
+                <a16:creationId xmlns:a16="http://schemas.microsoft.com/office/drawing/2014/main" id="{2DFEDB20-3F96-364B-7E04-3FDF451235EB}"/>
+              </a:ext>
+            </a:extLst>
+          </p:cNvPr>
+          <p:cNvCxnSpPr>
+            <a:endCxn id="16" idx="4"/>
+          </p:cNvCxnSpPr>
+          <p:nvPr/>
+        </p:nvCxnSpPr>
+        <p:spPr>
+          <a:xfrm>
+            <a:off x="3422210" y="2873342"/>
+            <a:ext cx="1452370" cy="1086417"/>
+          </a:xfrm>
+          <a:prstGeom prst="straightConnector1">
+            <a:avLst/>
+          </a:prstGeom>
+          <a:ln>
+            <a:tailEnd type="triangle"/>
+          </a:ln>
+        </p:spPr>
+        <p:style>
+          <a:lnRef idx="2">
+            <a:schemeClr val="accent1"/>
+          </a:lnRef>
+          <a:fillRef idx="0">
+            <a:schemeClr val="accent1"/>
+          </a:fillRef>
+          <a:effectRef idx="1">
+            <a:schemeClr val="accent1"/>
+          </a:effectRef>
+          <a:fontRef idx="minor">
+            <a:schemeClr val="tx1"/>
+          </a:fontRef>
+        </p:style>
+      </p:cxnSp>
+      <p:sp>
+        <p:nvSpPr>
+          <p:cNvPr id="26" name="Hexagon 25">
+            <a:extLst>
+              <a:ext uri="{FF2B5EF4-FFF2-40B4-BE49-F238E27FC236}">
+                <a16:creationId xmlns:a16="http://schemas.microsoft.com/office/drawing/2014/main" id="{E993AEEA-78F0-37F4-9CF2-09024E522987}"/>
+              </a:ext>
+            </a:extLst>
+          </p:cNvPr>
+          <p:cNvSpPr/>
+          <p:nvPr/>
+        </p:nvSpPr>
+        <p:spPr>
+          <a:xfrm>
+            <a:off x="6295827" y="3959759"/>
+            <a:ext cx="955683" cy="823865"/>
+          </a:xfrm>
+          <a:prstGeom prst="hexagon">
+            <a:avLst/>
+          </a:prstGeom>
+          <a:solidFill>
+            <a:schemeClr val="bg1"/>
+          </a:solidFill>
+        </p:spPr>
+        <p:style>
+          <a:lnRef idx="2">
+            <a:schemeClr val="accent1">
+              <a:shade val="15000"/>
+            </a:schemeClr>
+          </a:lnRef>
+          <a:fillRef idx="1">
+            <a:schemeClr val="accent1"/>
+          </a:fillRef>
+          <a:effectRef idx="0">
+            <a:schemeClr val="accent1"/>
+          </a:effectRef>
+          <a:fontRef idx="minor">
+            <a:schemeClr val="lt1"/>
+          </a:fontRef>
+        </p:style>
+        <p:txBody>
+          <a:bodyPr rtlCol="0" anchor="ctr"/>
+          <a:lstStyle/>
+          <a:p>
+            <a:pPr algn="ctr"/>
+            <a:r>
+              <a:rPr lang="es-419" sz="1100" dirty="0" err="1">
+                <a:solidFill>
+                  <a:sysClr val="windowText" lastClr="000000"/>
+                </a:solidFill>
+                <a:latin typeface="Arial" panose="020B0604020202020204" pitchFamily="34" charset="0"/>
+                <a:cs typeface="Arial" panose="020B0604020202020204" pitchFamily="34" charset="0"/>
+              </a:rPr>
+              <a:t>Service</a:t>
+            </a:r>
+            <a:r>
+              <a:rPr lang="es-419" sz="1100" dirty="0">
+                <a:solidFill>
+                  <a:sysClr val="windowText" lastClr="000000"/>
+                </a:solidFill>
+                <a:latin typeface="Arial" panose="020B0604020202020204" pitchFamily="34" charset="0"/>
+                <a:cs typeface="Arial" panose="020B0604020202020204" pitchFamily="34" charset="0"/>
+              </a:rPr>
+              <a:t> A</a:t>
+            </a:r>
+          </a:p>
+        </p:txBody>
+      </p:sp>
+      <p:sp>
+        <p:nvSpPr>
+          <p:cNvPr id="27" name="Cylinder 26">
+            <a:extLst>
+              <a:ext uri="{FF2B5EF4-FFF2-40B4-BE49-F238E27FC236}">
+                <a16:creationId xmlns:a16="http://schemas.microsoft.com/office/drawing/2014/main" id="{E5B49053-C181-9291-5D64-CB7F48EC0776}"/>
+              </a:ext>
+            </a:extLst>
+          </p:cNvPr>
+          <p:cNvSpPr/>
+          <p:nvPr/>
+        </p:nvSpPr>
+        <p:spPr>
+          <a:xfrm>
+            <a:off x="6370789" y="5607490"/>
+            <a:ext cx="805758" cy="823865"/>
+          </a:xfrm>
+          <a:prstGeom prst="can">
+            <a:avLst/>
+          </a:prstGeom>
+          <a:solidFill>
+            <a:schemeClr val="bg1"/>
+          </a:solidFill>
+        </p:spPr>
+        <p:style>
+          <a:lnRef idx="2">
+            <a:schemeClr val="accent1">
+              <a:shade val="15000"/>
+            </a:schemeClr>
+          </a:lnRef>
+          <a:fillRef idx="1">
+            <a:schemeClr val="accent1"/>
+          </a:fillRef>
+          <a:effectRef idx="0">
+            <a:schemeClr val="accent1"/>
+          </a:effectRef>
+          <a:fontRef idx="minor">
+            <a:schemeClr val="lt1"/>
+          </a:fontRef>
+        </p:style>
+        <p:txBody>
+          <a:bodyPr rtlCol="0" anchor="ctr"/>
+          <a:lstStyle/>
+          <a:p>
+            <a:pPr algn="ctr"/>
+            <a:r>
+              <a:rPr lang="es-419" dirty="0">
+                <a:solidFill>
+                  <a:sysClr val="windowText" lastClr="000000"/>
+                </a:solidFill>
+              </a:rPr>
+              <a:t>DB</a:t>
+            </a:r>
+          </a:p>
+        </p:txBody>
+      </p:sp>
+      <p:cxnSp>
+        <p:nvCxnSpPr>
+          <p:cNvPr id="28" name="Straight Arrow Connector 27">
+            <a:extLst>
+              <a:ext uri="{FF2B5EF4-FFF2-40B4-BE49-F238E27FC236}">
+                <a16:creationId xmlns:a16="http://schemas.microsoft.com/office/drawing/2014/main" id="{76CE23D7-BFED-001A-30DB-6890702D67BF}"/>
+              </a:ext>
+            </a:extLst>
+          </p:cNvPr>
+          <p:cNvCxnSpPr>
+            <a:cxnSpLocks/>
+            <a:endCxn id="27" idx="1"/>
+          </p:cNvCxnSpPr>
+          <p:nvPr/>
+        </p:nvCxnSpPr>
+        <p:spPr>
+          <a:xfrm>
+            <a:off x="6772643" y="4783624"/>
+            <a:ext cx="1025" cy="823866"/>
+          </a:xfrm>
+          <a:prstGeom prst="straightConnector1">
+            <a:avLst/>
+          </a:prstGeom>
+          <a:ln>
+            <a:tailEnd type="triangle"/>
+          </a:ln>
+        </p:spPr>
+        <p:style>
+          <a:lnRef idx="2">
+            <a:schemeClr val="accent1"/>
+          </a:lnRef>
+          <a:fillRef idx="0">
+            <a:schemeClr val="accent1"/>
+          </a:fillRef>
+          <a:effectRef idx="1">
+            <a:schemeClr val="accent1"/>
+          </a:effectRef>
+          <a:fontRef idx="minor">
+            <a:schemeClr val="tx1"/>
+          </a:fontRef>
+        </p:style>
+      </p:cxnSp>
+      <p:sp>
+        <p:nvSpPr>
+          <p:cNvPr id="29" name="Hexagon 28">
+            <a:extLst>
+              <a:ext uri="{FF2B5EF4-FFF2-40B4-BE49-F238E27FC236}">
+                <a16:creationId xmlns:a16="http://schemas.microsoft.com/office/drawing/2014/main" id="{F0326475-BE54-9A0C-EDAF-6C1F9E94CDBE}"/>
+              </a:ext>
+            </a:extLst>
+          </p:cNvPr>
+          <p:cNvSpPr/>
+          <p:nvPr/>
+        </p:nvSpPr>
+        <p:spPr>
+          <a:xfrm>
+            <a:off x="8266085" y="3959759"/>
+            <a:ext cx="955683" cy="823865"/>
+          </a:xfrm>
+          <a:prstGeom prst="hexagon">
+            <a:avLst/>
+          </a:prstGeom>
+          <a:solidFill>
+            <a:schemeClr val="bg1"/>
+          </a:solidFill>
+        </p:spPr>
+        <p:style>
+          <a:lnRef idx="2">
+            <a:schemeClr val="accent1">
+              <a:shade val="15000"/>
+            </a:schemeClr>
+          </a:lnRef>
+          <a:fillRef idx="1">
+            <a:schemeClr val="accent1"/>
+          </a:fillRef>
+          <a:effectRef idx="0">
+            <a:schemeClr val="accent1"/>
+          </a:effectRef>
+          <a:fontRef idx="minor">
+            <a:schemeClr val="lt1"/>
+          </a:fontRef>
+        </p:style>
+        <p:txBody>
+          <a:bodyPr rtlCol="0" anchor="ctr"/>
+          <a:lstStyle/>
+          <a:p>
+            <a:pPr algn="ctr"/>
+            <a:r>
+              <a:rPr lang="es-419" sz="1100" dirty="0" err="1">
+                <a:solidFill>
+                  <a:sysClr val="windowText" lastClr="000000"/>
+                </a:solidFill>
+                <a:latin typeface="Arial" panose="020B0604020202020204" pitchFamily="34" charset="0"/>
+                <a:cs typeface="Arial" panose="020B0604020202020204" pitchFamily="34" charset="0"/>
+              </a:rPr>
+              <a:t>Service</a:t>
+            </a:r>
+            <a:r>
+              <a:rPr lang="es-419" sz="1100" dirty="0">
+                <a:solidFill>
+                  <a:sysClr val="windowText" lastClr="000000"/>
+                </a:solidFill>
+                <a:latin typeface="Arial" panose="020B0604020202020204" pitchFamily="34" charset="0"/>
+                <a:cs typeface="Arial" panose="020B0604020202020204" pitchFamily="34" charset="0"/>
+              </a:rPr>
+              <a:t> B</a:t>
+            </a:r>
+          </a:p>
+        </p:txBody>
+      </p:sp>
+      <p:sp>
+        <p:nvSpPr>
+          <p:cNvPr id="30" name="Cylinder 29">
+            <a:extLst>
+              <a:ext uri="{FF2B5EF4-FFF2-40B4-BE49-F238E27FC236}">
+                <a16:creationId xmlns:a16="http://schemas.microsoft.com/office/drawing/2014/main" id="{5D570CDB-1D72-33BD-0A87-C96F4B1F0D64}"/>
+              </a:ext>
+            </a:extLst>
+          </p:cNvPr>
+          <p:cNvSpPr/>
+          <p:nvPr/>
+        </p:nvSpPr>
+        <p:spPr>
+          <a:xfrm>
+            <a:off x="8341047" y="5607490"/>
+            <a:ext cx="805758" cy="823865"/>
+          </a:xfrm>
+          <a:prstGeom prst="can">
+            <a:avLst/>
+          </a:prstGeom>
+          <a:solidFill>
+            <a:schemeClr val="bg1"/>
+          </a:solidFill>
+        </p:spPr>
+        <p:style>
+          <a:lnRef idx="2">
+            <a:schemeClr val="accent1">
+              <a:shade val="15000"/>
+            </a:schemeClr>
+          </a:lnRef>
+          <a:fillRef idx="1">
+            <a:schemeClr val="accent1"/>
+          </a:fillRef>
+          <a:effectRef idx="0">
+            <a:schemeClr val="accent1"/>
+          </a:effectRef>
+          <a:fontRef idx="minor">
+            <a:schemeClr val="lt1"/>
+          </a:fontRef>
+        </p:style>
+        <p:txBody>
+          <a:bodyPr rtlCol="0" anchor="ctr"/>
+          <a:lstStyle/>
+          <a:p>
+            <a:pPr algn="ctr"/>
+            <a:r>
+              <a:rPr lang="es-419" dirty="0">
+                <a:solidFill>
+                  <a:sysClr val="windowText" lastClr="000000"/>
+                </a:solidFill>
+              </a:rPr>
+              <a:t>DB</a:t>
+            </a:r>
+          </a:p>
+        </p:txBody>
+      </p:sp>
+      <p:cxnSp>
+        <p:nvCxnSpPr>
+          <p:cNvPr id="31" name="Straight Arrow Connector 30">
+            <a:extLst>
+              <a:ext uri="{FF2B5EF4-FFF2-40B4-BE49-F238E27FC236}">
+                <a16:creationId xmlns:a16="http://schemas.microsoft.com/office/drawing/2014/main" id="{91858E88-60EE-B05D-76AD-49847FD59E7F}"/>
+              </a:ext>
+            </a:extLst>
+          </p:cNvPr>
+          <p:cNvCxnSpPr>
+            <a:cxnSpLocks/>
+            <a:endCxn id="30" idx="1"/>
+          </p:cNvCxnSpPr>
+          <p:nvPr/>
+        </p:nvCxnSpPr>
+        <p:spPr>
+          <a:xfrm>
+            <a:off x="8742901" y="4783624"/>
+            <a:ext cx="1025" cy="823866"/>
+          </a:xfrm>
+          <a:prstGeom prst="straightConnector1">
+            <a:avLst/>
+          </a:prstGeom>
+          <a:ln>
+            <a:tailEnd type="triangle"/>
+          </a:ln>
+        </p:spPr>
+        <p:style>
+          <a:lnRef idx="2">
+            <a:schemeClr val="accent1"/>
+          </a:lnRef>
+          <a:fillRef idx="0">
+            <a:schemeClr val="accent1"/>
+          </a:fillRef>
+          <a:effectRef idx="1">
+            <a:schemeClr val="accent1"/>
+          </a:effectRef>
+          <a:fontRef idx="minor">
+            <a:schemeClr val="tx1"/>
+          </a:fontRef>
+        </p:style>
+      </p:cxnSp>
+      <p:sp>
+        <p:nvSpPr>
+          <p:cNvPr id="32" name="Hexagon 31">
+            <a:extLst>
+              <a:ext uri="{FF2B5EF4-FFF2-40B4-BE49-F238E27FC236}">
+                <a16:creationId xmlns:a16="http://schemas.microsoft.com/office/drawing/2014/main" id="{01F9A872-6771-DD3A-CE68-1DC05FFC62E1}"/>
+              </a:ext>
+            </a:extLst>
+          </p:cNvPr>
+          <p:cNvSpPr/>
+          <p:nvPr/>
+        </p:nvSpPr>
+        <p:spPr>
+          <a:xfrm>
+            <a:off x="10310280" y="3959759"/>
+            <a:ext cx="955683" cy="823865"/>
+          </a:xfrm>
+          <a:prstGeom prst="hexagon">
+            <a:avLst/>
+          </a:prstGeom>
+          <a:solidFill>
+            <a:schemeClr val="bg1"/>
+          </a:solidFill>
+        </p:spPr>
+        <p:style>
+          <a:lnRef idx="2">
+            <a:schemeClr val="accent1">
+              <a:shade val="15000"/>
+            </a:schemeClr>
+          </a:lnRef>
+          <a:fillRef idx="1">
+            <a:schemeClr val="accent1"/>
+          </a:fillRef>
+          <a:effectRef idx="0">
+            <a:schemeClr val="accent1"/>
+          </a:effectRef>
+          <a:fontRef idx="minor">
+            <a:schemeClr val="lt1"/>
+          </a:fontRef>
+        </p:style>
+        <p:txBody>
+          <a:bodyPr rtlCol="0" anchor="ctr"/>
+          <a:lstStyle/>
+          <a:p>
+            <a:pPr algn="ctr"/>
+            <a:r>
+              <a:rPr lang="es-419" sz="1100" dirty="0" err="1">
+                <a:solidFill>
+                  <a:sysClr val="windowText" lastClr="000000"/>
+                </a:solidFill>
+                <a:latin typeface="Arial" panose="020B0604020202020204" pitchFamily="34" charset="0"/>
+                <a:cs typeface="Arial" panose="020B0604020202020204" pitchFamily="34" charset="0"/>
+              </a:rPr>
+              <a:t>Service</a:t>
+            </a:r>
+            <a:r>
+              <a:rPr lang="es-419" sz="1100" dirty="0">
+                <a:solidFill>
+                  <a:sysClr val="windowText" lastClr="000000"/>
+                </a:solidFill>
+                <a:latin typeface="Arial" panose="020B0604020202020204" pitchFamily="34" charset="0"/>
+                <a:cs typeface="Arial" panose="020B0604020202020204" pitchFamily="34" charset="0"/>
+              </a:rPr>
+              <a:t> C</a:t>
+            </a:r>
+          </a:p>
+        </p:txBody>
+      </p:sp>
+      <p:sp>
+        <p:nvSpPr>
+          <p:cNvPr id="33" name="Cylinder 32">
+            <a:extLst>
+              <a:ext uri="{FF2B5EF4-FFF2-40B4-BE49-F238E27FC236}">
+                <a16:creationId xmlns:a16="http://schemas.microsoft.com/office/drawing/2014/main" id="{A6614A1C-863A-E983-299C-45F62B295DCC}"/>
+              </a:ext>
+            </a:extLst>
+          </p:cNvPr>
+          <p:cNvSpPr/>
+          <p:nvPr/>
+        </p:nvSpPr>
+        <p:spPr>
+          <a:xfrm>
+            <a:off x="10385242" y="5607490"/>
+            <a:ext cx="805758" cy="823865"/>
+          </a:xfrm>
+          <a:prstGeom prst="can">
+            <a:avLst/>
+          </a:prstGeom>
+          <a:solidFill>
+            <a:schemeClr val="bg1"/>
+          </a:solidFill>
+        </p:spPr>
+        <p:style>
+          <a:lnRef idx="2">
+            <a:schemeClr val="accent1">
+              <a:shade val="15000"/>
+            </a:schemeClr>
+          </a:lnRef>
+          <a:fillRef idx="1">
+            <a:schemeClr val="accent1"/>
+          </a:fillRef>
+          <a:effectRef idx="0">
+            <a:schemeClr val="accent1"/>
+          </a:effectRef>
+          <a:fontRef idx="minor">
+            <a:schemeClr val="lt1"/>
+          </a:fontRef>
+        </p:style>
+        <p:txBody>
+          <a:bodyPr rtlCol="0" anchor="ctr"/>
+          <a:lstStyle/>
+          <a:p>
+            <a:pPr algn="ctr"/>
+            <a:r>
+              <a:rPr lang="es-419" dirty="0">
+                <a:solidFill>
+                  <a:sysClr val="windowText" lastClr="000000"/>
+                </a:solidFill>
+              </a:rPr>
+              <a:t>DB</a:t>
+            </a:r>
+          </a:p>
+        </p:txBody>
+      </p:sp>
+      <p:cxnSp>
+        <p:nvCxnSpPr>
+          <p:cNvPr id="34" name="Straight Arrow Connector 33">
+            <a:extLst>
+              <a:ext uri="{FF2B5EF4-FFF2-40B4-BE49-F238E27FC236}">
+                <a16:creationId xmlns:a16="http://schemas.microsoft.com/office/drawing/2014/main" id="{C68B37CC-804E-6BB7-7DA5-4A0E671D4525}"/>
+              </a:ext>
+            </a:extLst>
+          </p:cNvPr>
+          <p:cNvCxnSpPr>
+            <a:cxnSpLocks/>
+            <a:endCxn id="33" idx="1"/>
+          </p:cNvCxnSpPr>
+          <p:nvPr/>
+        </p:nvCxnSpPr>
+        <p:spPr>
+          <a:xfrm>
+            <a:off x="10787096" y="4783624"/>
+            <a:ext cx="1025" cy="823866"/>
+          </a:xfrm>
+          <a:prstGeom prst="straightConnector1">
+            <a:avLst/>
+          </a:prstGeom>
+          <a:ln>
+            <a:tailEnd type="triangle"/>
+          </a:ln>
+        </p:spPr>
+        <p:style>
+          <a:lnRef idx="2">
+            <a:schemeClr val="accent1"/>
+          </a:lnRef>
+          <a:fillRef idx="0">
+            <a:schemeClr val="accent1"/>
+          </a:fillRef>
+          <a:effectRef idx="1">
+            <a:schemeClr val="accent1"/>
+          </a:effectRef>
+          <a:fontRef idx="minor">
+            <a:schemeClr val="tx1"/>
+          </a:fontRef>
+        </p:style>
+      </p:cxnSp>
+      <p:sp>
+        <p:nvSpPr>
+          <p:cNvPr id="35" name="Hexagon 34">
+            <a:extLst>
+              <a:ext uri="{FF2B5EF4-FFF2-40B4-BE49-F238E27FC236}">
+                <a16:creationId xmlns:a16="http://schemas.microsoft.com/office/drawing/2014/main" id="{7D741ED3-6D0F-7B6F-306F-B10E4B50FD03}"/>
+              </a:ext>
+            </a:extLst>
+          </p:cNvPr>
+          <p:cNvSpPr/>
+          <p:nvPr/>
+        </p:nvSpPr>
+        <p:spPr>
+          <a:xfrm>
+            <a:off x="8291676" y="2049477"/>
+            <a:ext cx="955683" cy="823865"/>
+          </a:xfrm>
+          <a:prstGeom prst="hexagon">
+            <a:avLst/>
+          </a:prstGeom>
+          <a:solidFill>
+            <a:schemeClr val="bg1"/>
+          </a:solidFill>
+        </p:spPr>
+        <p:style>
+          <a:lnRef idx="2">
+            <a:schemeClr val="accent1">
+              <a:shade val="15000"/>
+            </a:schemeClr>
+          </a:lnRef>
+          <a:fillRef idx="1">
+            <a:schemeClr val="accent1"/>
+          </a:fillRef>
+          <a:effectRef idx="0">
+            <a:schemeClr val="accent1"/>
+          </a:effectRef>
+          <a:fontRef idx="minor">
+            <a:schemeClr val="lt1"/>
+          </a:fontRef>
+        </p:style>
+        <p:txBody>
+          <a:bodyPr rtlCol="0" anchor="ctr"/>
+          <a:lstStyle/>
+          <a:p>
+            <a:pPr algn="ctr"/>
+            <a:r>
+              <a:rPr lang="es-419" sz="1100" dirty="0" err="1">
+                <a:solidFill>
+                  <a:sysClr val="windowText" lastClr="000000"/>
+                </a:solidFill>
+                <a:latin typeface="Arial" panose="020B0604020202020204" pitchFamily="34" charset="0"/>
+                <a:cs typeface="Arial" panose="020B0604020202020204" pitchFamily="34" charset="0"/>
+              </a:rPr>
+              <a:t>Service</a:t>
+            </a:r>
+            <a:r>
+              <a:rPr lang="es-419" sz="1100" dirty="0">
+                <a:solidFill>
+                  <a:sysClr val="windowText" lastClr="000000"/>
+                </a:solidFill>
+                <a:latin typeface="Arial" panose="020B0604020202020204" pitchFamily="34" charset="0"/>
+                <a:cs typeface="Arial" panose="020B0604020202020204" pitchFamily="34" charset="0"/>
+              </a:rPr>
+              <a:t> X</a:t>
+            </a:r>
+          </a:p>
+        </p:txBody>
+      </p:sp>
+      <p:cxnSp>
+        <p:nvCxnSpPr>
+          <p:cNvPr id="36" name="Straight Arrow Connector 35">
+            <a:extLst>
+              <a:ext uri="{FF2B5EF4-FFF2-40B4-BE49-F238E27FC236}">
+                <a16:creationId xmlns:a16="http://schemas.microsoft.com/office/drawing/2014/main" id="{FB2C1F25-06A4-7F5C-4CB1-345DA8661991}"/>
+              </a:ext>
+            </a:extLst>
+          </p:cNvPr>
+          <p:cNvCxnSpPr>
+            <a:cxnSpLocks/>
+            <a:stCxn id="35" idx="2"/>
+            <a:endCxn id="26" idx="5"/>
+          </p:cNvCxnSpPr>
+          <p:nvPr/>
+        </p:nvCxnSpPr>
+        <p:spPr>
+          <a:xfrm flipH="1">
+            <a:off x="7045544" y="2873342"/>
+            <a:ext cx="1452098" cy="1086417"/>
+          </a:xfrm>
+          <a:prstGeom prst="straightConnector1">
+            <a:avLst/>
+          </a:prstGeom>
+          <a:ln>
+            <a:tailEnd type="triangle"/>
+          </a:ln>
+        </p:spPr>
+        <p:style>
+          <a:lnRef idx="2">
+            <a:schemeClr val="accent1"/>
+          </a:lnRef>
+          <a:fillRef idx="0">
+            <a:schemeClr val="accent1"/>
+          </a:fillRef>
+          <a:effectRef idx="1">
+            <a:schemeClr val="accent1"/>
+          </a:effectRef>
+          <a:fontRef idx="minor">
+            <a:schemeClr val="tx1"/>
+          </a:fontRef>
+        </p:style>
+      </p:cxnSp>
+      <p:cxnSp>
+        <p:nvCxnSpPr>
+          <p:cNvPr id="37" name="Straight Arrow Connector 36">
+            <a:extLst>
+              <a:ext uri="{FF2B5EF4-FFF2-40B4-BE49-F238E27FC236}">
+                <a16:creationId xmlns:a16="http://schemas.microsoft.com/office/drawing/2014/main" id="{15D7BE49-A5C6-3584-7374-A12CD1C027B2}"/>
+              </a:ext>
+            </a:extLst>
+          </p:cNvPr>
+          <p:cNvCxnSpPr/>
+          <p:nvPr/>
+        </p:nvCxnSpPr>
+        <p:spPr>
+          <a:xfrm>
+            <a:off x="8742901" y="2873342"/>
+            <a:ext cx="0" cy="1086417"/>
+          </a:xfrm>
+          <a:prstGeom prst="straightConnector1">
+            <a:avLst/>
+          </a:prstGeom>
+          <a:ln>
+            <a:tailEnd type="triangle"/>
+          </a:ln>
+        </p:spPr>
+        <p:style>
+          <a:lnRef idx="2">
+            <a:schemeClr val="accent1"/>
+          </a:lnRef>
+          <a:fillRef idx="0">
+            <a:schemeClr val="accent1"/>
+          </a:fillRef>
+          <a:effectRef idx="1">
+            <a:schemeClr val="accent1"/>
+          </a:effectRef>
+          <a:fontRef idx="minor">
+            <a:schemeClr val="tx1"/>
+          </a:fontRef>
+        </p:style>
+      </p:cxnSp>
+      <p:cxnSp>
+        <p:nvCxnSpPr>
+          <p:cNvPr id="38" name="Straight Arrow Connector 37">
+            <a:extLst>
+              <a:ext uri="{FF2B5EF4-FFF2-40B4-BE49-F238E27FC236}">
+                <a16:creationId xmlns:a16="http://schemas.microsoft.com/office/drawing/2014/main" id="{DC066832-E357-876A-ADA6-CBCF3F0D7563}"/>
+              </a:ext>
+            </a:extLst>
+          </p:cNvPr>
+          <p:cNvCxnSpPr>
+            <a:cxnSpLocks/>
+            <a:endCxn id="32" idx="4"/>
+          </p:cNvCxnSpPr>
+          <p:nvPr/>
+        </p:nvCxnSpPr>
+        <p:spPr>
+          <a:xfrm>
+            <a:off x="9063876" y="2873342"/>
+            <a:ext cx="1452370" cy="1086417"/>
+          </a:xfrm>
+          <a:prstGeom prst="straightConnector1">
+            <a:avLst/>
+          </a:prstGeom>
+          <a:ln>
+            <a:tailEnd type="triangle"/>
+          </a:ln>
+        </p:spPr>
+        <p:style>
+          <a:lnRef idx="2">
+            <a:schemeClr val="accent1"/>
+          </a:lnRef>
+          <a:fillRef idx="0">
+            <a:schemeClr val="accent1"/>
+          </a:fillRef>
+          <a:effectRef idx="1">
+            <a:schemeClr val="accent1"/>
+          </a:effectRef>
+          <a:fontRef idx="minor">
+            <a:schemeClr val="tx1"/>
+          </a:fontRef>
+        </p:style>
+      </p:cxnSp>
+      <p:sp>
+        <p:nvSpPr>
+          <p:cNvPr id="39" name="Cylinder 38">
+            <a:extLst>
+              <a:ext uri="{FF2B5EF4-FFF2-40B4-BE49-F238E27FC236}">
+                <a16:creationId xmlns:a16="http://schemas.microsoft.com/office/drawing/2014/main" id="{72C5B00D-058E-AC09-96DF-88C621C8596C}"/>
+              </a:ext>
+            </a:extLst>
+          </p:cNvPr>
+          <p:cNvSpPr/>
+          <p:nvPr/>
+        </p:nvSpPr>
+        <p:spPr>
+          <a:xfrm>
+            <a:off x="10265727" y="2049477"/>
+            <a:ext cx="805758" cy="823865"/>
+          </a:xfrm>
+          <a:prstGeom prst="can">
+            <a:avLst/>
+          </a:prstGeom>
+          <a:solidFill>
+            <a:schemeClr val="bg1"/>
+          </a:solidFill>
+        </p:spPr>
+        <p:style>
+          <a:lnRef idx="2">
+            <a:schemeClr val="accent1">
+              <a:shade val="15000"/>
+            </a:schemeClr>
+          </a:lnRef>
+          <a:fillRef idx="1">
+            <a:schemeClr val="accent1"/>
+          </a:fillRef>
+          <a:effectRef idx="0">
+            <a:schemeClr val="accent1"/>
+          </a:effectRef>
+          <a:fontRef idx="minor">
+            <a:schemeClr val="lt1"/>
+          </a:fontRef>
+        </p:style>
+        <p:txBody>
+          <a:bodyPr rtlCol="0" anchor="ctr"/>
+          <a:lstStyle/>
+          <a:p>
+            <a:pPr algn="ctr"/>
+            <a:r>
+              <a:rPr lang="es-419" dirty="0">
+                <a:solidFill>
+                  <a:sysClr val="windowText" lastClr="000000"/>
+                </a:solidFill>
+              </a:rPr>
+              <a:t>DB</a:t>
+            </a:r>
+          </a:p>
+        </p:txBody>
+      </p:sp>
+      <p:cxnSp>
+        <p:nvCxnSpPr>
+          <p:cNvPr id="41" name="Straight Arrow Connector 40">
+            <a:extLst>
+              <a:ext uri="{FF2B5EF4-FFF2-40B4-BE49-F238E27FC236}">
+                <a16:creationId xmlns:a16="http://schemas.microsoft.com/office/drawing/2014/main" id="{97FC184E-8F15-5AD1-BB0D-CB3270BF0DF5}"/>
+              </a:ext>
+            </a:extLst>
+          </p:cNvPr>
+          <p:cNvCxnSpPr>
+            <a:stCxn id="35" idx="0"/>
+            <a:endCxn id="39" idx="2"/>
+          </p:cNvCxnSpPr>
+          <p:nvPr/>
+        </p:nvCxnSpPr>
+        <p:spPr>
+          <a:xfrm>
+            <a:off x="9247359" y="2461410"/>
+            <a:ext cx="1018368" cy="0"/>
+          </a:xfrm>
+          <a:prstGeom prst="straightConnector1">
+            <a:avLst/>
+          </a:prstGeom>
+          <a:ln>
+            <a:tailEnd type="triangle"/>
+          </a:ln>
+        </p:spPr>
+        <p:style>
+          <a:lnRef idx="2">
+            <a:schemeClr val="accent1"/>
+          </a:lnRef>
+          <a:fillRef idx="0">
+            <a:schemeClr val="accent1"/>
+          </a:fillRef>
+          <a:effectRef idx="1">
+            <a:schemeClr val="accent1"/>
+          </a:effectRef>
+          <a:fontRef idx="minor">
+            <a:schemeClr val="tx1"/>
+          </a:fontRef>
+        </p:style>
+      </p:cxnSp>
       <p:grpSp>
         <p:nvGrpSpPr>
-          <p:cNvPr id="9" name="Group 8">
-            <a:extLst>
-              <a:ext uri="{FF2B5EF4-FFF2-40B4-BE49-F238E27FC236}">
-                <a16:creationId xmlns:a16="http://schemas.microsoft.com/office/drawing/2014/main" id="{588DEB2D-AAE1-6806-C5E6-657EB145865A}"/>
+          <p:cNvPr id="45" name="Group 44">
+            <a:extLst>
+              <a:ext uri="{FF2B5EF4-FFF2-40B4-BE49-F238E27FC236}">
+                <a16:creationId xmlns:a16="http://schemas.microsoft.com/office/drawing/2014/main" id="{2E4A4DDB-CC80-8D62-E321-BAC930BDCFCF}"/>
               </a:ext>
             </a:extLst>
           </p:cNvPr>
@@ -3889,18 +10541,18 @@
         </p:nvGrpSpPr>
         <p:grpSpPr>
           <a:xfrm>
-            <a:off x="582979" y="1322580"/>
-            <a:ext cx="1105046" cy="1105046"/>
-            <a:chOff x="573742" y="1407460"/>
-            <a:chExt cx="1757082" cy="1757082"/>
+            <a:off x="2651775" y="270470"/>
+            <a:ext cx="898919" cy="823866"/>
+            <a:chOff x="654161" y="262550"/>
+            <a:chExt cx="1452098" cy="1330859"/>
           </a:xfrm>
         </p:grpSpPr>
         <p:sp>
           <p:nvSpPr>
-            <p:cNvPr id="7" name="Rectangle: Rounded Corners 6">
+            <p:cNvPr id="42" name="Rectangle: Rounded Corners 41">
               <a:extLst>
                 <a:ext uri="{FF2B5EF4-FFF2-40B4-BE49-F238E27FC236}">
-                  <a16:creationId xmlns:a16="http://schemas.microsoft.com/office/drawing/2014/main" id="{79CAA9C6-5C80-9140-441E-64283A252D0D}"/>
+                  <a16:creationId xmlns:a16="http://schemas.microsoft.com/office/drawing/2014/main" id="{5EA07D15-64B9-98C3-6B01-5110507F4A53}"/>
                 </a:ext>
               </a:extLst>
             </p:cNvPr>
@@ -3909,25 +10561,28 @@
           </p:nvSpPr>
           <p:spPr>
             <a:xfrm>
-              <a:off x="681318" y="1407460"/>
-              <a:ext cx="1649506" cy="1246094"/>
+              <a:off x="654161" y="262550"/>
+              <a:ext cx="1452098" cy="823865"/>
             </a:xfrm>
             <a:prstGeom prst="roundRect">
               <a:avLst/>
             </a:prstGeom>
+            <a:noFill/>
           </p:spPr>
           <p:style>
             <a:lnRef idx="2">
-              <a:schemeClr val="dk1"/>
+              <a:schemeClr val="accent1">
+                <a:shade val="15000"/>
+              </a:schemeClr>
             </a:lnRef>
             <a:fillRef idx="1">
-              <a:schemeClr val="lt1"/>
+              <a:schemeClr val="accent1"/>
             </a:fillRef>
             <a:effectRef idx="0">
-              <a:schemeClr val="dk1"/>
+              <a:schemeClr val="accent1"/>
             </a:effectRef>
             <a:fontRef idx="minor">
-              <a:schemeClr val="dk1"/>
+              <a:schemeClr val="lt1"/>
             </a:fontRef>
           </p:style>
           <p:txBody>
@@ -3941,10 +10596,10 @@
         </p:sp>
         <p:sp>
           <p:nvSpPr>
-            <p:cNvPr id="8" name="Parallelogram 7">
+            <p:cNvPr id="44" name="Parallelogram 43">
               <a:extLst>
                 <a:ext uri="{FF2B5EF4-FFF2-40B4-BE49-F238E27FC236}">
-                  <a16:creationId xmlns:a16="http://schemas.microsoft.com/office/drawing/2014/main" id="{6B79036A-BD7D-D7EB-B1CF-8E080C764857}"/>
+                  <a16:creationId xmlns:a16="http://schemas.microsoft.com/office/drawing/2014/main" id="{0F22A94A-0B4A-F8FB-B8F4-B2FE5F95E340}"/>
                 </a:ext>
               </a:extLst>
             </p:cNvPr>
@@ -3953,8 +10608,8 @@
           </p:nvSpPr>
           <p:spPr>
             <a:xfrm>
-              <a:off x="573742" y="2779059"/>
-              <a:ext cx="1730188" cy="385483"/>
+              <a:off x="654161" y="1213165"/>
+              <a:ext cx="1452098" cy="380244"/>
             </a:xfrm>
             <a:prstGeom prst="parallelogram">
               <a:avLst/>
@@ -3989,23 +10644,150 @@
       </p:grpSp>
       <p:cxnSp>
         <p:nvCxnSpPr>
-          <p:cNvPr id="11" name="Straight Arrow Connector 10">
-            <a:extLst>
-              <a:ext uri="{FF2B5EF4-FFF2-40B4-BE49-F238E27FC236}">
-                <a16:creationId xmlns:a16="http://schemas.microsoft.com/office/drawing/2014/main" id="{4F1AE990-619D-F05F-6BE4-59F152250F84}"/>
+          <p:cNvPr id="47" name="Straight Arrow Connector 46">
+            <a:extLst>
+              <a:ext uri="{FF2B5EF4-FFF2-40B4-BE49-F238E27FC236}">
+                <a16:creationId xmlns:a16="http://schemas.microsoft.com/office/drawing/2014/main" id="{8F807C2A-18A8-3EF5-A1DB-F6D9E503A1F2}"/>
               </a:ext>
             </a:extLst>
           </p:cNvPr>
           <p:cNvCxnSpPr>
-            <a:stCxn id="7" idx="3"/>
-            <a:endCxn id="6" idx="3"/>
+            <a:stCxn id="44" idx="4"/>
           </p:cNvCxnSpPr>
           <p:nvPr/>
         </p:nvCxnSpPr>
         <p:spPr>
-          <a:xfrm>
-            <a:off x="1688025" y="1714421"/>
-            <a:ext cx="1609357" cy="18890"/>
+          <a:xfrm flipH="1">
+            <a:off x="1130977" y="1094336"/>
+            <a:ext cx="1970258" cy="2865423"/>
+          </a:xfrm>
+          <a:prstGeom prst="straightConnector1">
+            <a:avLst/>
+          </a:prstGeom>
+          <a:ln>
+            <a:prstDash val="dash"/>
+            <a:tailEnd type="triangle"/>
+          </a:ln>
+        </p:spPr>
+        <p:style>
+          <a:lnRef idx="2">
+            <a:schemeClr val="accent1"/>
+          </a:lnRef>
+          <a:fillRef idx="0">
+            <a:schemeClr val="accent1"/>
+          </a:fillRef>
+          <a:effectRef idx="1">
+            <a:schemeClr val="accent1"/>
+          </a:effectRef>
+          <a:fontRef idx="minor">
+            <a:schemeClr val="tx1"/>
+          </a:fontRef>
+        </p:style>
+      </p:cxnSp>
+      <p:cxnSp>
+        <p:nvCxnSpPr>
+          <p:cNvPr id="48" name="Straight Arrow Connector 47">
+            <a:extLst>
+              <a:ext uri="{FF2B5EF4-FFF2-40B4-BE49-F238E27FC236}">
+                <a16:creationId xmlns:a16="http://schemas.microsoft.com/office/drawing/2014/main" id="{8FCE4D4D-C3A7-9B3D-5F50-DBA80D11F584}"/>
+              </a:ext>
+            </a:extLst>
+          </p:cNvPr>
+          <p:cNvCxnSpPr>
+            <a:cxnSpLocks/>
+            <a:stCxn id="44" idx="4"/>
+          </p:cNvCxnSpPr>
+          <p:nvPr/>
+        </p:nvCxnSpPr>
+        <p:spPr>
+          <a:xfrm>
+            <a:off x="3101235" y="1094336"/>
+            <a:ext cx="2025256" cy="2865423"/>
+          </a:xfrm>
+          <a:prstGeom prst="straightConnector1">
+            <a:avLst/>
+          </a:prstGeom>
+          <a:ln>
+            <a:prstDash val="dash"/>
+            <a:tailEnd type="triangle"/>
+          </a:ln>
+        </p:spPr>
+        <p:style>
+          <a:lnRef idx="2">
+            <a:schemeClr val="accent1"/>
+          </a:lnRef>
+          <a:fillRef idx="0">
+            <a:schemeClr val="accent1"/>
+          </a:fillRef>
+          <a:effectRef idx="1">
+            <a:schemeClr val="accent1"/>
+          </a:effectRef>
+          <a:fontRef idx="minor">
+            <a:schemeClr val="tx1"/>
+          </a:fontRef>
+        </p:style>
+      </p:cxnSp>
+      <p:cxnSp>
+        <p:nvCxnSpPr>
+          <p:cNvPr id="51" name="Straight Arrow Connector 50">
+            <a:extLst>
+              <a:ext uri="{FF2B5EF4-FFF2-40B4-BE49-F238E27FC236}">
+                <a16:creationId xmlns:a16="http://schemas.microsoft.com/office/drawing/2014/main" id="{045EBE6F-7FD0-09D6-2BD5-41A8C21274B4}"/>
+              </a:ext>
+            </a:extLst>
+          </p:cNvPr>
+          <p:cNvCxnSpPr>
+            <a:cxnSpLocks/>
+            <a:stCxn id="44" idx="3"/>
+          </p:cNvCxnSpPr>
+          <p:nvPr/>
+        </p:nvCxnSpPr>
+        <p:spPr>
+          <a:xfrm flipH="1">
+            <a:off x="2990930" y="1094336"/>
+            <a:ext cx="80881" cy="2890323"/>
+          </a:xfrm>
+          <a:prstGeom prst="straightConnector1">
+            <a:avLst/>
+          </a:prstGeom>
+          <a:ln>
+            <a:prstDash val="dash"/>
+            <a:tailEnd type="triangle"/>
+          </a:ln>
+        </p:spPr>
+        <p:style>
+          <a:lnRef idx="2">
+            <a:schemeClr val="accent1"/>
+          </a:lnRef>
+          <a:fillRef idx="0">
+            <a:schemeClr val="accent1"/>
+          </a:fillRef>
+          <a:effectRef idx="1">
+            <a:schemeClr val="accent1"/>
+          </a:effectRef>
+          <a:fontRef idx="minor">
+            <a:schemeClr val="tx1"/>
+          </a:fontRef>
+        </p:style>
+      </p:cxnSp>
+      <p:cxnSp>
+        <p:nvCxnSpPr>
+          <p:cNvPr id="55" name="Straight Arrow Connector 54">
+            <a:extLst>
+              <a:ext uri="{FF2B5EF4-FFF2-40B4-BE49-F238E27FC236}">
+                <a16:creationId xmlns:a16="http://schemas.microsoft.com/office/drawing/2014/main" id="{F2CC6CC8-D7F5-194A-BB51-2DDA229BA1D7}"/>
+              </a:ext>
+            </a:extLst>
+          </p:cNvPr>
+          <p:cNvCxnSpPr>
+            <a:cxnSpLocks/>
+          </p:cNvCxnSpPr>
+          <p:nvPr/>
+        </p:nvCxnSpPr>
+        <p:spPr>
+          <a:xfrm flipH="1">
+            <a:off x="3247009" y="1094336"/>
+            <a:ext cx="1" cy="955141"/>
           </a:xfrm>
           <a:prstGeom prst="straightConnector1">
             <a:avLst/>
@@ -4029,27 +10811,57 @@
           </a:fontRef>
         </p:style>
       </p:cxnSp>
+    </p:spTree>
+    <p:extLst>
+      <p:ext uri="{BB962C8B-B14F-4D97-AF65-F5344CB8AC3E}">
+        <p14:creationId xmlns:p14="http://schemas.microsoft.com/office/powerpoint/2010/main" val="1452258314"/>
+      </p:ext>
+    </p:extLst>
+  </p:cSld>
+  <p:clrMapOvr>
+    <a:masterClrMapping/>
+  </p:clrMapOvr>
+</p:sld>
+</file>
+
+<file path=ppt/slides/slide4.xml><?xml version="1.0" encoding="utf-8"?>
+<p:sld xmlns:a="http://schemas.openxmlformats.org/drawingml/2006/main" xmlns:r="http://schemas.openxmlformats.org/officeDocument/2006/relationships" xmlns:p="http://schemas.openxmlformats.org/presentationml/2006/main">
+  <p:cSld>
+    <p:spTree>
+      <p:nvGrpSpPr>
+        <p:cNvPr id="1" name=""/>
+        <p:cNvGrpSpPr/>
+        <p:nvPr/>
+      </p:nvGrpSpPr>
+      <p:grpSpPr>
+        <a:xfrm>
+          <a:off x="0" y="0"/>
+          <a:ext cx="0" cy="0"/>
+          <a:chOff x="0" y="0"/>
+          <a:chExt cx="0" cy="0"/>
+        </a:xfrm>
+      </p:grpSpPr>
       <p:cxnSp>
         <p:nvCxnSpPr>
-          <p:cNvPr id="13" name="Straight Arrow Connector 12">
-            <a:extLst>
-              <a:ext uri="{FF2B5EF4-FFF2-40B4-BE49-F238E27FC236}">
-                <a16:creationId xmlns:a16="http://schemas.microsoft.com/office/drawing/2014/main" id="{1ECAE92A-8AC5-27FB-79F1-3D84A40D4A05}"/>
+          <p:cNvPr id="4" name="Connector: Elbow 3">
+            <a:extLst>
+              <a:ext uri="{FF2B5EF4-FFF2-40B4-BE49-F238E27FC236}">
+                <a16:creationId xmlns:a16="http://schemas.microsoft.com/office/drawing/2014/main" id="{AC4E6603-1A7D-D9C9-BD4E-C392F41AA4CC}"/>
               </a:ext>
             </a:extLst>
           </p:cNvPr>
           <p:cNvCxnSpPr>
-            <a:stCxn id="6" idx="0"/>
-            <a:endCxn id="2" idx="3"/>
+            <a:cxnSpLocks/>
+            <a:stCxn id="23" idx="3"/>
           </p:cNvCxnSpPr>
           <p:nvPr/>
         </p:nvCxnSpPr>
         <p:spPr>
           <a:xfrm flipV="1">
-            <a:off x="4054764" y="1222385"/>
-            <a:ext cx="1043709" cy="510926"/>
-          </a:xfrm>
-          <a:prstGeom prst="straightConnector1">
+            <a:off x="2284901" y="3022699"/>
+            <a:ext cx="628698" cy="323455"/>
+          </a:xfrm>
+          <a:prstGeom prst="bentConnector3">
             <a:avLst/>
           </a:prstGeom>
           <a:ln>
@@ -4057,13 +10869,1358 @@
           </a:ln>
         </p:spPr>
         <p:style>
-          <a:lnRef idx="2">
+          <a:lnRef idx="1">
             <a:schemeClr val="accent1"/>
           </a:lnRef>
           <a:fillRef idx="0">
             <a:schemeClr val="accent1"/>
           </a:fillRef>
-          <a:effectRef idx="1">
+          <a:effectRef idx="0">
+            <a:schemeClr val="accent1"/>
+          </a:effectRef>
+          <a:fontRef idx="minor">
+            <a:schemeClr val="tx1"/>
+          </a:fontRef>
+        </p:style>
+      </p:cxnSp>
+      <p:sp>
+        <p:nvSpPr>
+          <p:cNvPr id="5" name="Hexagon 4">
+            <a:extLst>
+              <a:ext uri="{FF2B5EF4-FFF2-40B4-BE49-F238E27FC236}">
+                <a16:creationId xmlns:a16="http://schemas.microsoft.com/office/drawing/2014/main" id="{6003C146-F0F1-F145-AEC0-65D76F4F9767}"/>
+              </a:ext>
+            </a:extLst>
+          </p:cNvPr>
+          <p:cNvSpPr/>
+          <p:nvPr/>
+        </p:nvSpPr>
+        <p:spPr>
+          <a:xfrm>
+            <a:off x="1632486" y="2395482"/>
+            <a:ext cx="241983" cy="208606"/>
+          </a:xfrm>
+          <a:prstGeom prst="hexagon">
+            <a:avLst/>
+          </a:prstGeom>
+          <a:noFill/>
+        </p:spPr>
+        <p:style>
+          <a:lnRef idx="2">
+            <a:schemeClr val="accent1">
+              <a:shade val="50000"/>
+            </a:schemeClr>
+          </a:lnRef>
+          <a:fillRef idx="1">
+            <a:schemeClr val="accent1"/>
+          </a:fillRef>
+          <a:effectRef idx="0">
+            <a:schemeClr val="accent1"/>
+          </a:effectRef>
+          <a:fontRef idx="minor">
+            <a:schemeClr val="lt1"/>
+          </a:fontRef>
+        </p:style>
+        <p:txBody>
+          <a:bodyPr rtlCol="0" anchor="ctr"/>
+          <a:lstStyle/>
+          <a:p>
+            <a:pPr algn="ctr"/>
+            <a:endParaRPr lang="es-419"/>
+          </a:p>
+        </p:txBody>
+      </p:sp>
+      <p:sp>
+        <p:nvSpPr>
+          <p:cNvPr id="6" name="Hexagon 5">
+            <a:extLst>
+              <a:ext uri="{FF2B5EF4-FFF2-40B4-BE49-F238E27FC236}">
+                <a16:creationId xmlns:a16="http://schemas.microsoft.com/office/drawing/2014/main" id="{2AC21CBE-84D1-3D0B-2F97-286688768916}"/>
+              </a:ext>
+            </a:extLst>
+          </p:cNvPr>
+          <p:cNvSpPr/>
+          <p:nvPr/>
+        </p:nvSpPr>
+        <p:spPr>
+          <a:xfrm>
+            <a:off x="1632486" y="2688943"/>
+            <a:ext cx="241983" cy="208606"/>
+          </a:xfrm>
+          <a:prstGeom prst="hexagon">
+            <a:avLst/>
+          </a:prstGeom>
+          <a:noFill/>
+        </p:spPr>
+        <p:style>
+          <a:lnRef idx="2">
+            <a:schemeClr val="accent1">
+              <a:shade val="50000"/>
+            </a:schemeClr>
+          </a:lnRef>
+          <a:fillRef idx="1">
+            <a:schemeClr val="accent1"/>
+          </a:fillRef>
+          <a:effectRef idx="0">
+            <a:schemeClr val="accent1"/>
+          </a:effectRef>
+          <a:fontRef idx="minor">
+            <a:schemeClr val="lt1"/>
+          </a:fontRef>
+        </p:style>
+        <p:txBody>
+          <a:bodyPr rtlCol="0" anchor="ctr"/>
+          <a:lstStyle/>
+          <a:p>
+            <a:pPr algn="ctr"/>
+            <a:endParaRPr lang="es-419"/>
+          </a:p>
+        </p:txBody>
+      </p:sp>
+      <p:sp>
+        <p:nvSpPr>
+          <p:cNvPr id="7" name="Hexagon 6">
+            <a:extLst>
+              <a:ext uri="{FF2B5EF4-FFF2-40B4-BE49-F238E27FC236}">
+                <a16:creationId xmlns:a16="http://schemas.microsoft.com/office/drawing/2014/main" id="{41102079-9DDC-34A1-5BED-A1640301F16A}"/>
+              </a:ext>
+            </a:extLst>
+          </p:cNvPr>
+          <p:cNvSpPr/>
+          <p:nvPr/>
+        </p:nvSpPr>
+        <p:spPr>
+          <a:xfrm>
+            <a:off x="1632486" y="3008130"/>
+            <a:ext cx="241983" cy="208606"/>
+          </a:xfrm>
+          <a:prstGeom prst="hexagon">
+            <a:avLst/>
+          </a:prstGeom>
+          <a:noFill/>
+        </p:spPr>
+        <p:style>
+          <a:lnRef idx="2">
+            <a:schemeClr val="accent1">
+              <a:shade val="50000"/>
+            </a:schemeClr>
+          </a:lnRef>
+          <a:fillRef idx="1">
+            <a:schemeClr val="accent1"/>
+          </a:fillRef>
+          <a:effectRef idx="0">
+            <a:schemeClr val="accent1"/>
+          </a:effectRef>
+          <a:fontRef idx="minor">
+            <a:schemeClr val="lt1"/>
+          </a:fontRef>
+        </p:style>
+        <p:txBody>
+          <a:bodyPr rtlCol="0" anchor="ctr"/>
+          <a:lstStyle/>
+          <a:p>
+            <a:pPr algn="ctr"/>
+            <a:endParaRPr lang="es-419"/>
+          </a:p>
+        </p:txBody>
+      </p:sp>
+      <p:sp>
+        <p:nvSpPr>
+          <p:cNvPr id="8" name="Hexagon 7">
+            <a:extLst>
+              <a:ext uri="{FF2B5EF4-FFF2-40B4-BE49-F238E27FC236}">
+                <a16:creationId xmlns:a16="http://schemas.microsoft.com/office/drawing/2014/main" id="{DDDB5E59-5D32-0A80-3AC1-4B420B0BFF31}"/>
+              </a:ext>
+            </a:extLst>
+          </p:cNvPr>
+          <p:cNvSpPr/>
+          <p:nvPr/>
+        </p:nvSpPr>
+        <p:spPr>
+          <a:xfrm>
+            <a:off x="1632486" y="3370171"/>
+            <a:ext cx="241983" cy="208606"/>
+          </a:xfrm>
+          <a:prstGeom prst="hexagon">
+            <a:avLst/>
+          </a:prstGeom>
+          <a:noFill/>
+        </p:spPr>
+        <p:style>
+          <a:lnRef idx="2">
+            <a:schemeClr val="accent1">
+              <a:shade val="50000"/>
+            </a:schemeClr>
+          </a:lnRef>
+          <a:fillRef idx="1">
+            <a:schemeClr val="accent1"/>
+          </a:fillRef>
+          <a:effectRef idx="0">
+            <a:schemeClr val="accent1"/>
+          </a:effectRef>
+          <a:fontRef idx="minor">
+            <a:schemeClr val="lt1"/>
+          </a:fontRef>
+        </p:style>
+        <p:txBody>
+          <a:bodyPr rtlCol="0" anchor="ctr"/>
+          <a:lstStyle/>
+          <a:p>
+            <a:pPr algn="ctr"/>
+            <a:endParaRPr lang="es-419"/>
+          </a:p>
+        </p:txBody>
+      </p:sp>
+      <p:sp>
+        <p:nvSpPr>
+          <p:cNvPr id="9" name="Hexagon 8">
+            <a:extLst>
+              <a:ext uri="{FF2B5EF4-FFF2-40B4-BE49-F238E27FC236}">
+                <a16:creationId xmlns:a16="http://schemas.microsoft.com/office/drawing/2014/main" id="{ED8E03EF-D451-033F-D2DE-1079AF78A11E}"/>
+              </a:ext>
+            </a:extLst>
+          </p:cNvPr>
+          <p:cNvSpPr/>
+          <p:nvPr/>
+        </p:nvSpPr>
+        <p:spPr>
+          <a:xfrm>
+            <a:off x="1632486" y="3663632"/>
+            <a:ext cx="241983" cy="208606"/>
+          </a:xfrm>
+          <a:prstGeom prst="hexagon">
+            <a:avLst/>
+          </a:prstGeom>
+          <a:noFill/>
+        </p:spPr>
+        <p:style>
+          <a:lnRef idx="2">
+            <a:schemeClr val="accent1">
+              <a:shade val="50000"/>
+            </a:schemeClr>
+          </a:lnRef>
+          <a:fillRef idx="1">
+            <a:schemeClr val="accent1"/>
+          </a:fillRef>
+          <a:effectRef idx="0">
+            <a:schemeClr val="accent1"/>
+          </a:effectRef>
+          <a:fontRef idx="minor">
+            <a:schemeClr val="lt1"/>
+          </a:fontRef>
+        </p:style>
+        <p:txBody>
+          <a:bodyPr rtlCol="0" anchor="ctr"/>
+          <a:lstStyle/>
+          <a:p>
+            <a:pPr algn="ctr"/>
+            <a:endParaRPr lang="es-419"/>
+          </a:p>
+        </p:txBody>
+      </p:sp>
+      <p:sp>
+        <p:nvSpPr>
+          <p:cNvPr id="10" name="Hexagon 9">
+            <a:extLst>
+              <a:ext uri="{FF2B5EF4-FFF2-40B4-BE49-F238E27FC236}">
+                <a16:creationId xmlns:a16="http://schemas.microsoft.com/office/drawing/2014/main" id="{122A8224-F6FA-FC13-13A0-B7C7B3BC1580}"/>
+              </a:ext>
+            </a:extLst>
+          </p:cNvPr>
+          <p:cNvSpPr/>
+          <p:nvPr/>
+        </p:nvSpPr>
+        <p:spPr>
+          <a:xfrm>
+            <a:off x="1632486" y="3982819"/>
+            <a:ext cx="241983" cy="208606"/>
+          </a:xfrm>
+          <a:prstGeom prst="hexagon">
+            <a:avLst/>
+          </a:prstGeom>
+          <a:noFill/>
+        </p:spPr>
+        <p:style>
+          <a:lnRef idx="2">
+            <a:schemeClr val="accent1">
+              <a:shade val="50000"/>
+            </a:schemeClr>
+          </a:lnRef>
+          <a:fillRef idx="1">
+            <a:schemeClr val="accent1"/>
+          </a:fillRef>
+          <a:effectRef idx="0">
+            <a:schemeClr val="accent1"/>
+          </a:effectRef>
+          <a:fontRef idx="minor">
+            <a:schemeClr val="lt1"/>
+          </a:fontRef>
+        </p:style>
+        <p:txBody>
+          <a:bodyPr rtlCol="0" anchor="ctr"/>
+          <a:lstStyle/>
+          <a:p>
+            <a:pPr algn="ctr"/>
+            <a:endParaRPr lang="es-419"/>
+          </a:p>
+        </p:txBody>
+      </p:sp>
+      <p:sp>
+        <p:nvSpPr>
+          <p:cNvPr id="11" name="Hexagon 10">
+            <a:extLst>
+              <a:ext uri="{FF2B5EF4-FFF2-40B4-BE49-F238E27FC236}">
+                <a16:creationId xmlns:a16="http://schemas.microsoft.com/office/drawing/2014/main" id="{BBF1C5BA-939C-81E0-E526-5358726CAF7D}"/>
+              </a:ext>
+            </a:extLst>
+          </p:cNvPr>
+          <p:cNvSpPr/>
+          <p:nvPr/>
+        </p:nvSpPr>
+        <p:spPr>
+          <a:xfrm>
+            <a:off x="1916214" y="2395482"/>
+            <a:ext cx="241983" cy="208606"/>
+          </a:xfrm>
+          <a:prstGeom prst="hexagon">
+            <a:avLst/>
+          </a:prstGeom>
+          <a:noFill/>
+        </p:spPr>
+        <p:style>
+          <a:lnRef idx="2">
+            <a:schemeClr val="accent1">
+              <a:shade val="50000"/>
+            </a:schemeClr>
+          </a:lnRef>
+          <a:fillRef idx="1">
+            <a:schemeClr val="accent1"/>
+          </a:fillRef>
+          <a:effectRef idx="0">
+            <a:schemeClr val="accent1"/>
+          </a:effectRef>
+          <a:fontRef idx="minor">
+            <a:schemeClr val="lt1"/>
+          </a:fontRef>
+        </p:style>
+        <p:txBody>
+          <a:bodyPr rtlCol="0" anchor="ctr"/>
+          <a:lstStyle/>
+          <a:p>
+            <a:pPr algn="ctr"/>
+            <a:endParaRPr lang="es-419"/>
+          </a:p>
+        </p:txBody>
+      </p:sp>
+      <p:sp>
+        <p:nvSpPr>
+          <p:cNvPr id="12" name="Hexagon 11">
+            <a:extLst>
+              <a:ext uri="{FF2B5EF4-FFF2-40B4-BE49-F238E27FC236}">
+                <a16:creationId xmlns:a16="http://schemas.microsoft.com/office/drawing/2014/main" id="{F6A19ABE-800F-8887-A829-083F4C372DC3}"/>
+              </a:ext>
+            </a:extLst>
+          </p:cNvPr>
+          <p:cNvSpPr/>
+          <p:nvPr/>
+        </p:nvSpPr>
+        <p:spPr>
+          <a:xfrm>
+            <a:off x="1916214" y="2688943"/>
+            <a:ext cx="241983" cy="208606"/>
+          </a:xfrm>
+          <a:prstGeom prst="hexagon">
+            <a:avLst/>
+          </a:prstGeom>
+          <a:noFill/>
+        </p:spPr>
+        <p:style>
+          <a:lnRef idx="2">
+            <a:schemeClr val="accent1">
+              <a:shade val="50000"/>
+            </a:schemeClr>
+          </a:lnRef>
+          <a:fillRef idx="1">
+            <a:schemeClr val="accent1"/>
+          </a:fillRef>
+          <a:effectRef idx="0">
+            <a:schemeClr val="accent1"/>
+          </a:effectRef>
+          <a:fontRef idx="minor">
+            <a:schemeClr val="lt1"/>
+          </a:fontRef>
+        </p:style>
+        <p:txBody>
+          <a:bodyPr rtlCol="0" anchor="ctr"/>
+          <a:lstStyle/>
+          <a:p>
+            <a:pPr algn="ctr"/>
+            <a:endParaRPr lang="es-419"/>
+          </a:p>
+        </p:txBody>
+      </p:sp>
+      <p:sp>
+        <p:nvSpPr>
+          <p:cNvPr id="13" name="Hexagon 12">
+            <a:extLst>
+              <a:ext uri="{FF2B5EF4-FFF2-40B4-BE49-F238E27FC236}">
+                <a16:creationId xmlns:a16="http://schemas.microsoft.com/office/drawing/2014/main" id="{F98F2D50-14C1-7BEA-C388-43682579C735}"/>
+              </a:ext>
+            </a:extLst>
+          </p:cNvPr>
+          <p:cNvSpPr/>
+          <p:nvPr/>
+        </p:nvSpPr>
+        <p:spPr>
+          <a:xfrm>
+            <a:off x="1916214" y="3008130"/>
+            <a:ext cx="241983" cy="208606"/>
+          </a:xfrm>
+          <a:prstGeom prst="hexagon">
+            <a:avLst/>
+          </a:prstGeom>
+          <a:noFill/>
+        </p:spPr>
+        <p:style>
+          <a:lnRef idx="2">
+            <a:schemeClr val="accent1">
+              <a:shade val="50000"/>
+            </a:schemeClr>
+          </a:lnRef>
+          <a:fillRef idx="1">
+            <a:schemeClr val="accent1"/>
+          </a:fillRef>
+          <a:effectRef idx="0">
+            <a:schemeClr val="accent1"/>
+          </a:effectRef>
+          <a:fontRef idx="minor">
+            <a:schemeClr val="lt1"/>
+          </a:fontRef>
+        </p:style>
+        <p:txBody>
+          <a:bodyPr rtlCol="0" anchor="ctr"/>
+          <a:lstStyle/>
+          <a:p>
+            <a:pPr algn="ctr"/>
+            <a:endParaRPr lang="es-419"/>
+          </a:p>
+        </p:txBody>
+      </p:sp>
+      <p:sp>
+        <p:nvSpPr>
+          <p:cNvPr id="14" name="Hexagon 13">
+            <a:extLst>
+              <a:ext uri="{FF2B5EF4-FFF2-40B4-BE49-F238E27FC236}">
+                <a16:creationId xmlns:a16="http://schemas.microsoft.com/office/drawing/2014/main" id="{96181973-1AF1-C6DB-6947-41C1EFD1D089}"/>
+              </a:ext>
+            </a:extLst>
+          </p:cNvPr>
+          <p:cNvSpPr/>
+          <p:nvPr/>
+        </p:nvSpPr>
+        <p:spPr>
+          <a:xfrm>
+            <a:off x="1916214" y="3370171"/>
+            <a:ext cx="241983" cy="208606"/>
+          </a:xfrm>
+          <a:prstGeom prst="hexagon">
+            <a:avLst/>
+          </a:prstGeom>
+          <a:noFill/>
+        </p:spPr>
+        <p:style>
+          <a:lnRef idx="2">
+            <a:schemeClr val="accent1">
+              <a:shade val="50000"/>
+            </a:schemeClr>
+          </a:lnRef>
+          <a:fillRef idx="1">
+            <a:schemeClr val="accent1"/>
+          </a:fillRef>
+          <a:effectRef idx="0">
+            <a:schemeClr val="accent1"/>
+          </a:effectRef>
+          <a:fontRef idx="minor">
+            <a:schemeClr val="lt1"/>
+          </a:fontRef>
+        </p:style>
+        <p:txBody>
+          <a:bodyPr rtlCol="0" anchor="ctr"/>
+          <a:lstStyle/>
+          <a:p>
+            <a:pPr algn="ctr"/>
+            <a:endParaRPr lang="es-419"/>
+          </a:p>
+        </p:txBody>
+      </p:sp>
+      <p:sp>
+        <p:nvSpPr>
+          <p:cNvPr id="15" name="Hexagon 14">
+            <a:extLst>
+              <a:ext uri="{FF2B5EF4-FFF2-40B4-BE49-F238E27FC236}">
+                <a16:creationId xmlns:a16="http://schemas.microsoft.com/office/drawing/2014/main" id="{D7412620-D738-C355-7F37-6BF27105FE0D}"/>
+              </a:ext>
+            </a:extLst>
+          </p:cNvPr>
+          <p:cNvSpPr/>
+          <p:nvPr/>
+        </p:nvSpPr>
+        <p:spPr>
+          <a:xfrm>
+            <a:off x="1916214" y="3663632"/>
+            <a:ext cx="241983" cy="208606"/>
+          </a:xfrm>
+          <a:prstGeom prst="hexagon">
+            <a:avLst/>
+          </a:prstGeom>
+          <a:noFill/>
+        </p:spPr>
+        <p:style>
+          <a:lnRef idx="2">
+            <a:schemeClr val="accent1">
+              <a:shade val="50000"/>
+            </a:schemeClr>
+          </a:lnRef>
+          <a:fillRef idx="1">
+            <a:schemeClr val="accent1"/>
+          </a:fillRef>
+          <a:effectRef idx="0">
+            <a:schemeClr val="accent1"/>
+          </a:effectRef>
+          <a:fontRef idx="minor">
+            <a:schemeClr val="lt1"/>
+          </a:fontRef>
+        </p:style>
+        <p:txBody>
+          <a:bodyPr rtlCol="0" anchor="ctr"/>
+          <a:lstStyle/>
+          <a:p>
+            <a:pPr algn="ctr"/>
+            <a:endParaRPr lang="es-419"/>
+          </a:p>
+        </p:txBody>
+      </p:sp>
+      <p:sp>
+        <p:nvSpPr>
+          <p:cNvPr id="16" name="Hexagon 15">
+            <a:extLst>
+              <a:ext uri="{FF2B5EF4-FFF2-40B4-BE49-F238E27FC236}">
+                <a16:creationId xmlns:a16="http://schemas.microsoft.com/office/drawing/2014/main" id="{AE1729E1-F4D2-379E-7C05-85CC640B9BCB}"/>
+              </a:ext>
+            </a:extLst>
+          </p:cNvPr>
+          <p:cNvSpPr/>
+          <p:nvPr/>
+        </p:nvSpPr>
+        <p:spPr>
+          <a:xfrm>
+            <a:off x="1916214" y="3982819"/>
+            <a:ext cx="241983" cy="208606"/>
+          </a:xfrm>
+          <a:prstGeom prst="hexagon">
+            <a:avLst/>
+          </a:prstGeom>
+          <a:noFill/>
+        </p:spPr>
+        <p:style>
+          <a:lnRef idx="2">
+            <a:schemeClr val="accent1">
+              <a:shade val="50000"/>
+            </a:schemeClr>
+          </a:lnRef>
+          <a:fillRef idx="1">
+            <a:schemeClr val="accent1"/>
+          </a:fillRef>
+          <a:effectRef idx="0">
+            <a:schemeClr val="accent1"/>
+          </a:effectRef>
+          <a:fontRef idx="minor">
+            <a:schemeClr val="lt1"/>
+          </a:fontRef>
+        </p:style>
+        <p:txBody>
+          <a:bodyPr rtlCol="0" anchor="ctr"/>
+          <a:lstStyle/>
+          <a:p>
+            <a:pPr algn="ctr"/>
+            <a:endParaRPr lang="es-419"/>
+          </a:p>
+        </p:txBody>
+      </p:sp>
+      <p:sp>
+        <p:nvSpPr>
+          <p:cNvPr id="17" name="Hexagon 16">
+            <a:extLst>
+              <a:ext uri="{FF2B5EF4-FFF2-40B4-BE49-F238E27FC236}">
+                <a16:creationId xmlns:a16="http://schemas.microsoft.com/office/drawing/2014/main" id="{81018EE8-5BD8-8782-2559-575D60FAF6DE}"/>
+              </a:ext>
+            </a:extLst>
+          </p:cNvPr>
+          <p:cNvSpPr/>
+          <p:nvPr/>
+        </p:nvSpPr>
+        <p:spPr>
+          <a:xfrm>
+            <a:off x="1331756" y="2395482"/>
+            <a:ext cx="241983" cy="208606"/>
+          </a:xfrm>
+          <a:prstGeom prst="hexagon">
+            <a:avLst/>
+          </a:prstGeom>
+          <a:noFill/>
+        </p:spPr>
+        <p:style>
+          <a:lnRef idx="2">
+            <a:schemeClr val="accent1">
+              <a:shade val="50000"/>
+            </a:schemeClr>
+          </a:lnRef>
+          <a:fillRef idx="1">
+            <a:schemeClr val="accent1"/>
+          </a:fillRef>
+          <a:effectRef idx="0">
+            <a:schemeClr val="accent1"/>
+          </a:effectRef>
+          <a:fontRef idx="minor">
+            <a:schemeClr val="lt1"/>
+          </a:fontRef>
+        </p:style>
+        <p:txBody>
+          <a:bodyPr rtlCol="0" anchor="ctr"/>
+          <a:lstStyle/>
+          <a:p>
+            <a:pPr algn="ctr"/>
+            <a:endParaRPr lang="es-419"/>
+          </a:p>
+        </p:txBody>
+      </p:sp>
+      <p:sp>
+        <p:nvSpPr>
+          <p:cNvPr id="18" name="Hexagon 17">
+            <a:extLst>
+              <a:ext uri="{FF2B5EF4-FFF2-40B4-BE49-F238E27FC236}">
+                <a16:creationId xmlns:a16="http://schemas.microsoft.com/office/drawing/2014/main" id="{AE973C8A-9557-3FDD-9D68-A0D507ED0432}"/>
+              </a:ext>
+            </a:extLst>
+          </p:cNvPr>
+          <p:cNvSpPr/>
+          <p:nvPr/>
+        </p:nvSpPr>
+        <p:spPr>
+          <a:xfrm>
+            <a:off x="1331756" y="2688943"/>
+            <a:ext cx="241983" cy="208606"/>
+          </a:xfrm>
+          <a:prstGeom prst="hexagon">
+            <a:avLst/>
+          </a:prstGeom>
+          <a:noFill/>
+        </p:spPr>
+        <p:style>
+          <a:lnRef idx="2">
+            <a:schemeClr val="accent1">
+              <a:shade val="50000"/>
+            </a:schemeClr>
+          </a:lnRef>
+          <a:fillRef idx="1">
+            <a:schemeClr val="accent1"/>
+          </a:fillRef>
+          <a:effectRef idx="0">
+            <a:schemeClr val="accent1"/>
+          </a:effectRef>
+          <a:fontRef idx="minor">
+            <a:schemeClr val="lt1"/>
+          </a:fontRef>
+        </p:style>
+        <p:txBody>
+          <a:bodyPr rtlCol="0" anchor="ctr"/>
+          <a:lstStyle/>
+          <a:p>
+            <a:pPr algn="ctr"/>
+            <a:endParaRPr lang="es-419"/>
+          </a:p>
+        </p:txBody>
+      </p:sp>
+      <p:sp>
+        <p:nvSpPr>
+          <p:cNvPr id="19" name="Hexagon 18">
+            <a:extLst>
+              <a:ext uri="{FF2B5EF4-FFF2-40B4-BE49-F238E27FC236}">
+                <a16:creationId xmlns:a16="http://schemas.microsoft.com/office/drawing/2014/main" id="{7823737B-6D18-6DAA-58BB-0D5F6292AEB8}"/>
+              </a:ext>
+            </a:extLst>
+          </p:cNvPr>
+          <p:cNvSpPr/>
+          <p:nvPr/>
+        </p:nvSpPr>
+        <p:spPr>
+          <a:xfrm>
+            <a:off x="1331756" y="3008130"/>
+            <a:ext cx="241983" cy="208606"/>
+          </a:xfrm>
+          <a:prstGeom prst="hexagon">
+            <a:avLst/>
+          </a:prstGeom>
+          <a:noFill/>
+        </p:spPr>
+        <p:style>
+          <a:lnRef idx="2">
+            <a:schemeClr val="accent1">
+              <a:shade val="50000"/>
+            </a:schemeClr>
+          </a:lnRef>
+          <a:fillRef idx="1">
+            <a:schemeClr val="accent1"/>
+          </a:fillRef>
+          <a:effectRef idx="0">
+            <a:schemeClr val="accent1"/>
+          </a:effectRef>
+          <a:fontRef idx="minor">
+            <a:schemeClr val="lt1"/>
+          </a:fontRef>
+        </p:style>
+        <p:txBody>
+          <a:bodyPr rtlCol="0" anchor="ctr"/>
+          <a:lstStyle/>
+          <a:p>
+            <a:pPr algn="ctr"/>
+            <a:endParaRPr lang="es-419"/>
+          </a:p>
+        </p:txBody>
+      </p:sp>
+      <p:sp>
+        <p:nvSpPr>
+          <p:cNvPr id="20" name="Hexagon 19">
+            <a:extLst>
+              <a:ext uri="{FF2B5EF4-FFF2-40B4-BE49-F238E27FC236}">
+                <a16:creationId xmlns:a16="http://schemas.microsoft.com/office/drawing/2014/main" id="{8CCE9D5B-2F4F-262A-5A5B-8FECE3C0C54E}"/>
+              </a:ext>
+            </a:extLst>
+          </p:cNvPr>
+          <p:cNvSpPr/>
+          <p:nvPr/>
+        </p:nvSpPr>
+        <p:spPr>
+          <a:xfrm>
+            <a:off x="1331756" y="3370171"/>
+            <a:ext cx="241983" cy="208606"/>
+          </a:xfrm>
+          <a:prstGeom prst="hexagon">
+            <a:avLst/>
+          </a:prstGeom>
+          <a:noFill/>
+        </p:spPr>
+        <p:style>
+          <a:lnRef idx="2">
+            <a:schemeClr val="accent1">
+              <a:shade val="50000"/>
+            </a:schemeClr>
+          </a:lnRef>
+          <a:fillRef idx="1">
+            <a:schemeClr val="accent1"/>
+          </a:fillRef>
+          <a:effectRef idx="0">
+            <a:schemeClr val="accent1"/>
+          </a:effectRef>
+          <a:fontRef idx="minor">
+            <a:schemeClr val="lt1"/>
+          </a:fontRef>
+        </p:style>
+        <p:txBody>
+          <a:bodyPr rtlCol="0" anchor="ctr"/>
+          <a:lstStyle/>
+          <a:p>
+            <a:pPr algn="ctr"/>
+            <a:endParaRPr lang="es-419"/>
+          </a:p>
+        </p:txBody>
+      </p:sp>
+      <p:sp>
+        <p:nvSpPr>
+          <p:cNvPr id="21" name="Hexagon 20">
+            <a:extLst>
+              <a:ext uri="{FF2B5EF4-FFF2-40B4-BE49-F238E27FC236}">
+                <a16:creationId xmlns:a16="http://schemas.microsoft.com/office/drawing/2014/main" id="{A7343DBD-9C0C-295E-05BD-FFF62E621BF0}"/>
+              </a:ext>
+            </a:extLst>
+          </p:cNvPr>
+          <p:cNvSpPr/>
+          <p:nvPr/>
+        </p:nvSpPr>
+        <p:spPr>
+          <a:xfrm>
+            <a:off x="1331756" y="3663632"/>
+            <a:ext cx="241983" cy="208606"/>
+          </a:xfrm>
+          <a:prstGeom prst="hexagon">
+            <a:avLst/>
+          </a:prstGeom>
+          <a:noFill/>
+        </p:spPr>
+        <p:style>
+          <a:lnRef idx="2">
+            <a:schemeClr val="accent1">
+              <a:shade val="50000"/>
+            </a:schemeClr>
+          </a:lnRef>
+          <a:fillRef idx="1">
+            <a:schemeClr val="accent1"/>
+          </a:fillRef>
+          <a:effectRef idx="0">
+            <a:schemeClr val="accent1"/>
+          </a:effectRef>
+          <a:fontRef idx="minor">
+            <a:schemeClr val="lt1"/>
+          </a:fontRef>
+        </p:style>
+        <p:txBody>
+          <a:bodyPr rtlCol="0" anchor="ctr"/>
+          <a:lstStyle/>
+          <a:p>
+            <a:pPr algn="ctr"/>
+            <a:endParaRPr lang="es-419"/>
+          </a:p>
+        </p:txBody>
+      </p:sp>
+      <p:sp>
+        <p:nvSpPr>
+          <p:cNvPr id="22" name="Hexagon 21">
+            <a:extLst>
+              <a:ext uri="{FF2B5EF4-FFF2-40B4-BE49-F238E27FC236}">
+                <a16:creationId xmlns:a16="http://schemas.microsoft.com/office/drawing/2014/main" id="{6AF5F4B2-0ABF-32AD-635F-2F1701EC1F7C}"/>
+              </a:ext>
+            </a:extLst>
+          </p:cNvPr>
+          <p:cNvSpPr/>
+          <p:nvPr/>
+        </p:nvSpPr>
+        <p:spPr>
+          <a:xfrm>
+            <a:off x="1331756" y="3982819"/>
+            <a:ext cx="241983" cy="208606"/>
+          </a:xfrm>
+          <a:prstGeom prst="hexagon">
+            <a:avLst/>
+          </a:prstGeom>
+          <a:noFill/>
+        </p:spPr>
+        <p:style>
+          <a:lnRef idx="2">
+            <a:schemeClr val="accent1">
+              <a:shade val="50000"/>
+            </a:schemeClr>
+          </a:lnRef>
+          <a:fillRef idx="1">
+            <a:schemeClr val="accent1"/>
+          </a:fillRef>
+          <a:effectRef idx="0">
+            <a:schemeClr val="accent1"/>
+          </a:effectRef>
+          <a:fontRef idx="minor">
+            <a:schemeClr val="lt1"/>
+          </a:fontRef>
+        </p:style>
+        <p:txBody>
+          <a:bodyPr rtlCol="0" anchor="ctr"/>
+          <a:lstStyle/>
+          <a:p>
+            <a:pPr algn="ctr"/>
+            <a:endParaRPr lang="es-419"/>
+          </a:p>
+        </p:txBody>
+      </p:sp>
+      <p:sp>
+        <p:nvSpPr>
+          <p:cNvPr id="23" name="Rectangle: Rounded Corners 22">
+            <a:extLst>
+              <a:ext uri="{FF2B5EF4-FFF2-40B4-BE49-F238E27FC236}">
+                <a16:creationId xmlns:a16="http://schemas.microsoft.com/office/drawing/2014/main" id="{52046A2F-75CF-5933-FC98-8DE6247419C8}"/>
+              </a:ext>
+            </a:extLst>
+          </p:cNvPr>
+          <p:cNvSpPr/>
+          <p:nvPr/>
+        </p:nvSpPr>
+        <p:spPr>
+          <a:xfrm>
+            <a:off x="1234441" y="2249424"/>
+            <a:ext cx="1050460" cy="2193460"/>
+          </a:xfrm>
+          <a:prstGeom prst="roundRect">
+            <a:avLst/>
+          </a:prstGeom>
+          <a:noFill/>
+        </p:spPr>
+        <p:style>
+          <a:lnRef idx="2">
+            <a:schemeClr val="accent1">
+              <a:shade val="50000"/>
+            </a:schemeClr>
+          </a:lnRef>
+          <a:fillRef idx="1">
+            <a:schemeClr val="accent1"/>
+          </a:fillRef>
+          <a:effectRef idx="0">
+            <a:schemeClr val="accent1"/>
+          </a:effectRef>
+          <a:fontRef idx="minor">
+            <a:schemeClr val="lt1"/>
+          </a:fontRef>
+        </p:style>
+        <p:txBody>
+          <a:bodyPr rtlCol="0" anchor="ctr"/>
+          <a:lstStyle/>
+          <a:p>
+            <a:pPr algn="ctr"/>
+            <a:endParaRPr lang="es-419"/>
+          </a:p>
+        </p:txBody>
+      </p:sp>
+      <p:sp>
+        <p:nvSpPr>
+          <p:cNvPr id="24" name="Hexagon 23">
+            <a:extLst>
+              <a:ext uri="{FF2B5EF4-FFF2-40B4-BE49-F238E27FC236}">
+                <a16:creationId xmlns:a16="http://schemas.microsoft.com/office/drawing/2014/main" id="{59512FEC-0ACD-ADCA-B114-B5EE5CA34969}"/>
+              </a:ext>
+            </a:extLst>
+          </p:cNvPr>
+          <p:cNvSpPr/>
+          <p:nvPr/>
+        </p:nvSpPr>
+        <p:spPr>
+          <a:xfrm>
+            <a:off x="2913599" y="2664650"/>
+            <a:ext cx="830673" cy="716097"/>
+          </a:xfrm>
+          <a:prstGeom prst="hexagon">
+            <a:avLst/>
+          </a:prstGeom>
+          <a:noFill/>
+        </p:spPr>
+        <p:style>
+          <a:lnRef idx="2">
+            <a:schemeClr val="accent1">
+              <a:shade val="50000"/>
+            </a:schemeClr>
+          </a:lnRef>
+          <a:fillRef idx="1">
+            <a:schemeClr val="accent1"/>
+          </a:fillRef>
+          <a:effectRef idx="0">
+            <a:schemeClr val="accent1"/>
+          </a:effectRef>
+          <a:fontRef idx="minor">
+            <a:schemeClr val="lt1"/>
+          </a:fontRef>
+        </p:style>
+        <p:txBody>
+          <a:bodyPr rtlCol="0" anchor="ctr"/>
+          <a:lstStyle/>
+          <a:p>
+            <a:pPr algn="ctr"/>
+            <a:endParaRPr lang="es-419"/>
+          </a:p>
+        </p:txBody>
+      </p:sp>
+      <p:sp>
+        <p:nvSpPr>
+          <p:cNvPr id="25" name="Hexagon 24">
+            <a:extLst>
+              <a:ext uri="{FF2B5EF4-FFF2-40B4-BE49-F238E27FC236}">
+                <a16:creationId xmlns:a16="http://schemas.microsoft.com/office/drawing/2014/main" id="{587F418F-0754-8EDF-0218-B61103C65A5A}"/>
+              </a:ext>
+            </a:extLst>
+          </p:cNvPr>
+          <p:cNvSpPr/>
+          <p:nvPr/>
+        </p:nvSpPr>
+        <p:spPr>
+          <a:xfrm>
+            <a:off x="4733450" y="2011129"/>
+            <a:ext cx="830673" cy="716097"/>
+          </a:xfrm>
+          <a:prstGeom prst="hexagon">
+            <a:avLst/>
+          </a:prstGeom>
+          <a:noFill/>
+        </p:spPr>
+        <p:style>
+          <a:lnRef idx="2">
+            <a:schemeClr val="accent1">
+              <a:shade val="50000"/>
+            </a:schemeClr>
+          </a:lnRef>
+          <a:fillRef idx="1">
+            <a:schemeClr val="accent1"/>
+          </a:fillRef>
+          <a:effectRef idx="0">
+            <a:schemeClr val="accent1"/>
+          </a:effectRef>
+          <a:fontRef idx="minor">
+            <a:schemeClr val="lt1"/>
+          </a:fontRef>
+        </p:style>
+        <p:txBody>
+          <a:bodyPr rtlCol="0" anchor="ctr"/>
+          <a:lstStyle/>
+          <a:p>
+            <a:pPr algn="ctr"/>
+            <a:endParaRPr lang="es-419"/>
+          </a:p>
+        </p:txBody>
+      </p:sp>
+      <p:cxnSp>
+        <p:nvCxnSpPr>
+          <p:cNvPr id="26" name="Connector: Elbow 25">
+            <a:extLst>
+              <a:ext uri="{FF2B5EF4-FFF2-40B4-BE49-F238E27FC236}">
+                <a16:creationId xmlns:a16="http://schemas.microsoft.com/office/drawing/2014/main" id="{9D556EAC-600B-D1C0-9DA7-5F6C401EB7F9}"/>
+              </a:ext>
+            </a:extLst>
+          </p:cNvPr>
+          <p:cNvCxnSpPr>
+            <a:stCxn id="24" idx="0"/>
+            <a:endCxn id="25" idx="3"/>
+          </p:cNvCxnSpPr>
+          <p:nvPr/>
+        </p:nvCxnSpPr>
+        <p:spPr>
+          <a:xfrm flipV="1">
+            <a:off x="3744272" y="2369178"/>
+            <a:ext cx="989178" cy="653521"/>
+          </a:xfrm>
+          <a:prstGeom prst="bentConnector3">
+            <a:avLst/>
+          </a:prstGeom>
+          <a:ln>
+            <a:tailEnd type="triangle"/>
+          </a:ln>
+        </p:spPr>
+        <p:style>
+          <a:lnRef idx="1">
+            <a:schemeClr val="accent1"/>
+          </a:lnRef>
+          <a:fillRef idx="0">
+            <a:schemeClr val="accent1"/>
+          </a:fillRef>
+          <a:effectRef idx="0">
+            <a:schemeClr val="accent1"/>
+          </a:effectRef>
+          <a:fontRef idx="minor">
+            <a:schemeClr val="tx1"/>
+          </a:fontRef>
+        </p:style>
+      </p:cxnSp>
+      <p:sp>
+        <p:nvSpPr>
+          <p:cNvPr id="27" name="Hexagon 26">
+            <a:extLst>
+              <a:ext uri="{FF2B5EF4-FFF2-40B4-BE49-F238E27FC236}">
+                <a16:creationId xmlns:a16="http://schemas.microsoft.com/office/drawing/2014/main" id="{33D5BADD-2E95-B081-3B66-718C47F4C7A9}"/>
+              </a:ext>
+            </a:extLst>
+          </p:cNvPr>
+          <p:cNvSpPr/>
+          <p:nvPr/>
+        </p:nvSpPr>
+        <p:spPr>
+          <a:xfrm>
+            <a:off x="4733450" y="3083842"/>
+            <a:ext cx="830673" cy="716097"/>
+          </a:xfrm>
+          <a:prstGeom prst="hexagon">
+            <a:avLst/>
+          </a:prstGeom>
+          <a:noFill/>
+        </p:spPr>
+        <p:style>
+          <a:lnRef idx="2">
+            <a:schemeClr val="accent1">
+              <a:shade val="50000"/>
+            </a:schemeClr>
+          </a:lnRef>
+          <a:fillRef idx="1">
+            <a:schemeClr val="accent1"/>
+          </a:fillRef>
+          <a:effectRef idx="0">
+            <a:schemeClr val="accent1"/>
+          </a:effectRef>
+          <a:fontRef idx="minor">
+            <a:schemeClr val="lt1"/>
+          </a:fontRef>
+        </p:style>
+        <p:txBody>
+          <a:bodyPr rtlCol="0" anchor="ctr"/>
+          <a:lstStyle/>
+          <a:p>
+            <a:pPr algn="ctr"/>
+            <a:endParaRPr lang="es-419"/>
+          </a:p>
+        </p:txBody>
+      </p:sp>
+      <p:cxnSp>
+        <p:nvCxnSpPr>
+          <p:cNvPr id="28" name="Connector: Elbow 27">
+            <a:extLst>
+              <a:ext uri="{FF2B5EF4-FFF2-40B4-BE49-F238E27FC236}">
+                <a16:creationId xmlns:a16="http://schemas.microsoft.com/office/drawing/2014/main" id="{FC8C3DCE-F434-5CD7-21F3-C73F8111A356}"/>
+              </a:ext>
+            </a:extLst>
+          </p:cNvPr>
+          <p:cNvCxnSpPr>
+            <a:stCxn id="24" idx="0"/>
+            <a:endCxn id="27" idx="3"/>
+          </p:cNvCxnSpPr>
+          <p:nvPr/>
+        </p:nvCxnSpPr>
+        <p:spPr>
+          <a:xfrm>
+            <a:off x="3744272" y="3022699"/>
+            <a:ext cx="989178" cy="419192"/>
+          </a:xfrm>
+          <a:prstGeom prst="bentConnector3">
+            <a:avLst/>
+          </a:prstGeom>
+        </p:spPr>
+        <p:style>
+          <a:lnRef idx="1">
+            <a:schemeClr val="accent1"/>
+          </a:lnRef>
+          <a:fillRef idx="0">
+            <a:schemeClr val="accent1"/>
+          </a:fillRef>
+          <a:effectRef idx="0">
+            <a:schemeClr val="accent1"/>
+          </a:effectRef>
+          <a:fontRef idx="minor">
+            <a:schemeClr val="tx1"/>
+          </a:fontRef>
+        </p:style>
+      </p:cxnSp>
+      <p:sp>
+        <p:nvSpPr>
+          <p:cNvPr id="29" name="Rectangle: Rounded Corners 28">
+            <a:extLst>
+              <a:ext uri="{FF2B5EF4-FFF2-40B4-BE49-F238E27FC236}">
+                <a16:creationId xmlns:a16="http://schemas.microsoft.com/office/drawing/2014/main" id="{3755B763-2E8A-05EE-646C-008328B71C11}"/>
+              </a:ext>
+            </a:extLst>
+          </p:cNvPr>
+          <p:cNvSpPr/>
+          <p:nvPr/>
+        </p:nvSpPr>
+        <p:spPr>
+          <a:xfrm>
+            <a:off x="246888" y="850392"/>
+            <a:ext cx="4306824" cy="5687568"/>
+          </a:xfrm>
+          <a:prstGeom prst="roundRect">
+            <a:avLst/>
+          </a:prstGeom>
+          <a:noFill/>
+        </p:spPr>
+        <p:style>
+          <a:lnRef idx="2">
+            <a:schemeClr val="accent1">
+              <a:shade val="50000"/>
+            </a:schemeClr>
+          </a:lnRef>
+          <a:fillRef idx="1">
+            <a:schemeClr val="accent1"/>
+          </a:fillRef>
+          <a:effectRef idx="0">
+            <a:schemeClr val="accent1"/>
+          </a:effectRef>
+          <a:fontRef idx="minor">
+            <a:schemeClr val="lt1"/>
+          </a:fontRef>
+        </p:style>
+        <p:txBody>
+          <a:bodyPr rtlCol="0" anchor="ctr"/>
+          <a:lstStyle/>
+          <a:p>
+            <a:pPr algn="ctr"/>
+            <a:endParaRPr lang="es-419"/>
+          </a:p>
+        </p:txBody>
+      </p:sp>
+      <p:sp>
+        <p:nvSpPr>
+          <p:cNvPr id="30" name="Hexagon 29">
+            <a:extLst>
+              <a:ext uri="{FF2B5EF4-FFF2-40B4-BE49-F238E27FC236}">
+                <a16:creationId xmlns:a16="http://schemas.microsoft.com/office/drawing/2014/main" id="{0CA41C10-6A71-32C9-25F4-2681794FE234}"/>
+              </a:ext>
+            </a:extLst>
+          </p:cNvPr>
+          <p:cNvSpPr/>
+          <p:nvPr/>
+        </p:nvSpPr>
+        <p:spPr>
+          <a:xfrm>
+            <a:off x="2793250" y="1172632"/>
+            <a:ext cx="830673" cy="716097"/>
+          </a:xfrm>
+          <a:prstGeom prst="hexagon">
+            <a:avLst/>
+          </a:prstGeom>
+          <a:noFill/>
+        </p:spPr>
+        <p:style>
+          <a:lnRef idx="2">
+            <a:schemeClr val="accent1">
+              <a:shade val="50000"/>
+            </a:schemeClr>
+          </a:lnRef>
+          <a:fillRef idx="1">
+            <a:schemeClr val="accent1"/>
+          </a:fillRef>
+          <a:effectRef idx="0">
+            <a:schemeClr val="accent1"/>
+          </a:effectRef>
+          <a:fontRef idx="minor">
+            <a:schemeClr val="lt1"/>
+          </a:fontRef>
+        </p:style>
+        <p:txBody>
+          <a:bodyPr rtlCol="0" anchor="ctr"/>
+          <a:lstStyle/>
+          <a:p>
+            <a:pPr algn="ctr"/>
+            <a:endParaRPr lang="es-419"/>
+          </a:p>
+        </p:txBody>
+      </p:sp>
+      <p:sp>
+        <p:nvSpPr>
+          <p:cNvPr id="31" name="Hexagon 30">
+            <a:extLst>
+              <a:ext uri="{FF2B5EF4-FFF2-40B4-BE49-F238E27FC236}">
+                <a16:creationId xmlns:a16="http://schemas.microsoft.com/office/drawing/2014/main" id="{E5949ADD-1E26-32E0-2858-3C331AC7C143}"/>
+              </a:ext>
+            </a:extLst>
+          </p:cNvPr>
+          <p:cNvSpPr/>
+          <p:nvPr/>
+        </p:nvSpPr>
+        <p:spPr>
+          <a:xfrm>
+            <a:off x="4733450" y="893247"/>
+            <a:ext cx="830673" cy="716097"/>
+          </a:xfrm>
+          <a:prstGeom prst="hexagon">
+            <a:avLst/>
+          </a:prstGeom>
+          <a:noFill/>
+        </p:spPr>
+        <p:style>
+          <a:lnRef idx="2">
+            <a:schemeClr val="accent1">
+              <a:shade val="50000"/>
+            </a:schemeClr>
+          </a:lnRef>
+          <a:fillRef idx="1">
+            <a:schemeClr val="accent1"/>
+          </a:fillRef>
+          <a:effectRef idx="0">
+            <a:schemeClr val="accent1"/>
+          </a:effectRef>
+          <a:fontRef idx="minor">
+            <a:schemeClr val="lt1"/>
+          </a:fontRef>
+        </p:style>
+        <p:txBody>
+          <a:bodyPr rtlCol="0" anchor="ctr"/>
+          <a:lstStyle/>
+          <a:p>
+            <a:pPr algn="ctr"/>
+            <a:endParaRPr lang="es-419"/>
+          </a:p>
+        </p:txBody>
+      </p:sp>
+      <p:sp>
+        <p:nvSpPr>
+          <p:cNvPr id="32" name="Hexagon 31">
+            <a:extLst>
+              <a:ext uri="{FF2B5EF4-FFF2-40B4-BE49-F238E27FC236}">
+                <a16:creationId xmlns:a16="http://schemas.microsoft.com/office/drawing/2014/main" id="{7CD40A4E-8640-2337-A95D-3A7A22658129}"/>
+              </a:ext>
+            </a:extLst>
+          </p:cNvPr>
+          <p:cNvSpPr/>
+          <p:nvPr/>
+        </p:nvSpPr>
+        <p:spPr>
+          <a:xfrm>
+            <a:off x="1736949" y="1160130"/>
+            <a:ext cx="830673" cy="716097"/>
+          </a:xfrm>
+          <a:prstGeom prst="hexagon">
+            <a:avLst/>
+          </a:prstGeom>
+          <a:noFill/>
+        </p:spPr>
+        <p:style>
+          <a:lnRef idx="2">
+            <a:schemeClr val="accent1">
+              <a:shade val="50000"/>
+            </a:schemeClr>
+          </a:lnRef>
+          <a:fillRef idx="1">
+            <a:schemeClr val="accent1"/>
+          </a:fillRef>
+          <a:effectRef idx="0">
+            <a:schemeClr val="accent1"/>
+          </a:effectRef>
+          <a:fontRef idx="minor">
+            <a:schemeClr val="lt1"/>
+          </a:fontRef>
+        </p:style>
+        <p:txBody>
+          <a:bodyPr rtlCol="0" anchor="ctr"/>
+          <a:lstStyle/>
+          <a:p>
+            <a:pPr algn="ctr"/>
+            <a:endParaRPr lang="es-419"/>
+          </a:p>
+        </p:txBody>
+      </p:sp>
+      <p:cxnSp>
+        <p:nvCxnSpPr>
+          <p:cNvPr id="33" name="Connector: Elbow 32">
+            <a:extLst>
+              <a:ext uri="{FF2B5EF4-FFF2-40B4-BE49-F238E27FC236}">
+                <a16:creationId xmlns:a16="http://schemas.microsoft.com/office/drawing/2014/main" id="{62AB0025-D8F9-23BF-9925-A2732BE2A8B0}"/>
+              </a:ext>
+            </a:extLst>
+          </p:cNvPr>
+          <p:cNvCxnSpPr>
+            <a:stCxn id="30" idx="3"/>
+            <a:endCxn id="32" idx="0"/>
+          </p:cNvCxnSpPr>
+          <p:nvPr/>
+        </p:nvCxnSpPr>
+        <p:spPr>
+          <a:xfrm rot="10800000">
+            <a:off x="2567622" y="1518179"/>
+            <a:ext cx="225628" cy="12502"/>
+          </a:xfrm>
+          <a:prstGeom prst="bentConnector3">
+            <a:avLst/>
+          </a:prstGeom>
+          <a:ln>
+            <a:tailEnd type="triangle"/>
+          </a:ln>
+        </p:spPr>
+        <p:style>
+          <a:lnRef idx="1">
+            <a:schemeClr val="accent1"/>
+          </a:lnRef>
+          <a:fillRef idx="0">
+            <a:schemeClr val="accent1"/>
+          </a:fillRef>
+          <a:effectRef idx="0">
             <a:schemeClr val="accent1"/>
           </a:effectRef>
           <a:fontRef idx="minor">
@@ -4073,25 +12230,24 @@
       </p:cxnSp>
       <p:cxnSp>
         <p:nvCxnSpPr>
-          <p:cNvPr id="15" name="Straight Arrow Connector 14">
-            <a:extLst>
-              <a:ext uri="{FF2B5EF4-FFF2-40B4-BE49-F238E27FC236}">
-                <a16:creationId xmlns:a16="http://schemas.microsoft.com/office/drawing/2014/main" id="{77C5E7C9-21E3-64C0-C63E-B303AC93591C}"/>
+          <p:cNvPr id="34" name="Connector: Elbow 33">
+            <a:extLst>
+              <a:ext uri="{FF2B5EF4-FFF2-40B4-BE49-F238E27FC236}">
+                <a16:creationId xmlns:a16="http://schemas.microsoft.com/office/drawing/2014/main" id="{BCAE12A4-22EE-17C5-4BD3-0D19C9B95855}"/>
               </a:ext>
             </a:extLst>
           </p:cNvPr>
           <p:cNvCxnSpPr>
-            <a:stCxn id="6" idx="0"/>
-            <a:endCxn id="3" idx="3"/>
+            <a:stCxn id="32" idx="3"/>
           </p:cNvCxnSpPr>
           <p:nvPr/>
         </p:nvCxnSpPr>
         <p:spPr>
-          <a:xfrm>
-            <a:off x="4054764" y="1733311"/>
-            <a:ext cx="1043709" cy="837582"/>
-          </a:xfrm>
-          <a:prstGeom prst="straightConnector1">
+          <a:xfrm rot="10800000" flipV="1">
+            <a:off x="1188123" y="1518178"/>
+            <a:ext cx="548827" cy="73759"/>
+          </a:xfrm>
+          <a:prstGeom prst="bentConnector3">
             <a:avLst/>
           </a:prstGeom>
           <a:ln>
@@ -4099,13 +12255,13 @@
           </a:ln>
         </p:spPr>
         <p:style>
-          <a:lnRef idx="2">
+          <a:lnRef idx="1">
             <a:schemeClr val="accent1"/>
           </a:lnRef>
           <a:fillRef idx="0">
             <a:schemeClr val="accent1"/>
           </a:fillRef>
-          <a:effectRef idx="1">
+          <a:effectRef idx="0">
             <a:schemeClr val="accent1"/>
           </a:effectRef>
           <a:fontRef idx="minor">
@@ -4113,12 +12269,727 @@
           </a:fontRef>
         </p:style>
       </p:cxnSp>
-      <p:sp>
-        <p:nvSpPr>
-          <p:cNvPr id="16" name="TextBox 15">
-            <a:extLst>
-              <a:ext uri="{FF2B5EF4-FFF2-40B4-BE49-F238E27FC236}">
-                <a16:creationId xmlns:a16="http://schemas.microsoft.com/office/drawing/2014/main" id="{17BCD26B-EA17-56E2-560C-FED640DB3A3D}"/>
+      <p:cxnSp>
+        <p:nvCxnSpPr>
+          <p:cNvPr id="35" name="Connector: Elbow 34">
+            <a:extLst>
+              <a:ext uri="{FF2B5EF4-FFF2-40B4-BE49-F238E27FC236}">
+                <a16:creationId xmlns:a16="http://schemas.microsoft.com/office/drawing/2014/main" id="{F649DA82-7AC9-72AC-DE27-33BD6CF57E16}"/>
+              </a:ext>
+            </a:extLst>
+          </p:cNvPr>
+          <p:cNvCxnSpPr>
+            <a:stCxn id="31" idx="3"/>
+            <a:endCxn id="30" idx="0"/>
+          </p:cNvCxnSpPr>
+          <p:nvPr/>
+        </p:nvCxnSpPr>
+        <p:spPr>
+          <a:xfrm rot="10800000" flipV="1">
+            <a:off x="3623924" y="1251295"/>
+            <a:ext cx="1109527" cy="279385"/>
+          </a:xfrm>
+          <a:prstGeom prst="bentConnector3">
+            <a:avLst/>
+          </a:prstGeom>
+          <a:ln>
+            <a:tailEnd type="triangle"/>
+          </a:ln>
+        </p:spPr>
+        <p:style>
+          <a:lnRef idx="1">
+            <a:schemeClr val="accent1"/>
+          </a:lnRef>
+          <a:fillRef idx="0">
+            <a:schemeClr val="accent1"/>
+          </a:fillRef>
+          <a:effectRef idx="0">
+            <a:schemeClr val="accent1"/>
+          </a:effectRef>
+          <a:fontRef idx="minor">
+            <a:schemeClr val="tx1"/>
+          </a:fontRef>
+        </p:style>
+      </p:cxnSp>
+      <p:sp>
+        <p:nvSpPr>
+          <p:cNvPr id="36" name="Hexagon 35">
+            <a:extLst>
+              <a:ext uri="{FF2B5EF4-FFF2-40B4-BE49-F238E27FC236}">
+                <a16:creationId xmlns:a16="http://schemas.microsoft.com/office/drawing/2014/main" id="{27371C44-14B1-F683-2BB8-BF57FF966D55}"/>
+              </a:ext>
+            </a:extLst>
+          </p:cNvPr>
+          <p:cNvSpPr/>
+          <p:nvPr/>
+        </p:nvSpPr>
+        <p:spPr>
+          <a:xfrm>
+            <a:off x="357449" y="1233889"/>
+            <a:ext cx="830673" cy="716097"/>
+          </a:xfrm>
+          <a:prstGeom prst="hexagon">
+            <a:avLst/>
+          </a:prstGeom>
+          <a:noFill/>
+        </p:spPr>
+        <p:style>
+          <a:lnRef idx="2">
+            <a:schemeClr val="accent1">
+              <a:shade val="50000"/>
+            </a:schemeClr>
+          </a:lnRef>
+          <a:fillRef idx="1">
+            <a:schemeClr val="accent1"/>
+          </a:fillRef>
+          <a:effectRef idx="0">
+            <a:schemeClr val="accent1"/>
+          </a:effectRef>
+          <a:fontRef idx="minor">
+            <a:schemeClr val="lt1"/>
+          </a:fontRef>
+        </p:style>
+        <p:txBody>
+          <a:bodyPr rtlCol="0" anchor="ctr"/>
+          <a:lstStyle/>
+          <a:p>
+            <a:pPr algn="ctr"/>
+            <a:endParaRPr lang="es-419"/>
+          </a:p>
+        </p:txBody>
+      </p:sp>
+      <p:sp>
+        <p:nvSpPr>
+          <p:cNvPr id="37" name="Rectangle 36">
+            <a:extLst>
+              <a:ext uri="{FF2B5EF4-FFF2-40B4-BE49-F238E27FC236}">
+                <a16:creationId xmlns:a16="http://schemas.microsoft.com/office/drawing/2014/main" id="{64112213-5C8A-E821-8941-F80DE38A66E4}"/>
+              </a:ext>
+            </a:extLst>
+          </p:cNvPr>
+          <p:cNvSpPr/>
+          <p:nvPr/>
+        </p:nvSpPr>
+        <p:spPr>
+          <a:xfrm>
+            <a:off x="6440516" y="521649"/>
+            <a:ext cx="649224" cy="1078992"/>
+          </a:xfrm>
+          <a:prstGeom prst="rect">
+            <a:avLst/>
+          </a:prstGeom>
+          <a:noFill/>
+        </p:spPr>
+        <p:style>
+          <a:lnRef idx="2">
+            <a:schemeClr val="accent1">
+              <a:shade val="50000"/>
+            </a:schemeClr>
+          </a:lnRef>
+          <a:fillRef idx="1">
+            <a:schemeClr val="accent1"/>
+          </a:fillRef>
+          <a:effectRef idx="0">
+            <a:schemeClr val="accent1"/>
+          </a:effectRef>
+          <a:fontRef idx="minor">
+            <a:schemeClr val="lt1"/>
+          </a:fontRef>
+        </p:style>
+        <p:txBody>
+          <a:bodyPr rtlCol="0" anchor="ctr"/>
+          <a:lstStyle/>
+          <a:p>
+            <a:pPr algn="ctr"/>
+            <a:endParaRPr lang="es-419"/>
+          </a:p>
+        </p:txBody>
+      </p:sp>
+      <p:sp>
+        <p:nvSpPr>
+          <p:cNvPr id="38" name="Rectangle 37">
+            <a:extLst>
+              <a:ext uri="{FF2B5EF4-FFF2-40B4-BE49-F238E27FC236}">
+                <a16:creationId xmlns:a16="http://schemas.microsoft.com/office/drawing/2014/main" id="{4C07C329-FFA6-B57B-1BDC-4EB5159FB9C0}"/>
+              </a:ext>
+            </a:extLst>
+          </p:cNvPr>
+          <p:cNvSpPr/>
+          <p:nvPr/>
+        </p:nvSpPr>
+        <p:spPr>
+          <a:xfrm>
+            <a:off x="6539579" y="2903827"/>
+            <a:ext cx="649224" cy="1078992"/>
+          </a:xfrm>
+          <a:prstGeom prst="rect">
+            <a:avLst/>
+          </a:prstGeom>
+          <a:noFill/>
+        </p:spPr>
+        <p:style>
+          <a:lnRef idx="2">
+            <a:schemeClr val="accent1">
+              <a:shade val="50000"/>
+            </a:schemeClr>
+          </a:lnRef>
+          <a:fillRef idx="1">
+            <a:schemeClr val="accent1"/>
+          </a:fillRef>
+          <a:effectRef idx="0">
+            <a:schemeClr val="accent1"/>
+          </a:effectRef>
+          <a:fontRef idx="minor">
+            <a:schemeClr val="lt1"/>
+          </a:fontRef>
+        </p:style>
+        <p:txBody>
+          <a:bodyPr rtlCol="0" anchor="ctr"/>
+          <a:lstStyle/>
+          <a:p>
+            <a:pPr algn="ctr"/>
+            <a:endParaRPr lang="es-419"/>
+          </a:p>
+        </p:txBody>
+      </p:sp>
+      <p:cxnSp>
+        <p:nvCxnSpPr>
+          <p:cNvPr id="39" name="Connector: Elbow 38">
+            <a:extLst>
+              <a:ext uri="{FF2B5EF4-FFF2-40B4-BE49-F238E27FC236}">
+                <a16:creationId xmlns:a16="http://schemas.microsoft.com/office/drawing/2014/main" id="{5DBB94B9-B455-9CC8-D9BF-23CF34EFB7D3}"/>
+              </a:ext>
+            </a:extLst>
+          </p:cNvPr>
+          <p:cNvCxnSpPr>
+            <a:cxnSpLocks/>
+            <a:endCxn id="37" idx="1"/>
+          </p:cNvCxnSpPr>
+          <p:nvPr/>
+        </p:nvCxnSpPr>
+        <p:spPr>
+          <a:xfrm flipV="1">
+            <a:off x="5564123" y="1061145"/>
+            <a:ext cx="876393" cy="190151"/>
+          </a:xfrm>
+          <a:prstGeom prst="bentConnector3">
+            <a:avLst/>
+          </a:prstGeom>
+          <a:ln>
+            <a:tailEnd type="triangle"/>
+          </a:ln>
+        </p:spPr>
+        <p:style>
+          <a:lnRef idx="1">
+            <a:schemeClr val="accent1"/>
+          </a:lnRef>
+          <a:fillRef idx="0">
+            <a:schemeClr val="accent1"/>
+          </a:fillRef>
+          <a:effectRef idx="0">
+            <a:schemeClr val="accent1"/>
+          </a:effectRef>
+          <a:fontRef idx="minor">
+            <a:schemeClr val="tx1"/>
+          </a:fontRef>
+        </p:style>
+      </p:cxnSp>
+      <p:cxnSp>
+        <p:nvCxnSpPr>
+          <p:cNvPr id="40" name="Connector: Elbow 39">
+            <a:extLst>
+              <a:ext uri="{FF2B5EF4-FFF2-40B4-BE49-F238E27FC236}">
+                <a16:creationId xmlns:a16="http://schemas.microsoft.com/office/drawing/2014/main" id="{29B4E29B-92C1-7950-3EC1-06A037A6951A}"/>
+              </a:ext>
+            </a:extLst>
+          </p:cNvPr>
+          <p:cNvCxnSpPr>
+            <a:endCxn id="37" idx="1"/>
+          </p:cNvCxnSpPr>
+          <p:nvPr/>
+        </p:nvCxnSpPr>
+        <p:spPr>
+          <a:xfrm flipV="1">
+            <a:off x="5564123" y="1061145"/>
+            <a:ext cx="876393" cy="1308033"/>
+          </a:xfrm>
+          <a:prstGeom prst="bentConnector3">
+            <a:avLst/>
+          </a:prstGeom>
+          <a:ln>
+            <a:tailEnd type="triangle"/>
+          </a:ln>
+        </p:spPr>
+        <p:style>
+          <a:lnRef idx="1">
+            <a:schemeClr val="accent1"/>
+          </a:lnRef>
+          <a:fillRef idx="0">
+            <a:schemeClr val="accent1"/>
+          </a:fillRef>
+          <a:effectRef idx="0">
+            <a:schemeClr val="accent1"/>
+          </a:effectRef>
+          <a:fontRef idx="minor">
+            <a:schemeClr val="tx1"/>
+          </a:fontRef>
+        </p:style>
+      </p:cxnSp>
+      <p:sp>
+        <p:nvSpPr>
+          <p:cNvPr id="41" name="Hexagon 40">
+            <a:extLst>
+              <a:ext uri="{FF2B5EF4-FFF2-40B4-BE49-F238E27FC236}">
+                <a16:creationId xmlns:a16="http://schemas.microsoft.com/office/drawing/2014/main" id="{4D9572CB-99E3-2D07-9C14-CEABD69B7F10}"/>
+              </a:ext>
+            </a:extLst>
+          </p:cNvPr>
+          <p:cNvSpPr/>
+          <p:nvPr/>
+        </p:nvSpPr>
+        <p:spPr>
+          <a:xfrm>
+            <a:off x="2913599" y="4969271"/>
+            <a:ext cx="830673" cy="716097"/>
+          </a:xfrm>
+          <a:prstGeom prst="hexagon">
+            <a:avLst/>
+          </a:prstGeom>
+          <a:noFill/>
+        </p:spPr>
+        <p:style>
+          <a:lnRef idx="2">
+            <a:schemeClr val="accent1">
+              <a:shade val="50000"/>
+            </a:schemeClr>
+          </a:lnRef>
+          <a:fillRef idx="1">
+            <a:schemeClr val="accent1"/>
+          </a:fillRef>
+          <a:effectRef idx="0">
+            <a:schemeClr val="accent1"/>
+          </a:effectRef>
+          <a:fontRef idx="minor">
+            <a:schemeClr val="lt1"/>
+          </a:fontRef>
+        </p:style>
+        <p:txBody>
+          <a:bodyPr rtlCol="0" anchor="ctr"/>
+          <a:lstStyle/>
+          <a:p>
+            <a:pPr algn="ctr"/>
+            <a:endParaRPr lang="es-419"/>
+          </a:p>
+        </p:txBody>
+      </p:sp>
+      <p:sp>
+        <p:nvSpPr>
+          <p:cNvPr id="42" name="Hexagon 41">
+            <a:extLst>
+              <a:ext uri="{FF2B5EF4-FFF2-40B4-BE49-F238E27FC236}">
+                <a16:creationId xmlns:a16="http://schemas.microsoft.com/office/drawing/2014/main" id="{FAAE5709-D009-26F0-4034-D86BC8F37E97}"/>
+              </a:ext>
+            </a:extLst>
+          </p:cNvPr>
+          <p:cNvSpPr/>
+          <p:nvPr/>
+        </p:nvSpPr>
+        <p:spPr>
+          <a:xfrm>
+            <a:off x="1500877" y="4613537"/>
+            <a:ext cx="830673" cy="716097"/>
+          </a:xfrm>
+          <a:prstGeom prst="hexagon">
+            <a:avLst/>
+          </a:prstGeom>
+          <a:noFill/>
+        </p:spPr>
+        <p:style>
+          <a:lnRef idx="2">
+            <a:schemeClr val="accent1">
+              <a:shade val="50000"/>
+            </a:schemeClr>
+          </a:lnRef>
+          <a:fillRef idx="1">
+            <a:schemeClr val="accent1"/>
+          </a:fillRef>
+          <a:effectRef idx="0">
+            <a:schemeClr val="accent1"/>
+          </a:effectRef>
+          <a:fontRef idx="minor">
+            <a:schemeClr val="lt1"/>
+          </a:fontRef>
+        </p:style>
+        <p:txBody>
+          <a:bodyPr rtlCol="0" anchor="ctr"/>
+          <a:lstStyle/>
+          <a:p>
+            <a:pPr algn="ctr"/>
+            <a:endParaRPr lang="es-419"/>
+          </a:p>
+        </p:txBody>
+      </p:sp>
+      <p:sp>
+        <p:nvSpPr>
+          <p:cNvPr id="43" name="Hexagon 42">
+            <a:extLst>
+              <a:ext uri="{FF2B5EF4-FFF2-40B4-BE49-F238E27FC236}">
+                <a16:creationId xmlns:a16="http://schemas.microsoft.com/office/drawing/2014/main" id="{37160282-7C0D-FFC1-9270-F3E28B7B4676}"/>
+              </a:ext>
+            </a:extLst>
+          </p:cNvPr>
+          <p:cNvSpPr/>
+          <p:nvPr/>
+        </p:nvSpPr>
+        <p:spPr>
+          <a:xfrm>
+            <a:off x="1500877" y="5549335"/>
+            <a:ext cx="830673" cy="716097"/>
+          </a:xfrm>
+          <a:prstGeom prst="hexagon">
+            <a:avLst/>
+          </a:prstGeom>
+          <a:noFill/>
+        </p:spPr>
+        <p:style>
+          <a:lnRef idx="2">
+            <a:schemeClr val="accent1">
+              <a:shade val="50000"/>
+            </a:schemeClr>
+          </a:lnRef>
+          <a:fillRef idx="1">
+            <a:schemeClr val="accent1"/>
+          </a:fillRef>
+          <a:effectRef idx="0">
+            <a:schemeClr val="accent1"/>
+          </a:effectRef>
+          <a:fontRef idx="minor">
+            <a:schemeClr val="lt1"/>
+          </a:fontRef>
+        </p:style>
+        <p:txBody>
+          <a:bodyPr rtlCol="0" anchor="ctr"/>
+          <a:lstStyle/>
+          <a:p>
+            <a:pPr algn="ctr"/>
+            <a:endParaRPr lang="es-419"/>
+          </a:p>
+        </p:txBody>
+      </p:sp>
+      <p:cxnSp>
+        <p:nvCxnSpPr>
+          <p:cNvPr id="44" name="Connector: Elbow 43">
+            <a:extLst>
+              <a:ext uri="{FF2B5EF4-FFF2-40B4-BE49-F238E27FC236}">
+                <a16:creationId xmlns:a16="http://schemas.microsoft.com/office/drawing/2014/main" id="{D60E7B60-C67B-10AA-819C-525B6C345B9D}"/>
+              </a:ext>
+            </a:extLst>
+          </p:cNvPr>
+          <p:cNvCxnSpPr>
+            <a:stCxn id="42" idx="0"/>
+            <a:endCxn id="41" idx="3"/>
+          </p:cNvCxnSpPr>
+          <p:nvPr/>
+        </p:nvCxnSpPr>
+        <p:spPr>
+          <a:xfrm>
+            <a:off x="2331550" y="4971586"/>
+            <a:ext cx="582049" cy="355734"/>
+          </a:xfrm>
+          <a:prstGeom prst="bentConnector3">
+            <a:avLst/>
+          </a:prstGeom>
+          <a:ln>
+            <a:tailEnd type="triangle"/>
+          </a:ln>
+        </p:spPr>
+        <p:style>
+          <a:lnRef idx="1">
+            <a:schemeClr val="accent1"/>
+          </a:lnRef>
+          <a:fillRef idx="0">
+            <a:schemeClr val="accent1"/>
+          </a:fillRef>
+          <a:effectRef idx="0">
+            <a:schemeClr val="accent1"/>
+          </a:effectRef>
+          <a:fontRef idx="minor">
+            <a:schemeClr val="tx1"/>
+          </a:fontRef>
+        </p:style>
+      </p:cxnSp>
+      <p:cxnSp>
+        <p:nvCxnSpPr>
+          <p:cNvPr id="45" name="Connector: Elbow 44">
+            <a:extLst>
+              <a:ext uri="{FF2B5EF4-FFF2-40B4-BE49-F238E27FC236}">
+                <a16:creationId xmlns:a16="http://schemas.microsoft.com/office/drawing/2014/main" id="{BB7C3779-AF2A-59D8-A695-C2735B90DDAE}"/>
+              </a:ext>
+            </a:extLst>
+          </p:cNvPr>
+          <p:cNvCxnSpPr>
+            <a:stCxn id="43" idx="0"/>
+            <a:endCxn id="41" idx="3"/>
+          </p:cNvCxnSpPr>
+          <p:nvPr/>
+        </p:nvCxnSpPr>
+        <p:spPr>
+          <a:xfrm flipV="1">
+            <a:off x="2331550" y="5327320"/>
+            <a:ext cx="582049" cy="580064"/>
+          </a:xfrm>
+          <a:prstGeom prst="bentConnector3">
+            <a:avLst/>
+          </a:prstGeom>
+          <a:ln>
+            <a:tailEnd type="triangle"/>
+          </a:ln>
+        </p:spPr>
+        <p:style>
+          <a:lnRef idx="1">
+            <a:schemeClr val="accent1"/>
+          </a:lnRef>
+          <a:fillRef idx="0">
+            <a:schemeClr val="accent1"/>
+          </a:fillRef>
+          <a:effectRef idx="0">
+            <a:schemeClr val="accent1"/>
+          </a:effectRef>
+          <a:fontRef idx="minor">
+            <a:schemeClr val="tx1"/>
+          </a:fontRef>
+        </p:style>
+      </p:cxnSp>
+      <p:sp>
+        <p:nvSpPr>
+          <p:cNvPr id="46" name="Rectangle 45">
+            <a:extLst>
+              <a:ext uri="{FF2B5EF4-FFF2-40B4-BE49-F238E27FC236}">
+                <a16:creationId xmlns:a16="http://schemas.microsoft.com/office/drawing/2014/main" id="{799CA7B3-AD34-3FBC-1028-FBD5C74977EF}"/>
+              </a:ext>
+            </a:extLst>
+          </p:cNvPr>
+          <p:cNvSpPr/>
+          <p:nvPr/>
+        </p:nvSpPr>
+        <p:spPr>
+          <a:xfrm>
+            <a:off x="6611112" y="4442884"/>
+            <a:ext cx="649224" cy="1078992"/>
+          </a:xfrm>
+          <a:prstGeom prst="rect">
+            <a:avLst/>
+          </a:prstGeom>
+          <a:noFill/>
+        </p:spPr>
+        <p:style>
+          <a:lnRef idx="2">
+            <a:schemeClr val="accent1">
+              <a:shade val="50000"/>
+            </a:schemeClr>
+          </a:lnRef>
+          <a:fillRef idx="1">
+            <a:schemeClr val="accent1"/>
+          </a:fillRef>
+          <a:effectRef idx="0">
+            <a:schemeClr val="accent1"/>
+          </a:effectRef>
+          <a:fontRef idx="minor">
+            <a:schemeClr val="lt1"/>
+          </a:fontRef>
+        </p:style>
+        <p:txBody>
+          <a:bodyPr rtlCol="0" anchor="ctr"/>
+          <a:lstStyle/>
+          <a:p>
+            <a:pPr algn="ctr"/>
+            <a:endParaRPr lang="es-419" dirty="0"/>
+          </a:p>
+        </p:txBody>
+      </p:sp>
+      <p:cxnSp>
+        <p:nvCxnSpPr>
+          <p:cNvPr id="47" name="Straight Connector 46">
+            <a:extLst>
+              <a:ext uri="{FF2B5EF4-FFF2-40B4-BE49-F238E27FC236}">
+                <a16:creationId xmlns:a16="http://schemas.microsoft.com/office/drawing/2014/main" id="{30D67ECB-B0F3-2984-E0AE-8E14683BEE40}"/>
+              </a:ext>
+            </a:extLst>
+          </p:cNvPr>
+          <p:cNvCxnSpPr/>
+          <p:nvPr/>
+        </p:nvCxnSpPr>
+        <p:spPr>
+          <a:xfrm>
+            <a:off x="7397496" y="228600"/>
+            <a:ext cx="0" cy="6309360"/>
+          </a:xfrm>
+          <a:prstGeom prst="line">
+            <a:avLst/>
+          </a:prstGeom>
+        </p:spPr>
+        <p:style>
+          <a:lnRef idx="1">
+            <a:schemeClr val="accent1"/>
+          </a:lnRef>
+          <a:fillRef idx="0">
+            <a:schemeClr val="accent1"/>
+          </a:fillRef>
+          <a:effectRef idx="0">
+            <a:schemeClr val="accent1"/>
+          </a:effectRef>
+          <a:fontRef idx="minor">
+            <a:schemeClr val="tx1"/>
+          </a:fontRef>
+        </p:style>
+      </p:cxnSp>
+      <p:sp>
+        <p:nvSpPr>
+          <p:cNvPr id="48" name="Hexagon 47">
+            <a:extLst>
+              <a:ext uri="{FF2B5EF4-FFF2-40B4-BE49-F238E27FC236}">
+                <a16:creationId xmlns:a16="http://schemas.microsoft.com/office/drawing/2014/main" id="{538E90FA-E8D7-6A5F-D653-92A5C59655EB}"/>
+              </a:ext>
+            </a:extLst>
+          </p:cNvPr>
+          <p:cNvSpPr/>
+          <p:nvPr/>
+        </p:nvSpPr>
+        <p:spPr>
+          <a:xfrm>
+            <a:off x="7858552" y="703096"/>
+            <a:ext cx="830673" cy="716097"/>
+          </a:xfrm>
+          <a:prstGeom prst="hexagon">
+            <a:avLst/>
+          </a:prstGeom>
+          <a:noFill/>
+        </p:spPr>
+        <p:style>
+          <a:lnRef idx="2">
+            <a:schemeClr val="accent1">
+              <a:shade val="50000"/>
+            </a:schemeClr>
+          </a:lnRef>
+          <a:fillRef idx="1">
+            <a:schemeClr val="accent1"/>
+          </a:fillRef>
+          <a:effectRef idx="0">
+            <a:schemeClr val="accent1"/>
+          </a:effectRef>
+          <a:fontRef idx="minor">
+            <a:schemeClr val="lt1"/>
+          </a:fontRef>
+        </p:style>
+        <p:txBody>
+          <a:bodyPr rtlCol="0" anchor="ctr"/>
+          <a:lstStyle/>
+          <a:p>
+            <a:pPr algn="ctr"/>
+            <a:endParaRPr lang="es-419"/>
+          </a:p>
+        </p:txBody>
+      </p:sp>
+      <p:sp>
+        <p:nvSpPr>
+          <p:cNvPr id="49" name="Arrow: Up 48">
+            <a:extLst>
+              <a:ext uri="{FF2B5EF4-FFF2-40B4-BE49-F238E27FC236}">
+                <a16:creationId xmlns:a16="http://schemas.microsoft.com/office/drawing/2014/main" id="{DB60B3FA-211A-5763-9898-D6E8478886BE}"/>
+              </a:ext>
+            </a:extLst>
+          </p:cNvPr>
+          <p:cNvSpPr/>
+          <p:nvPr/>
+        </p:nvSpPr>
+        <p:spPr>
+          <a:xfrm>
+            <a:off x="8833104" y="703096"/>
+            <a:ext cx="354702" cy="716097"/>
+          </a:xfrm>
+          <a:prstGeom prst="upArrow">
+            <a:avLst/>
+          </a:prstGeom>
+          <a:noFill/>
+        </p:spPr>
+        <p:style>
+          <a:lnRef idx="2">
+            <a:schemeClr val="accent1">
+              <a:shade val="50000"/>
+            </a:schemeClr>
+          </a:lnRef>
+          <a:fillRef idx="1">
+            <a:schemeClr val="accent1"/>
+          </a:fillRef>
+          <a:effectRef idx="0">
+            <a:schemeClr val="accent1"/>
+          </a:effectRef>
+          <a:fontRef idx="minor">
+            <a:schemeClr val="lt1"/>
+          </a:fontRef>
+        </p:style>
+        <p:txBody>
+          <a:bodyPr rtlCol="0" anchor="ctr"/>
+          <a:lstStyle/>
+          <a:p>
+            <a:pPr algn="ctr"/>
+            <a:endParaRPr lang="es-419"/>
+          </a:p>
+        </p:txBody>
+      </p:sp>
+      <p:sp>
+        <p:nvSpPr>
+          <p:cNvPr id="50" name="Arrow: Down 49">
+            <a:extLst>
+              <a:ext uri="{FF2B5EF4-FFF2-40B4-BE49-F238E27FC236}">
+                <a16:creationId xmlns:a16="http://schemas.microsoft.com/office/drawing/2014/main" id="{8D155398-E925-7B43-700A-BEDF384C38D9}"/>
+              </a:ext>
+            </a:extLst>
+          </p:cNvPr>
+          <p:cNvSpPr/>
+          <p:nvPr/>
+        </p:nvSpPr>
+        <p:spPr>
+          <a:xfrm>
+            <a:off x="9464040" y="703096"/>
+            <a:ext cx="354702" cy="716097"/>
+          </a:xfrm>
+          <a:prstGeom prst="downArrow">
+            <a:avLst/>
+          </a:prstGeom>
+          <a:noFill/>
+        </p:spPr>
+        <p:style>
+          <a:lnRef idx="2">
+            <a:schemeClr val="accent1">
+              <a:shade val="50000"/>
+            </a:schemeClr>
+          </a:lnRef>
+          <a:fillRef idx="1">
+            <a:schemeClr val="accent1"/>
+          </a:fillRef>
+          <a:effectRef idx="0">
+            <a:schemeClr val="accent1"/>
+          </a:effectRef>
+          <a:fontRef idx="minor">
+            <a:schemeClr val="lt1"/>
+          </a:fontRef>
+        </p:style>
+        <p:txBody>
+          <a:bodyPr rtlCol="0" anchor="ctr"/>
+          <a:lstStyle/>
+          <a:p>
+            <a:pPr algn="ctr"/>
+            <a:endParaRPr lang="es-419"/>
+          </a:p>
+        </p:txBody>
+      </p:sp>
+      <p:sp>
+        <p:nvSpPr>
+          <p:cNvPr id="51" name="TextBox 50">
+            <a:extLst>
+              <a:ext uri="{FF2B5EF4-FFF2-40B4-BE49-F238E27FC236}">
+                <a16:creationId xmlns:a16="http://schemas.microsoft.com/office/drawing/2014/main" id="{51DF025C-4970-1299-DC8B-345DAE73F913}"/>
               </a:ext>
             </a:extLst>
           </p:cNvPr>
@@ -4127,8 +12998,8 @@
         </p:nvSpPr>
         <p:spPr>
           <a:xfrm>
-            <a:off x="3364184" y="1016084"/>
-            <a:ext cx="1125886" cy="369332"/>
+            <a:off x="8448418" y="313194"/>
+            <a:ext cx="1056251" cy="369332"/>
           </a:xfrm>
           <a:prstGeom prst="rect">
             <a:avLst/>
@@ -4142,20 +13013,334 @@
           <a:lstStyle/>
           <a:p>
             <a:r>
-              <a:rPr lang="es-419" dirty="0" err="1"/>
-              <a:t>Service</a:t>
+              <a:rPr lang="es-419" dirty="0"/>
+              <a:t>Beneficio</a:t>
             </a:r>
+          </a:p>
+        </p:txBody>
+      </p:sp>
+      <p:sp>
+        <p:nvSpPr>
+          <p:cNvPr id="52" name="TextBox 51">
+            <a:extLst>
+              <a:ext uri="{FF2B5EF4-FFF2-40B4-BE49-F238E27FC236}">
+                <a16:creationId xmlns:a16="http://schemas.microsoft.com/office/drawing/2014/main" id="{6191D342-8B9D-AC4D-828F-FB89FECD3AE7}"/>
+              </a:ext>
+            </a:extLst>
+          </p:cNvPr>
+          <p:cNvSpPr txBox="1"/>
+          <p:nvPr/>
+        </p:nvSpPr>
+        <p:spPr>
+          <a:xfrm>
+            <a:off x="9225660" y="1378494"/>
+            <a:ext cx="713657" cy="369332"/>
+          </a:xfrm>
+          <a:prstGeom prst="rect">
+            <a:avLst/>
+          </a:prstGeom>
+          <a:noFill/>
+        </p:spPr>
+        <p:txBody>
+          <a:bodyPr wrap="none" rtlCol="0">
+            <a:spAutoFit/>
+          </a:bodyPr>
+          <a:lstStyle/>
+          <a:p>
             <a:r>
               <a:rPr lang="es-419" dirty="0"/>
-              <a:t> C</a:t>
+              <a:t>Costo</a:t>
             </a:r>
           </a:p>
         </p:txBody>
       </p:sp>
+      <p:sp>
+        <p:nvSpPr>
+          <p:cNvPr id="53" name="Hexagon 52">
+            <a:extLst>
+              <a:ext uri="{FF2B5EF4-FFF2-40B4-BE49-F238E27FC236}">
+                <a16:creationId xmlns:a16="http://schemas.microsoft.com/office/drawing/2014/main" id="{4CF9B804-E73B-FFEB-3B9D-794B48CDCEB3}"/>
+              </a:ext>
+            </a:extLst>
+          </p:cNvPr>
+          <p:cNvSpPr/>
+          <p:nvPr/>
+        </p:nvSpPr>
+        <p:spPr>
+          <a:xfrm>
+            <a:off x="7858552" y="2552335"/>
+            <a:ext cx="830673" cy="716097"/>
+          </a:xfrm>
+          <a:prstGeom prst="hexagon">
+            <a:avLst/>
+          </a:prstGeom>
+          <a:noFill/>
+        </p:spPr>
+        <p:style>
+          <a:lnRef idx="2">
+            <a:schemeClr val="accent1">
+              <a:shade val="50000"/>
+            </a:schemeClr>
+          </a:lnRef>
+          <a:fillRef idx="1">
+            <a:schemeClr val="accent1"/>
+          </a:fillRef>
+          <a:effectRef idx="0">
+            <a:schemeClr val="accent1"/>
+          </a:effectRef>
+          <a:fontRef idx="minor">
+            <a:schemeClr val="lt1"/>
+          </a:fontRef>
+        </p:style>
+        <p:txBody>
+          <a:bodyPr rtlCol="0" anchor="ctr"/>
+          <a:lstStyle/>
+          <a:p>
+            <a:pPr algn="ctr"/>
+            <a:endParaRPr lang="es-419"/>
+          </a:p>
+        </p:txBody>
+      </p:sp>
+      <p:sp>
+        <p:nvSpPr>
+          <p:cNvPr id="54" name="Arrow: Up 53">
+            <a:extLst>
+              <a:ext uri="{FF2B5EF4-FFF2-40B4-BE49-F238E27FC236}">
+                <a16:creationId xmlns:a16="http://schemas.microsoft.com/office/drawing/2014/main" id="{3468CC90-42FA-B530-3575-DFAB1F8ECA8B}"/>
+              </a:ext>
+            </a:extLst>
+          </p:cNvPr>
+          <p:cNvSpPr/>
+          <p:nvPr/>
+        </p:nvSpPr>
+        <p:spPr>
+          <a:xfrm rot="10800000">
+            <a:off x="8833104" y="2552335"/>
+            <a:ext cx="354702" cy="716097"/>
+          </a:xfrm>
+          <a:prstGeom prst="upArrow">
+            <a:avLst/>
+          </a:prstGeom>
+          <a:noFill/>
+        </p:spPr>
+        <p:style>
+          <a:lnRef idx="2">
+            <a:schemeClr val="accent1">
+              <a:shade val="50000"/>
+            </a:schemeClr>
+          </a:lnRef>
+          <a:fillRef idx="1">
+            <a:schemeClr val="accent1"/>
+          </a:fillRef>
+          <a:effectRef idx="0">
+            <a:schemeClr val="accent1"/>
+          </a:effectRef>
+          <a:fontRef idx="minor">
+            <a:schemeClr val="lt1"/>
+          </a:fontRef>
+        </p:style>
+        <p:txBody>
+          <a:bodyPr rtlCol="0" anchor="ctr"/>
+          <a:lstStyle/>
+          <a:p>
+            <a:pPr algn="ctr"/>
+            <a:endParaRPr lang="es-419"/>
+          </a:p>
+        </p:txBody>
+      </p:sp>
+      <p:sp>
+        <p:nvSpPr>
+          <p:cNvPr id="55" name="Arrow: Down 54">
+            <a:extLst>
+              <a:ext uri="{FF2B5EF4-FFF2-40B4-BE49-F238E27FC236}">
+                <a16:creationId xmlns:a16="http://schemas.microsoft.com/office/drawing/2014/main" id="{E8B8389A-A9D5-DA6A-FDB0-327EA93AC5C3}"/>
+              </a:ext>
+            </a:extLst>
+          </p:cNvPr>
+          <p:cNvSpPr/>
+          <p:nvPr/>
+        </p:nvSpPr>
+        <p:spPr>
+          <a:xfrm rot="10800000">
+            <a:off x="9464040" y="2552335"/>
+            <a:ext cx="354702" cy="716097"/>
+          </a:xfrm>
+          <a:prstGeom prst="downArrow">
+            <a:avLst/>
+          </a:prstGeom>
+          <a:noFill/>
+        </p:spPr>
+        <p:style>
+          <a:lnRef idx="2">
+            <a:schemeClr val="accent1">
+              <a:shade val="50000"/>
+            </a:schemeClr>
+          </a:lnRef>
+          <a:fillRef idx="1">
+            <a:schemeClr val="accent1"/>
+          </a:fillRef>
+          <a:effectRef idx="0">
+            <a:schemeClr val="accent1"/>
+          </a:effectRef>
+          <a:fontRef idx="minor">
+            <a:schemeClr val="lt1"/>
+          </a:fontRef>
+        </p:style>
+        <p:txBody>
+          <a:bodyPr rtlCol="0" anchor="ctr"/>
+          <a:lstStyle/>
+          <a:p>
+            <a:pPr algn="ctr"/>
+            <a:endParaRPr lang="es-419"/>
+          </a:p>
+        </p:txBody>
+      </p:sp>
+      <p:sp>
+        <p:nvSpPr>
+          <p:cNvPr id="56" name="TextBox 55">
+            <a:extLst>
+              <a:ext uri="{FF2B5EF4-FFF2-40B4-BE49-F238E27FC236}">
+                <a16:creationId xmlns:a16="http://schemas.microsoft.com/office/drawing/2014/main" id="{D97418F2-B1A9-3254-B7C5-1251A324111F}"/>
+              </a:ext>
+            </a:extLst>
+          </p:cNvPr>
+          <p:cNvSpPr txBox="1"/>
+          <p:nvPr/>
+        </p:nvSpPr>
+        <p:spPr>
+          <a:xfrm>
+            <a:off x="8448418" y="2162433"/>
+            <a:ext cx="1056251" cy="369332"/>
+          </a:xfrm>
+          <a:prstGeom prst="rect">
+            <a:avLst/>
+          </a:prstGeom>
+          <a:noFill/>
+        </p:spPr>
+        <p:txBody>
+          <a:bodyPr wrap="none" rtlCol="0">
+            <a:spAutoFit/>
+          </a:bodyPr>
+          <a:lstStyle/>
+          <a:p>
+            <a:r>
+              <a:rPr lang="es-419" dirty="0"/>
+              <a:t>Beneficio</a:t>
+            </a:r>
+          </a:p>
+        </p:txBody>
+      </p:sp>
+      <p:sp>
+        <p:nvSpPr>
+          <p:cNvPr id="57" name="TextBox 56">
+            <a:extLst>
+              <a:ext uri="{FF2B5EF4-FFF2-40B4-BE49-F238E27FC236}">
+                <a16:creationId xmlns:a16="http://schemas.microsoft.com/office/drawing/2014/main" id="{01CC8A9D-BEAA-1927-FD93-3AA878A52D64}"/>
+              </a:ext>
+            </a:extLst>
+          </p:cNvPr>
+          <p:cNvSpPr txBox="1"/>
+          <p:nvPr/>
+        </p:nvSpPr>
+        <p:spPr>
+          <a:xfrm>
+            <a:off x="9331685" y="3256226"/>
+            <a:ext cx="713657" cy="369332"/>
+          </a:xfrm>
+          <a:prstGeom prst="rect">
+            <a:avLst/>
+          </a:prstGeom>
+          <a:noFill/>
+        </p:spPr>
+        <p:txBody>
+          <a:bodyPr wrap="none" rtlCol="0">
+            <a:spAutoFit/>
+          </a:bodyPr>
+          <a:lstStyle/>
+          <a:p>
+            <a:r>
+              <a:rPr lang="es-419" dirty="0"/>
+              <a:t>Costo</a:t>
+            </a:r>
+          </a:p>
+        </p:txBody>
+      </p:sp>
+      <p:cxnSp>
+        <p:nvCxnSpPr>
+          <p:cNvPr id="58" name="Straight Connector 57">
+            <a:extLst>
+              <a:ext uri="{FF2B5EF4-FFF2-40B4-BE49-F238E27FC236}">
+                <a16:creationId xmlns:a16="http://schemas.microsoft.com/office/drawing/2014/main" id="{6B3137F5-1981-0415-3A98-0BFE7B29E4C8}"/>
+              </a:ext>
+            </a:extLst>
+          </p:cNvPr>
+          <p:cNvCxnSpPr/>
+          <p:nvPr/>
+        </p:nvCxnSpPr>
+        <p:spPr>
+          <a:xfrm>
+            <a:off x="7858552" y="2011129"/>
+            <a:ext cx="2894792" cy="1971690"/>
+          </a:xfrm>
+          <a:prstGeom prst="line">
+            <a:avLst/>
+          </a:prstGeom>
+        </p:spPr>
+        <p:style>
+          <a:lnRef idx="1">
+            <a:schemeClr val="accent1"/>
+          </a:lnRef>
+          <a:fillRef idx="0">
+            <a:schemeClr val="accent1"/>
+          </a:fillRef>
+          <a:effectRef idx="0">
+            <a:schemeClr val="accent1"/>
+          </a:effectRef>
+          <a:fontRef idx="minor">
+            <a:schemeClr val="tx1"/>
+          </a:fontRef>
+        </p:style>
+      </p:cxnSp>
+      <p:cxnSp>
+        <p:nvCxnSpPr>
+          <p:cNvPr id="59" name="Straight Connector 58">
+            <a:extLst>
+              <a:ext uri="{FF2B5EF4-FFF2-40B4-BE49-F238E27FC236}">
+                <a16:creationId xmlns:a16="http://schemas.microsoft.com/office/drawing/2014/main" id="{B1242307-A862-57B0-DE3E-84EEC67212A5}"/>
+              </a:ext>
+            </a:extLst>
+          </p:cNvPr>
+          <p:cNvCxnSpPr/>
+          <p:nvPr/>
+        </p:nvCxnSpPr>
+        <p:spPr>
+          <a:xfrm flipH="1">
+            <a:off x="8074152" y="1949986"/>
+            <a:ext cx="2485362" cy="1849953"/>
+          </a:xfrm>
+          <a:prstGeom prst="line">
+            <a:avLst/>
+          </a:prstGeom>
+        </p:spPr>
+        <p:style>
+          <a:lnRef idx="1">
+            <a:schemeClr val="accent1"/>
+          </a:lnRef>
+          <a:fillRef idx="0">
+            <a:schemeClr val="accent1"/>
+          </a:fillRef>
+          <a:effectRef idx="0">
+            <a:schemeClr val="accent1"/>
+          </a:effectRef>
+          <a:fontRef idx="minor">
+            <a:schemeClr val="tx1"/>
+          </a:fontRef>
+        </p:style>
+      </p:cxnSp>
     </p:spTree>
     <p:extLst>
       <p:ext uri="{BB962C8B-B14F-4D97-AF65-F5344CB8AC3E}">
-        <p14:creationId xmlns:p14="http://schemas.microsoft.com/office/powerpoint/2010/main" val="3054913601"/>
+        <p14:creationId xmlns:p14="http://schemas.microsoft.com/office/powerpoint/2010/main" val="960899"/>
       </p:ext>
     </p:extLst>
   </p:cSld>
